--- a/documentation/MarketingMaterial/CAMARA Onepager.pptx
+++ b/documentation/MarketingMaterial/CAMARA Onepager.pptx
@@ -252,61 +252,13 @@
 <file path=ppt/revisionInfo.xml><?xml version="1.0" encoding="utf-8"?>
 <p1510:revInfo xmlns:a="http://schemas.openxmlformats.org/drawingml/2006/main" xmlns:r="http://schemas.openxmlformats.org/officeDocument/2006/relationships" xmlns:p1510="http://schemas.microsoft.com/office/powerpoint/2015/10/main">
   <p1510:revLst>
-    <p1510:client id="{70689628-A2CC-4A3A-9986-D50F656A5A10}" v="1" dt="2024-06-06T10:57:02.638"/>
+    <p1510:client id="{34666427-7FCB-4FA7-A3B4-9E6503AF3227}" v="1" dt="2024-09-11T13:21:29.190"/>
   </p1510:revLst>
 </p1510:revInfo>
 </file>
 
 <file path=ppt/changesInfos/changesInfo1.xml><?xml version="1.0" encoding="utf-8"?>
 <pc:chgInfo xmlns:a="http://schemas.openxmlformats.org/drawingml/2006/main" xmlns:r="http://schemas.openxmlformats.org/officeDocument/2006/relationships" xmlns:ac="http://schemas.microsoft.com/office/drawing/2013/main/command" xmlns:pc="http://schemas.microsoft.com/office/powerpoint/2013/main/command">
-  <pc:docChgLst>
-    <pc:chgData name="Kümmerle, Markus" userId="edb588ad-b118-44cb-93b6-335b967c9009" providerId="ADAL" clId="{E7E46156-6837-4F04-A185-356A0A7796C6}"/>
-    <pc:docChg chg="custSel modSld">
-      <pc:chgData name="Kümmerle, Markus" userId="edb588ad-b118-44cb-93b6-335b967c9009" providerId="ADAL" clId="{E7E46156-6837-4F04-A185-356A0A7796C6}" dt="2023-06-29T13:00:22.997" v="47" actId="20577"/>
-      <pc:docMkLst>
-        <pc:docMk/>
-      </pc:docMkLst>
-      <pc:sldChg chg="addSp delSp modSp mod">
-        <pc:chgData name="Kümmerle, Markus" userId="edb588ad-b118-44cb-93b6-335b967c9009" providerId="ADAL" clId="{E7E46156-6837-4F04-A185-356A0A7796C6}" dt="2023-06-29T13:00:22.997" v="47" actId="20577"/>
-        <pc:sldMkLst>
-          <pc:docMk/>
-          <pc:sldMk cId="753175953" sldId="2056"/>
-        </pc:sldMkLst>
-        <pc:spChg chg="mod">
-          <ac:chgData name="Kümmerle, Markus" userId="edb588ad-b118-44cb-93b6-335b967c9009" providerId="ADAL" clId="{E7E46156-6837-4F04-A185-356A0A7796C6}" dt="2023-06-29T13:00:22.997" v="47" actId="20577"/>
-          <ac:spMkLst>
-            <pc:docMk/>
-            <pc:sldMk cId="753175953" sldId="2056"/>
-            <ac:spMk id="12" creationId="{70463976-1354-BDDA-18A9-EEFA0BB1625A}"/>
-          </ac:spMkLst>
-        </pc:spChg>
-        <pc:picChg chg="add del mod">
-          <ac:chgData name="Kümmerle, Markus" userId="edb588ad-b118-44cb-93b6-335b967c9009" providerId="ADAL" clId="{E7E46156-6837-4F04-A185-356A0A7796C6}" dt="2023-06-29T13:00:00.568" v="38" actId="478"/>
-          <ac:picMkLst>
-            <pc:docMk/>
-            <pc:sldMk cId="753175953" sldId="2056"/>
-            <ac:picMk id="3" creationId="{34C3BFD7-5E7C-A945-4430-9DE9B020B165}"/>
-          </ac:picMkLst>
-        </pc:picChg>
-        <pc:picChg chg="add mod">
-          <ac:chgData name="Kümmerle, Markus" userId="edb588ad-b118-44cb-93b6-335b967c9009" providerId="ADAL" clId="{E7E46156-6837-4F04-A185-356A0A7796C6}" dt="2023-06-29T13:00:16.638" v="43" actId="1076"/>
-          <ac:picMkLst>
-            <pc:docMk/>
-            <pc:sldMk cId="753175953" sldId="2056"/>
-            <ac:picMk id="4" creationId="{2435F677-751A-4227-1615-7D318BF161AA}"/>
-          </ac:picMkLst>
-        </pc:picChg>
-        <pc:picChg chg="del">
-          <ac:chgData name="Kümmerle, Markus" userId="edb588ad-b118-44cb-93b6-335b967c9009" providerId="ADAL" clId="{E7E46156-6837-4F04-A185-356A0A7796C6}" dt="2023-06-15T11:13:12.911" v="0" actId="478"/>
-          <ac:picMkLst>
-            <pc:docMk/>
-            <pc:sldMk cId="753175953" sldId="2056"/>
-            <ac:picMk id="4" creationId="{47123469-64DD-1633-9C1E-B92B7A8FA5A7}"/>
-          </ac:picMkLst>
-        </pc:picChg>
-      </pc:sldChg>
-    </pc:docChg>
-  </pc:docChgLst>
   <pc:docChgLst>
     <pc:chgData name="Kümmerle, Markus" userId="edb588ad-b118-44cb-93b6-335b967c9009" providerId="ADAL" clId="{70689628-A2CC-4A3A-9986-D50F656A5A10}"/>
     <pc:docChg chg="custSel modSld">
@@ -435,6 +387,102 @@
       </pc:sldChg>
     </pc:docChg>
   </pc:docChgLst>
+  <pc:docChgLst>
+    <pc:chgData name="Kümmerle, Markus" userId="edb588ad-b118-44cb-93b6-335b967c9009" providerId="ADAL" clId="{34666427-7FCB-4FA7-A3B4-9E6503AF3227}"/>
+    <pc:docChg chg="custSel modSld">
+      <pc:chgData name="Kümmerle, Markus" userId="edb588ad-b118-44cb-93b6-335b967c9009" providerId="ADAL" clId="{34666427-7FCB-4FA7-A3B4-9E6503AF3227}" dt="2024-09-11T13:29:06.421" v="31" actId="1035"/>
+      <pc:docMkLst>
+        <pc:docMk/>
+      </pc:docMkLst>
+      <pc:sldChg chg="addSp delSp modSp mod">
+        <pc:chgData name="Kümmerle, Markus" userId="edb588ad-b118-44cb-93b6-335b967c9009" providerId="ADAL" clId="{34666427-7FCB-4FA7-A3B4-9E6503AF3227}" dt="2024-09-11T13:29:06.421" v="31" actId="1035"/>
+        <pc:sldMkLst>
+          <pc:docMk/>
+          <pc:sldMk cId="753175953" sldId="2056"/>
+        </pc:sldMkLst>
+        <pc:spChg chg="mod">
+          <ac:chgData name="Kümmerle, Markus" userId="edb588ad-b118-44cb-93b6-335b967c9009" providerId="ADAL" clId="{34666427-7FCB-4FA7-A3B4-9E6503AF3227}" dt="2024-09-11T13:28:03.117" v="26" actId="20577"/>
+          <ac:spMkLst>
+            <pc:docMk/>
+            <pc:sldMk cId="753175953" sldId="2056"/>
+            <ac:spMk id="12" creationId="{70463976-1354-BDDA-18A9-EEFA0BB1625A}"/>
+          </ac:spMkLst>
+        </pc:spChg>
+        <pc:picChg chg="add del mod">
+          <ac:chgData name="Kümmerle, Markus" userId="edb588ad-b118-44cb-93b6-335b967c9009" providerId="ADAL" clId="{34666427-7FCB-4FA7-A3B4-9E6503AF3227}" dt="2024-09-11T13:24:58.317" v="15" actId="478"/>
+          <ac:picMkLst>
+            <pc:docMk/>
+            <pc:sldMk cId="753175953" sldId="2056"/>
+            <ac:picMk id="2" creationId="{4D1B7377-AA9A-D811-5416-833484973983}"/>
+          </ac:picMkLst>
+        </pc:picChg>
+        <pc:picChg chg="del">
+          <ac:chgData name="Kümmerle, Markus" userId="edb588ad-b118-44cb-93b6-335b967c9009" providerId="ADAL" clId="{34666427-7FCB-4FA7-A3B4-9E6503AF3227}" dt="2024-09-11T13:21:28.288" v="0" actId="478"/>
+          <ac:picMkLst>
+            <pc:docMk/>
+            <pc:sldMk cId="753175953" sldId="2056"/>
+            <ac:picMk id="3" creationId="{979A4C29-DD51-5CC7-4E6E-F575F59A39E2}"/>
+          </ac:picMkLst>
+        </pc:picChg>
+        <pc:picChg chg="add mod">
+          <ac:chgData name="Kümmerle, Markus" userId="edb588ad-b118-44cb-93b6-335b967c9009" providerId="ADAL" clId="{34666427-7FCB-4FA7-A3B4-9E6503AF3227}" dt="2024-09-11T13:29:06.421" v="31" actId="1035"/>
+          <ac:picMkLst>
+            <pc:docMk/>
+            <pc:sldMk cId="753175953" sldId="2056"/>
+            <ac:picMk id="15" creationId="{65489179-D576-67C4-FCC6-C7E5A5B75B40}"/>
+          </ac:picMkLst>
+        </pc:picChg>
+      </pc:sldChg>
+    </pc:docChg>
+  </pc:docChgLst>
+  <pc:docChgLst>
+    <pc:chgData name="Kümmerle, Markus" userId="edb588ad-b118-44cb-93b6-335b967c9009" providerId="ADAL" clId="{E7E46156-6837-4F04-A185-356A0A7796C6}"/>
+    <pc:docChg chg="custSel modSld">
+      <pc:chgData name="Kümmerle, Markus" userId="edb588ad-b118-44cb-93b6-335b967c9009" providerId="ADAL" clId="{E7E46156-6837-4F04-A185-356A0A7796C6}" dt="2023-06-29T13:00:22.997" v="47" actId="20577"/>
+      <pc:docMkLst>
+        <pc:docMk/>
+      </pc:docMkLst>
+      <pc:sldChg chg="addSp delSp modSp mod">
+        <pc:chgData name="Kümmerle, Markus" userId="edb588ad-b118-44cb-93b6-335b967c9009" providerId="ADAL" clId="{E7E46156-6837-4F04-A185-356A0A7796C6}" dt="2023-06-29T13:00:22.997" v="47" actId="20577"/>
+        <pc:sldMkLst>
+          <pc:docMk/>
+          <pc:sldMk cId="753175953" sldId="2056"/>
+        </pc:sldMkLst>
+        <pc:spChg chg="mod">
+          <ac:chgData name="Kümmerle, Markus" userId="edb588ad-b118-44cb-93b6-335b967c9009" providerId="ADAL" clId="{E7E46156-6837-4F04-A185-356A0A7796C6}" dt="2023-06-29T13:00:22.997" v="47" actId="20577"/>
+          <ac:spMkLst>
+            <pc:docMk/>
+            <pc:sldMk cId="753175953" sldId="2056"/>
+            <ac:spMk id="12" creationId="{70463976-1354-BDDA-18A9-EEFA0BB1625A}"/>
+          </ac:spMkLst>
+        </pc:spChg>
+        <pc:picChg chg="add del mod">
+          <ac:chgData name="Kümmerle, Markus" userId="edb588ad-b118-44cb-93b6-335b967c9009" providerId="ADAL" clId="{E7E46156-6837-4F04-A185-356A0A7796C6}" dt="2023-06-29T13:00:00.568" v="38" actId="478"/>
+          <ac:picMkLst>
+            <pc:docMk/>
+            <pc:sldMk cId="753175953" sldId="2056"/>
+            <ac:picMk id="3" creationId="{34C3BFD7-5E7C-A945-4430-9DE9B020B165}"/>
+          </ac:picMkLst>
+        </pc:picChg>
+        <pc:picChg chg="add mod">
+          <ac:chgData name="Kümmerle, Markus" userId="edb588ad-b118-44cb-93b6-335b967c9009" providerId="ADAL" clId="{E7E46156-6837-4F04-A185-356A0A7796C6}" dt="2023-06-29T13:00:16.638" v="43" actId="1076"/>
+          <ac:picMkLst>
+            <pc:docMk/>
+            <pc:sldMk cId="753175953" sldId="2056"/>
+            <ac:picMk id="4" creationId="{2435F677-751A-4227-1615-7D318BF161AA}"/>
+          </ac:picMkLst>
+        </pc:picChg>
+        <pc:picChg chg="del">
+          <ac:chgData name="Kümmerle, Markus" userId="edb588ad-b118-44cb-93b6-335b967c9009" providerId="ADAL" clId="{E7E46156-6837-4F04-A185-356A0A7796C6}" dt="2023-06-15T11:13:12.911" v="0" actId="478"/>
+          <ac:picMkLst>
+            <pc:docMk/>
+            <pc:sldMk cId="753175953" sldId="2056"/>
+            <ac:picMk id="4" creationId="{47123469-64DD-1633-9C1E-B92B7A8FA5A7}"/>
+          </ac:picMkLst>
+        </pc:picChg>
+      </pc:sldChg>
+    </pc:docChg>
+  </pc:docChgLst>
 </pc:chgInfo>
 </file>
 
@@ -521,7 +569,7 @@
             <a:fld id="{9847C1C0-7CF7-4E43-8415-72BC7E37BCB3}" type="datetimeFigureOut">
               <a:rPr lang="de-DE" smtClean="0"/>
               <a:pPr/>
-              <a:t>09.08.2024</a:t>
+              <a:t>11.09.2024</a:t>
             </a:fld>
             <a:endParaRPr lang="de-DE"/>
           </a:p>
@@ -4816,7 +4864,7 @@
         <p:spPr>
           <a:xfrm>
             <a:off x="370278" y="251736"/>
-            <a:ext cx="737702" cy="215444"/>
+            <a:ext cx="679994" cy="215444"/>
           </a:xfrm>
           <a:prstGeom prst="rect">
             <a:avLst/>
@@ -4833,7 +4881,7 @@
               <a:rPr lang="de-DE" sz="800" dirty="0">
                 <a:latin typeface="Montserrat Light" panose="00000400000000000000" pitchFamily="2" charset="0"/>
               </a:rPr>
-              <a:t>09.08.2024</a:t>
+              <a:t>11.09.2024</a:t>
             </a:r>
           </a:p>
         </p:txBody>
@@ -4905,10 +4953,10 @@
       </p:pic>
       <p:pic>
         <p:nvPicPr>
-          <p:cNvPr id="3" name="Grafik 2">
+          <p:cNvPr id="15" name="Grafik 14">
             <a:extLst>
               <a:ext uri="{FF2B5EF4-FFF2-40B4-BE49-F238E27FC236}">
-                <a16:creationId xmlns:a16="http://schemas.microsoft.com/office/drawing/2014/main" id="{979A4C29-DD51-5CC7-4E6E-F575F59A39E2}"/>
+                <a16:creationId xmlns:a16="http://schemas.microsoft.com/office/drawing/2014/main" id="{65489179-D576-67C4-FCC6-C7E5A5B75B40}"/>
               </a:ext>
             </a:extLst>
           </p:cNvPr>
@@ -4925,8 +4973,8 @@
         </p:blipFill>
         <p:spPr>
           <a:xfrm>
-            <a:off x="373711" y="7556589"/>
-            <a:ext cx="6093388" cy="2349411"/>
+            <a:off x="0" y="7583132"/>
+            <a:ext cx="6858000" cy="2307796"/>
           </a:xfrm>
           <a:prstGeom prst="rect">
             <a:avLst/>
@@ -5592,33 +5640,6 @@
 </file>
 
 <file path=customXml/item1.xml><?xml version="1.0" encoding="utf-8"?>
-<?mso-contentType ?>
-<FormTemplates xmlns="http://schemas.microsoft.com/sharepoint/v3/contenttype/forms">
-  <Display>DocumentLibraryForm</Display>
-  <Edit>DocumentLibraryForm</Edit>
-  <New>DocumentLibraryForm</New>
-</FormTemplates>
-</file>
-
-<file path=customXml/item2.xml><?xml version="1.0" encoding="utf-8"?>
-<p:properties xmlns:p="http://schemas.microsoft.com/office/2006/metadata/properties" xmlns:xsi="http://www.w3.org/2001/XMLSchema-instance" xmlns:pc="http://schemas.microsoft.com/office/infopath/2007/PartnerControls">
-  <documentManagement>
-    <SharedWithUsers xmlns="97396690-0b91-46d2-ad5a-06f45914e19c">
-      <UserInfo>
-        <DisplayName/>
-        <AccountId xsi:nil="true"/>
-        <AccountType/>
-      </UserInfo>
-    </SharedWithUsers>
-    <lcf76f155ced4ddcb4097134ff3c332f xmlns="6126070c-0864-4b03-b2dc-aab5d8c39348">
-      <Terms xmlns="http://schemas.microsoft.com/office/infopath/2007/PartnerControls"/>
-    </lcf76f155ced4ddcb4097134ff3c332f>
-    <TaxCatchAll xmlns="97396690-0b91-46d2-ad5a-06f45914e19c" xsi:nil="true"/>
-  </documentManagement>
-</p:properties>
-</file>
-
-<file path=customXml/item3.xml><?xml version="1.0" encoding="utf-8"?>
 <ct:contentTypeSchema xmlns:ct="http://schemas.microsoft.com/office/2006/metadata/contentType" xmlns:ma="http://schemas.microsoft.com/office/2006/metadata/properties/metaAttributes" ct:_="" ma:_="" ma:contentTypeName="Dokument" ma:contentTypeID="0x010100044AD662EB7A25499208DD4235E5F8D6" ma:contentTypeVersion="18" ma:contentTypeDescription="Ein neues Dokument erstellen." ma:contentTypeScope="" ma:versionID="6743b63c00ca1b836503a1e7d79de5f6">
   <xsd:schema xmlns:xsd="http://www.w3.org/2001/XMLSchema" xmlns:xs="http://www.w3.org/2001/XMLSchema" xmlns:p="http://schemas.microsoft.com/office/2006/metadata/properties" xmlns:ns2="6126070c-0864-4b03-b2dc-aab5d8c39348" xmlns:ns3="97396690-0b91-46d2-ad5a-06f45914e19c" targetNamespace="http://schemas.microsoft.com/office/2006/metadata/properties" ma:root="true" ma:fieldsID="7df0be0bc9a5654e75e7c5b6be00286d" ns2:_="" ns3:_="">
     <xsd:import namespace="6126070c-0864-4b03-b2dc-aab5d8c39348"/>
@@ -5873,32 +5894,34 @@
 </ct:contentTypeSchema>
 </file>
 
-<file path=customXml/itemProps1.xml><?xml version="1.0" encoding="utf-8"?>
-<ds:datastoreItem xmlns:ds="http://schemas.openxmlformats.org/officeDocument/2006/customXml" ds:itemID="{61F0326B-7C1A-45A3-8DA0-69177D7DF157}">
-  <ds:schemaRefs>
-    <ds:schemaRef ds:uri="http://schemas.microsoft.com/sharepoint/v3/contenttype/forms"/>
-  </ds:schemaRefs>
-</ds:datastoreItem>
+<file path=customXml/item2.xml><?xml version="1.0" encoding="utf-8"?>
+<p:properties xmlns:p="http://schemas.microsoft.com/office/2006/metadata/properties" xmlns:xsi="http://www.w3.org/2001/XMLSchema-instance" xmlns:pc="http://schemas.microsoft.com/office/infopath/2007/PartnerControls">
+  <documentManagement>
+    <SharedWithUsers xmlns="97396690-0b91-46d2-ad5a-06f45914e19c">
+      <UserInfo>
+        <DisplayName/>
+        <AccountId xsi:nil="true"/>
+        <AccountType/>
+      </UserInfo>
+    </SharedWithUsers>
+    <lcf76f155ced4ddcb4097134ff3c332f xmlns="6126070c-0864-4b03-b2dc-aab5d8c39348">
+      <Terms xmlns="http://schemas.microsoft.com/office/infopath/2007/PartnerControls"/>
+    </lcf76f155ced4ddcb4097134ff3c332f>
+    <TaxCatchAll xmlns="97396690-0b91-46d2-ad5a-06f45914e19c" xsi:nil="true"/>
+  </documentManagement>
+</p:properties>
 </file>
 
-<file path=customXml/itemProps2.xml><?xml version="1.0" encoding="utf-8"?>
-<ds:datastoreItem xmlns:ds="http://schemas.openxmlformats.org/officeDocument/2006/customXml" ds:itemID="{96FB6EF1-0BB7-4926-9DDA-55BF1304A87D}">
-  <ds:schemaRefs>
-    <ds:schemaRef ds:uri="http://schemas.microsoft.com/office/2006/documentManagement/types"/>
-    <ds:schemaRef ds:uri="http://purl.org/dc/dcmitype/"/>
-    <ds:schemaRef ds:uri="97396690-0b91-46d2-ad5a-06f45914e19c"/>
-    <ds:schemaRef ds:uri="http://www.w3.org/XML/1998/namespace"/>
-    <ds:schemaRef ds:uri="http://purl.org/dc/terms/"/>
-    <ds:schemaRef ds:uri="http://schemas.openxmlformats.org/package/2006/metadata/core-properties"/>
-    <ds:schemaRef ds:uri="http://schemas.microsoft.com/office/2006/metadata/properties"/>
-    <ds:schemaRef ds:uri="6126070c-0864-4b03-b2dc-aab5d8c39348"/>
-    <ds:schemaRef ds:uri="http://schemas.microsoft.com/office/infopath/2007/PartnerControls"/>
-    <ds:schemaRef ds:uri="http://purl.org/dc/elements/1.1/"/>
-  </ds:schemaRefs>
-</ds:datastoreItem>
+<file path=customXml/item3.xml><?xml version="1.0" encoding="utf-8"?>
+<?mso-contentType ?>
+<FormTemplates xmlns="http://schemas.microsoft.com/sharepoint/v3/contenttype/forms">
+  <Display>DocumentLibraryForm</Display>
+  <Edit>DocumentLibraryForm</Edit>
+  <New>DocumentLibraryForm</New>
+</FormTemplates>
 </file>
 
-<file path=customXml/itemProps3.xml><?xml version="1.0" encoding="utf-8"?>
+<file path=customXml/itemProps1.xml><?xml version="1.0" encoding="utf-8"?>
 <ds:datastoreItem xmlns:ds="http://schemas.openxmlformats.org/officeDocument/2006/customXml" ds:itemID="{3E09281D-64EC-4B41-BF41-414128D81736}">
   <ds:schemaRefs>
     <ds:schemaRef ds:uri="http://schemas.microsoft.com/office/2006/metadata/contentType"/>
@@ -5917,6 +5940,31 @@
 </ds:datastoreItem>
 </file>
 
+<file path=customXml/itemProps2.xml><?xml version="1.0" encoding="utf-8"?>
+<ds:datastoreItem xmlns:ds="http://schemas.openxmlformats.org/officeDocument/2006/customXml" ds:itemID="{96FB6EF1-0BB7-4926-9DDA-55BF1304A87D}">
+  <ds:schemaRefs>
+    <ds:schemaRef ds:uri="http://purl.org/dc/elements/1.1/"/>
+    <ds:schemaRef ds:uri="http://schemas.openxmlformats.org/package/2006/metadata/core-properties"/>
+    <ds:schemaRef ds:uri="http://schemas.microsoft.com/office/2006/documentManagement/types"/>
+    <ds:schemaRef ds:uri="http://purl.org/dc/dcmitype/"/>
+    <ds:schemaRef ds:uri="http://purl.org/dc/terms/"/>
+    <ds:schemaRef ds:uri="6126070c-0864-4b03-b2dc-aab5d8c39348"/>
+    <ds:schemaRef ds:uri="http://www.w3.org/XML/1998/namespace"/>
+    <ds:schemaRef ds:uri="97396690-0b91-46d2-ad5a-06f45914e19c"/>
+    <ds:schemaRef ds:uri="http://schemas.microsoft.com/office/infopath/2007/PartnerControls"/>
+    <ds:schemaRef ds:uri="http://schemas.microsoft.com/office/2006/metadata/properties"/>
+  </ds:schemaRefs>
+</ds:datastoreItem>
+</file>
+
+<file path=customXml/itemProps3.xml><?xml version="1.0" encoding="utf-8"?>
+<ds:datastoreItem xmlns:ds="http://schemas.openxmlformats.org/officeDocument/2006/customXml" ds:itemID="{61F0326B-7C1A-45A3-8DA0-69177D7DF157}">
+  <ds:schemaRefs>
+    <ds:schemaRef ds:uri="http://schemas.microsoft.com/sharepoint/v3/contenttype/forms"/>
+  </ds:schemaRefs>
+</ds:datastoreItem>
+</file>
+
 <file path=docMetadata/LabelInfo.xml><?xml version="1.0" encoding="utf-8"?>
 <clbl:labelList xmlns:clbl="http://schemas.microsoft.com/office/2020/mipLabelMetadata">
   <clbl:label id="{bde4dffc-4b60-4cf6-8b04-a5eeb25f5c4f}" enabled="0" method="" siteId="{bde4dffc-4b60-4cf6-8b04-a5eeb25f5c4f}" removed="1"/>

--- a/documentation/MarketingMaterial/CAMARA Onepager.pptx
+++ b/documentation/MarketingMaterial/CAMARA Onepager.pptx
@@ -260,6 +260,102 @@
 <file path=ppt/changesInfos/changesInfo1.xml><?xml version="1.0" encoding="utf-8"?>
 <pc:chgInfo xmlns:a="http://schemas.openxmlformats.org/drawingml/2006/main" xmlns:r="http://schemas.openxmlformats.org/officeDocument/2006/relationships" xmlns:ac="http://schemas.microsoft.com/office/drawing/2013/main/command" xmlns:pc="http://schemas.microsoft.com/office/powerpoint/2013/main/command">
   <pc:docChgLst>
+    <pc:chgData name="Kümmerle, Markus" userId="edb588ad-b118-44cb-93b6-335b967c9009" providerId="ADAL" clId="{34666427-7FCB-4FA7-A3B4-9E6503AF3227}"/>
+    <pc:docChg chg="custSel modSld">
+      <pc:chgData name="Kümmerle, Markus" userId="edb588ad-b118-44cb-93b6-335b967c9009" providerId="ADAL" clId="{34666427-7FCB-4FA7-A3B4-9E6503AF3227}" dt="2024-09-11T13:29:06.421" v="31" actId="1035"/>
+      <pc:docMkLst>
+        <pc:docMk/>
+      </pc:docMkLst>
+      <pc:sldChg chg="addSp delSp modSp mod">
+        <pc:chgData name="Kümmerle, Markus" userId="edb588ad-b118-44cb-93b6-335b967c9009" providerId="ADAL" clId="{34666427-7FCB-4FA7-A3B4-9E6503AF3227}" dt="2024-09-11T13:29:06.421" v="31" actId="1035"/>
+        <pc:sldMkLst>
+          <pc:docMk/>
+          <pc:sldMk cId="753175953" sldId="2056"/>
+        </pc:sldMkLst>
+        <pc:spChg chg="mod">
+          <ac:chgData name="Kümmerle, Markus" userId="edb588ad-b118-44cb-93b6-335b967c9009" providerId="ADAL" clId="{34666427-7FCB-4FA7-A3B4-9E6503AF3227}" dt="2024-09-11T13:28:03.117" v="26" actId="20577"/>
+          <ac:spMkLst>
+            <pc:docMk/>
+            <pc:sldMk cId="753175953" sldId="2056"/>
+            <ac:spMk id="12" creationId="{70463976-1354-BDDA-18A9-EEFA0BB1625A}"/>
+          </ac:spMkLst>
+        </pc:spChg>
+        <pc:picChg chg="add del mod">
+          <ac:chgData name="Kümmerle, Markus" userId="edb588ad-b118-44cb-93b6-335b967c9009" providerId="ADAL" clId="{34666427-7FCB-4FA7-A3B4-9E6503AF3227}" dt="2024-09-11T13:24:58.317" v="15" actId="478"/>
+          <ac:picMkLst>
+            <pc:docMk/>
+            <pc:sldMk cId="753175953" sldId="2056"/>
+            <ac:picMk id="2" creationId="{4D1B7377-AA9A-D811-5416-833484973983}"/>
+          </ac:picMkLst>
+        </pc:picChg>
+        <pc:picChg chg="del">
+          <ac:chgData name="Kümmerle, Markus" userId="edb588ad-b118-44cb-93b6-335b967c9009" providerId="ADAL" clId="{34666427-7FCB-4FA7-A3B4-9E6503AF3227}" dt="2024-09-11T13:21:28.288" v="0" actId="478"/>
+          <ac:picMkLst>
+            <pc:docMk/>
+            <pc:sldMk cId="753175953" sldId="2056"/>
+            <ac:picMk id="3" creationId="{979A4C29-DD51-5CC7-4E6E-F575F59A39E2}"/>
+          </ac:picMkLst>
+        </pc:picChg>
+        <pc:picChg chg="add mod">
+          <ac:chgData name="Kümmerle, Markus" userId="edb588ad-b118-44cb-93b6-335b967c9009" providerId="ADAL" clId="{34666427-7FCB-4FA7-A3B4-9E6503AF3227}" dt="2024-09-11T13:29:06.421" v="31" actId="1035"/>
+          <ac:picMkLst>
+            <pc:docMk/>
+            <pc:sldMk cId="753175953" sldId="2056"/>
+            <ac:picMk id="15" creationId="{65489179-D576-67C4-FCC6-C7E5A5B75B40}"/>
+          </ac:picMkLst>
+        </pc:picChg>
+      </pc:sldChg>
+    </pc:docChg>
+  </pc:docChgLst>
+  <pc:docChgLst>
+    <pc:chgData name="Kümmerle, Markus" userId="edb588ad-b118-44cb-93b6-335b967c9009" providerId="ADAL" clId="{E7E46156-6837-4F04-A185-356A0A7796C6}"/>
+    <pc:docChg chg="custSel modSld">
+      <pc:chgData name="Kümmerle, Markus" userId="edb588ad-b118-44cb-93b6-335b967c9009" providerId="ADAL" clId="{E7E46156-6837-4F04-A185-356A0A7796C6}" dt="2023-06-29T13:00:22.997" v="47" actId="20577"/>
+      <pc:docMkLst>
+        <pc:docMk/>
+      </pc:docMkLst>
+      <pc:sldChg chg="addSp delSp modSp mod">
+        <pc:chgData name="Kümmerle, Markus" userId="edb588ad-b118-44cb-93b6-335b967c9009" providerId="ADAL" clId="{E7E46156-6837-4F04-A185-356A0A7796C6}" dt="2023-06-29T13:00:22.997" v="47" actId="20577"/>
+        <pc:sldMkLst>
+          <pc:docMk/>
+          <pc:sldMk cId="753175953" sldId="2056"/>
+        </pc:sldMkLst>
+        <pc:spChg chg="mod">
+          <ac:chgData name="Kümmerle, Markus" userId="edb588ad-b118-44cb-93b6-335b967c9009" providerId="ADAL" clId="{E7E46156-6837-4F04-A185-356A0A7796C6}" dt="2023-06-29T13:00:22.997" v="47" actId="20577"/>
+          <ac:spMkLst>
+            <pc:docMk/>
+            <pc:sldMk cId="753175953" sldId="2056"/>
+            <ac:spMk id="12" creationId="{70463976-1354-BDDA-18A9-EEFA0BB1625A}"/>
+          </ac:spMkLst>
+        </pc:spChg>
+        <pc:picChg chg="add del mod">
+          <ac:chgData name="Kümmerle, Markus" userId="edb588ad-b118-44cb-93b6-335b967c9009" providerId="ADAL" clId="{E7E46156-6837-4F04-A185-356A0A7796C6}" dt="2023-06-29T13:00:00.568" v="38" actId="478"/>
+          <ac:picMkLst>
+            <pc:docMk/>
+            <pc:sldMk cId="753175953" sldId="2056"/>
+            <ac:picMk id="3" creationId="{34C3BFD7-5E7C-A945-4430-9DE9B020B165}"/>
+          </ac:picMkLst>
+        </pc:picChg>
+        <pc:picChg chg="add mod">
+          <ac:chgData name="Kümmerle, Markus" userId="edb588ad-b118-44cb-93b6-335b967c9009" providerId="ADAL" clId="{E7E46156-6837-4F04-A185-356A0A7796C6}" dt="2023-06-29T13:00:16.638" v="43" actId="1076"/>
+          <ac:picMkLst>
+            <pc:docMk/>
+            <pc:sldMk cId="753175953" sldId="2056"/>
+            <ac:picMk id="4" creationId="{2435F677-751A-4227-1615-7D318BF161AA}"/>
+          </ac:picMkLst>
+        </pc:picChg>
+        <pc:picChg chg="del">
+          <ac:chgData name="Kümmerle, Markus" userId="edb588ad-b118-44cb-93b6-335b967c9009" providerId="ADAL" clId="{E7E46156-6837-4F04-A185-356A0A7796C6}" dt="2023-06-15T11:13:12.911" v="0" actId="478"/>
+          <ac:picMkLst>
+            <pc:docMk/>
+            <pc:sldMk cId="753175953" sldId="2056"/>
+            <ac:picMk id="4" creationId="{47123469-64DD-1633-9C1E-B92B7A8FA5A7}"/>
+          </ac:picMkLst>
+        </pc:picChg>
+      </pc:sldChg>
+    </pc:docChg>
+  </pc:docChgLst>
+  <pc:docChgLst>
     <pc:chgData name="Kümmerle, Markus" userId="edb588ad-b118-44cb-93b6-335b967c9009" providerId="ADAL" clId="{70689628-A2CC-4A3A-9986-D50F656A5A10}"/>
     <pc:docChg chg="custSel modSld">
       <pc:chgData name="Kümmerle, Markus" userId="edb588ad-b118-44cb-93b6-335b967c9009" providerId="ADAL" clId="{70689628-A2CC-4A3A-9986-D50F656A5A10}" dt="2024-06-06T10:57:34.863" v="11" actId="20577"/>
@@ -387,102 +483,6 @@
       </pc:sldChg>
     </pc:docChg>
   </pc:docChgLst>
-  <pc:docChgLst>
-    <pc:chgData name="Kümmerle, Markus" userId="edb588ad-b118-44cb-93b6-335b967c9009" providerId="ADAL" clId="{34666427-7FCB-4FA7-A3B4-9E6503AF3227}"/>
-    <pc:docChg chg="custSel modSld">
-      <pc:chgData name="Kümmerle, Markus" userId="edb588ad-b118-44cb-93b6-335b967c9009" providerId="ADAL" clId="{34666427-7FCB-4FA7-A3B4-9E6503AF3227}" dt="2024-09-11T13:29:06.421" v="31" actId="1035"/>
-      <pc:docMkLst>
-        <pc:docMk/>
-      </pc:docMkLst>
-      <pc:sldChg chg="addSp delSp modSp mod">
-        <pc:chgData name="Kümmerle, Markus" userId="edb588ad-b118-44cb-93b6-335b967c9009" providerId="ADAL" clId="{34666427-7FCB-4FA7-A3B4-9E6503AF3227}" dt="2024-09-11T13:29:06.421" v="31" actId="1035"/>
-        <pc:sldMkLst>
-          <pc:docMk/>
-          <pc:sldMk cId="753175953" sldId="2056"/>
-        </pc:sldMkLst>
-        <pc:spChg chg="mod">
-          <ac:chgData name="Kümmerle, Markus" userId="edb588ad-b118-44cb-93b6-335b967c9009" providerId="ADAL" clId="{34666427-7FCB-4FA7-A3B4-9E6503AF3227}" dt="2024-09-11T13:28:03.117" v="26" actId="20577"/>
-          <ac:spMkLst>
-            <pc:docMk/>
-            <pc:sldMk cId="753175953" sldId="2056"/>
-            <ac:spMk id="12" creationId="{70463976-1354-BDDA-18A9-EEFA0BB1625A}"/>
-          </ac:spMkLst>
-        </pc:spChg>
-        <pc:picChg chg="add del mod">
-          <ac:chgData name="Kümmerle, Markus" userId="edb588ad-b118-44cb-93b6-335b967c9009" providerId="ADAL" clId="{34666427-7FCB-4FA7-A3B4-9E6503AF3227}" dt="2024-09-11T13:24:58.317" v="15" actId="478"/>
-          <ac:picMkLst>
-            <pc:docMk/>
-            <pc:sldMk cId="753175953" sldId="2056"/>
-            <ac:picMk id="2" creationId="{4D1B7377-AA9A-D811-5416-833484973983}"/>
-          </ac:picMkLst>
-        </pc:picChg>
-        <pc:picChg chg="del">
-          <ac:chgData name="Kümmerle, Markus" userId="edb588ad-b118-44cb-93b6-335b967c9009" providerId="ADAL" clId="{34666427-7FCB-4FA7-A3B4-9E6503AF3227}" dt="2024-09-11T13:21:28.288" v="0" actId="478"/>
-          <ac:picMkLst>
-            <pc:docMk/>
-            <pc:sldMk cId="753175953" sldId="2056"/>
-            <ac:picMk id="3" creationId="{979A4C29-DD51-5CC7-4E6E-F575F59A39E2}"/>
-          </ac:picMkLst>
-        </pc:picChg>
-        <pc:picChg chg="add mod">
-          <ac:chgData name="Kümmerle, Markus" userId="edb588ad-b118-44cb-93b6-335b967c9009" providerId="ADAL" clId="{34666427-7FCB-4FA7-A3B4-9E6503AF3227}" dt="2024-09-11T13:29:06.421" v="31" actId="1035"/>
-          <ac:picMkLst>
-            <pc:docMk/>
-            <pc:sldMk cId="753175953" sldId="2056"/>
-            <ac:picMk id="15" creationId="{65489179-D576-67C4-FCC6-C7E5A5B75B40}"/>
-          </ac:picMkLst>
-        </pc:picChg>
-      </pc:sldChg>
-    </pc:docChg>
-  </pc:docChgLst>
-  <pc:docChgLst>
-    <pc:chgData name="Kümmerle, Markus" userId="edb588ad-b118-44cb-93b6-335b967c9009" providerId="ADAL" clId="{E7E46156-6837-4F04-A185-356A0A7796C6}"/>
-    <pc:docChg chg="custSel modSld">
-      <pc:chgData name="Kümmerle, Markus" userId="edb588ad-b118-44cb-93b6-335b967c9009" providerId="ADAL" clId="{E7E46156-6837-4F04-A185-356A0A7796C6}" dt="2023-06-29T13:00:22.997" v="47" actId="20577"/>
-      <pc:docMkLst>
-        <pc:docMk/>
-      </pc:docMkLst>
-      <pc:sldChg chg="addSp delSp modSp mod">
-        <pc:chgData name="Kümmerle, Markus" userId="edb588ad-b118-44cb-93b6-335b967c9009" providerId="ADAL" clId="{E7E46156-6837-4F04-A185-356A0A7796C6}" dt="2023-06-29T13:00:22.997" v="47" actId="20577"/>
-        <pc:sldMkLst>
-          <pc:docMk/>
-          <pc:sldMk cId="753175953" sldId="2056"/>
-        </pc:sldMkLst>
-        <pc:spChg chg="mod">
-          <ac:chgData name="Kümmerle, Markus" userId="edb588ad-b118-44cb-93b6-335b967c9009" providerId="ADAL" clId="{E7E46156-6837-4F04-A185-356A0A7796C6}" dt="2023-06-29T13:00:22.997" v="47" actId="20577"/>
-          <ac:spMkLst>
-            <pc:docMk/>
-            <pc:sldMk cId="753175953" sldId="2056"/>
-            <ac:spMk id="12" creationId="{70463976-1354-BDDA-18A9-EEFA0BB1625A}"/>
-          </ac:spMkLst>
-        </pc:spChg>
-        <pc:picChg chg="add del mod">
-          <ac:chgData name="Kümmerle, Markus" userId="edb588ad-b118-44cb-93b6-335b967c9009" providerId="ADAL" clId="{E7E46156-6837-4F04-A185-356A0A7796C6}" dt="2023-06-29T13:00:00.568" v="38" actId="478"/>
-          <ac:picMkLst>
-            <pc:docMk/>
-            <pc:sldMk cId="753175953" sldId="2056"/>
-            <ac:picMk id="3" creationId="{34C3BFD7-5E7C-A945-4430-9DE9B020B165}"/>
-          </ac:picMkLst>
-        </pc:picChg>
-        <pc:picChg chg="add mod">
-          <ac:chgData name="Kümmerle, Markus" userId="edb588ad-b118-44cb-93b6-335b967c9009" providerId="ADAL" clId="{E7E46156-6837-4F04-A185-356A0A7796C6}" dt="2023-06-29T13:00:16.638" v="43" actId="1076"/>
-          <ac:picMkLst>
-            <pc:docMk/>
-            <pc:sldMk cId="753175953" sldId="2056"/>
-            <ac:picMk id="4" creationId="{2435F677-751A-4227-1615-7D318BF161AA}"/>
-          </ac:picMkLst>
-        </pc:picChg>
-        <pc:picChg chg="del">
-          <ac:chgData name="Kümmerle, Markus" userId="edb588ad-b118-44cb-93b6-335b967c9009" providerId="ADAL" clId="{E7E46156-6837-4F04-A185-356A0A7796C6}" dt="2023-06-15T11:13:12.911" v="0" actId="478"/>
-          <ac:picMkLst>
-            <pc:docMk/>
-            <pc:sldMk cId="753175953" sldId="2056"/>
-            <ac:picMk id="4" creationId="{47123469-64DD-1633-9C1E-B92B7A8FA5A7}"/>
-          </ac:picMkLst>
-        </pc:picChg>
-      </pc:sldChg>
-    </pc:docChg>
-  </pc:docChgLst>
 </pc:chgInfo>
 </file>
 
@@ -569,7 +569,7 @@
             <a:fld id="{9847C1C0-7CF7-4E43-8415-72BC7E37BCB3}" type="datetimeFigureOut">
               <a:rPr lang="de-DE" smtClean="0"/>
               <a:pPr/>
-              <a:t>11.09.2024</a:t>
+              <a:t>12.11.2024</a:t>
             </a:fld>
             <a:endParaRPr lang="de-DE"/>
           </a:p>
@@ -4864,7 +4864,7 @@
         <p:spPr>
           <a:xfrm>
             <a:off x="370278" y="251736"/>
-            <a:ext cx="679994" cy="215444"/>
+            <a:ext cx="623889" cy="215444"/>
           </a:xfrm>
           <a:prstGeom prst="rect">
             <a:avLst/>
@@ -4881,7 +4881,7 @@
               <a:rPr lang="de-DE" sz="800" dirty="0">
                 <a:latin typeface="Montserrat Light" panose="00000400000000000000" pitchFamily="2" charset="0"/>
               </a:rPr>
-              <a:t>11.09.2024</a:t>
+              <a:t>11.11.2024</a:t>
             </a:r>
           </a:p>
         </p:txBody>
@@ -4953,10 +4953,10 @@
       </p:pic>
       <p:pic>
         <p:nvPicPr>
-          <p:cNvPr id="15" name="Grafik 14">
+          <p:cNvPr id="2" name="Grafik 1">
             <a:extLst>
               <a:ext uri="{FF2B5EF4-FFF2-40B4-BE49-F238E27FC236}">
-                <a16:creationId xmlns:a16="http://schemas.microsoft.com/office/drawing/2014/main" id="{65489179-D576-67C4-FCC6-C7E5A5B75B40}"/>
+                <a16:creationId xmlns:a16="http://schemas.microsoft.com/office/drawing/2014/main" id="{9A8879A2-373D-FBD1-63D7-B6B0D885E516}"/>
               </a:ext>
             </a:extLst>
           </p:cNvPr>
@@ -4973,8 +4973,8 @@
         </p:blipFill>
         <p:spPr>
           <a:xfrm>
-            <a:off x="0" y="7583132"/>
-            <a:ext cx="6858000" cy="2307796"/>
+            <a:off x="434131" y="7555383"/>
+            <a:ext cx="5925726" cy="2350617"/>
           </a:xfrm>
           <a:prstGeom prst="rect">
             <a:avLst/>
@@ -5640,6 +5640,33 @@
 </file>
 
 <file path=customXml/item1.xml><?xml version="1.0" encoding="utf-8"?>
+<?mso-contentType ?>
+<FormTemplates xmlns="http://schemas.microsoft.com/sharepoint/v3/contenttype/forms">
+  <Display>DocumentLibraryForm</Display>
+  <Edit>DocumentLibraryForm</Edit>
+  <New>DocumentLibraryForm</New>
+</FormTemplates>
+</file>
+
+<file path=customXml/item2.xml><?xml version="1.0" encoding="utf-8"?>
+<p:properties xmlns:p="http://schemas.microsoft.com/office/2006/metadata/properties" xmlns:xsi="http://www.w3.org/2001/XMLSchema-instance" xmlns:pc="http://schemas.microsoft.com/office/infopath/2007/PartnerControls">
+  <documentManagement>
+    <SharedWithUsers xmlns="97396690-0b91-46d2-ad5a-06f45914e19c">
+      <UserInfo>
+        <DisplayName/>
+        <AccountId xsi:nil="true"/>
+        <AccountType/>
+      </UserInfo>
+    </SharedWithUsers>
+    <lcf76f155ced4ddcb4097134ff3c332f xmlns="6126070c-0864-4b03-b2dc-aab5d8c39348">
+      <Terms xmlns="http://schemas.microsoft.com/office/infopath/2007/PartnerControls"/>
+    </lcf76f155ced4ddcb4097134ff3c332f>
+    <TaxCatchAll xmlns="97396690-0b91-46d2-ad5a-06f45914e19c" xsi:nil="true"/>
+  </documentManagement>
+</p:properties>
+</file>
+
+<file path=customXml/item3.xml><?xml version="1.0" encoding="utf-8"?>
 <ct:contentTypeSchema xmlns:ct="http://schemas.microsoft.com/office/2006/metadata/contentType" xmlns:ma="http://schemas.microsoft.com/office/2006/metadata/properties/metaAttributes" ct:_="" ma:_="" ma:contentTypeName="Dokument" ma:contentTypeID="0x010100044AD662EB7A25499208DD4235E5F8D6" ma:contentTypeVersion="18" ma:contentTypeDescription="Ein neues Dokument erstellen." ma:contentTypeScope="" ma:versionID="6743b63c00ca1b836503a1e7d79de5f6">
   <xsd:schema xmlns:xsd="http://www.w3.org/2001/XMLSchema" xmlns:xs="http://www.w3.org/2001/XMLSchema" xmlns:p="http://schemas.microsoft.com/office/2006/metadata/properties" xmlns:ns2="6126070c-0864-4b03-b2dc-aab5d8c39348" xmlns:ns3="97396690-0b91-46d2-ad5a-06f45914e19c" targetNamespace="http://schemas.microsoft.com/office/2006/metadata/properties" ma:root="true" ma:fieldsID="7df0be0bc9a5654e75e7c5b6be00286d" ns2:_="" ns3:_="">
     <xsd:import namespace="6126070c-0864-4b03-b2dc-aab5d8c39348"/>
@@ -5894,48 +5921,10 @@
 </ct:contentTypeSchema>
 </file>
 
-<file path=customXml/item2.xml><?xml version="1.0" encoding="utf-8"?>
-<p:properties xmlns:p="http://schemas.microsoft.com/office/2006/metadata/properties" xmlns:xsi="http://www.w3.org/2001/XMLSchema-instance" xmlns:pc="http://schemas.microsoft.com/office/infopath/2007/PartnerControls">
-  <documentManagement>
-    <SharedWithUsers xmlns="97396690-0b91-46d2-ad5a-06f45914e19c">
-      <UserInfo>
-        <DisplayName/>
-        <AccountId xsi:nil="true"/>
-        <AccountType/>
-      </UserInfo>
-    </SharedWithUsers>
-    <lcf76f155ced4ddcb4097134ff3c332f xmlns="6126070c-0864-4b03-b2dc-aab5d8c39348">
-      <Terms xmlns="http://schemas.microsoft.com/office/infopath/2007/PartnerControls"/>
-    </lcf76f155ced4ddcb4097134ff3c332f>
-    <TaxCatchAll xmlns="97396690-0b91-46d2-ad5a-06f45914e19c" xsi:nil="true"/>
-  </documentManagement>
-</p:properties>
-</file>
-
-<file path=customXml/item3.xml><?xml version="1.0" encoding="utf-8"?>
-<?mso-contentType ?>
-<FormTemplates xmlns="http://schemas.microsoft.com/sharepoint/v3/contenttype/forms">
-  <Display>DocumentLibraryForm</Display>
-  <Edit>DocumentLibraryForm</Edit>
-  <New>DocumentLibraryForm</New>
-</FormTemplates>
-</file>
-
 <file path=customXml/itemProps1.xml><?xml version="1.0" encoding="utf-8"?>
-<ds:datastoreItem xmlns:ds="http://schemas.openxmlformats.org/officeDocument/2006/customXml" ds:itemID="{3E09281D-64EC-4B41-BF41-414128D81736}">
+<ds:datastoreItem xmlns:ds="http://schemas.openxmlformats.org/officeDocument/2006/customXml" ds:itemID="{61F0326B-7C1A-45A3-8DA0-69177D7DF157}">
   <ds:schemaRefs>
-    <ds:schemaRef ds:uri="http://schemas.microsoft.com/office/2006/metadata/contentType"/>
-    <ds:schemaRef ds:uri="http://schemas.microsoft.com/office/2006/metadata/properties/metaAttributes"/>
-    <ds:schemaRef ds:uri="http://www.w3.org/2001/XMLSchema"/>
-    <ds:schemaRef ds:uri="http://schemas.microsoft.com/office/2006/metadata/properties"/>
-    <ds:schemaRef ds:uri="6126070c-0864-4b03-b2dc-aab5d8c39348"/>
-    <ds:schemaRef ds:uri="97396690-0b91-46d2-ad5a-06f45914e19c"/>
-    <ds:schemaRef ds:uri="http://schemas.microsoft.com/office/2006/documentManagement/types"/>
-    <ds:schemaRef ds:uri="http://schemas.microsoft.com/office/infopath/2007/PartnerControls"/>
-    <ds:schemaRef ds:uri="http://schemas.openxmlformats.org/package/2006/metadata/core-properties"/>
-    <ds:schemaRef ds:uri="http://purl.org/dc/elements/1.1/"/>
-    <ds:schemaRef ds:uri="http://purl.org/dc/terms/"/>
-    <ds:schemaRef ds:uri="http://schemas.microsoft.com/internal/obd"/>
+    <ds:schemaRef ds:uri="http://schemas.microsoft.com/sharepoint/v3/contenttype/forms"/>
   </ds:schemaRefs>
 </ds:datastoreItem>
 </file>
@@ -5958,9 +5947,20 @@
 </file>
 
 <file path=customXml/itemProps3.xml><?xml version="1.0" encoding="utf-8"?>
-<ds:datastoreItem xmlns:ds="http://schemas.openxmlformats.org/officeDocument/2006/customXml" ds:itemID="{61F0326B-7C1A-45A3-8DA0-69177D7DF157}">
+<ds:datastoreItem xmlns:ds="http://schemas.openxmlformats.org/officeDocument/2006/customXml" ds:itemID="{3E09281D-64EC-4B41-BF41-414128D81736}">
   <ds:schemaRefs>
-    <ds:schemaRef ds:uri="http://schemas.microsoft.com/sharepoint/v3/contenttype/forms"/>
+    <ds:schemaRef ds:uri="http://schemas.microsoft.com/office/2006/metadata/contentType"/>
+    <ds:schemaRef ds:uri="http://schemas.microsoft.com/office/2006/metadata/properties/metaAttributes"/>
+    <ds:schemaRef ds:uri="http://www.w3.org/2001/XMLSchema"/>
+    <ds:schemaRef ds:uri="http://schemas.microsoft.com/office/2006/metadata/properties"/>
+    <ds:schemaRef ds:uri="6126070c-0864-4b03-b2dc-aab5d8c39348"/>
+    <ds:schemaRef ds:uri="97396690-0b91-46d2-ad5a-06f45914e19c"/>
+    <ds:schemaRef ds:uri="http://schemas.microsoft.com/office/2006/documentManagement/types"/>
+    <ds:schemaRef ds:uri="http://schemas.microsoft.com/office/infopath/2007/PartnerControls"/>
+    <ds:schemaRef ds:uri="http://schemas.openxmlformats.org/package/2006/metadata/core-properties"/>
+    <ds:schemaRef ds:uri="http://purl.org/dc/elements/1.1/"/>
+    <ds:schemaRef ds:uri="http://purl.org/dc/terms/"/>
+    <ds:schemaRef ds:uri="http://schemas.microsoft.com/internal/obd"/>
   </ds:schemaRefs>
 </ds:datastoreItem>
 </file>

--- a/documentation/MarketingMaterial/CAMARA Onepager.pptx
+++ b/documentation/MarketingMaterial/CAMARA Onepager.pptx
@@ -252,109 +252,13 @@
 <file path=ppt/revisionInfo.xml><?xml version="1.0" encoding="utf-8"?>
 <p1510:revInfo xmlns:a="http://schemas.openxmlformats.org/drawingml/2006/main" xmlns:r="http://schemas.openxmlformats.org/officeDocument/2006/relationships" xmlns:p1510="http://schemas.microsoft.com/office/powerpoint/2015/10/main">
   <p1510:revLst>
-    <p1510:client id="{34666427-7FCB-4FA7-A3B4-9E6503AF3227}" v="1" dt="2024-09-11T13:21:29.190"/>
+    <p1510:client id="{D2DCF2E7-8E35-44EA-AF39-7F465D266750}" v="2" dt="2024-12-18T13:41:41.405"/>
   </p1510:revLst>
 </p1510:revInfo>
 </file>
 
 <file path=ppt/changesInfos/changesInfo1.xml><?xml version="1.0" encoding="utf-8"?>
 <pc:chgInfo xmlns:a="http://schemas.openxmlformats.org/drawingml/2006/main" xmlns:r="http://schemas.openxmlformats.org/officeDocument/2006/relationships" xmlns:ac="http://schemas.microsoft.com/office/drawing/2013/main/command" xmlns:pc="http://schemas.microsoft.com/office/powerpoint/2013/main/command">
-  <pc:docChgLst>
-    <pc:chgData name="Kümmerle, Markus" userId="edb588ad-b118-44cb-93b6-335b967c9009" providerId="ADAL" clId="{34666427-7FCB-4FA7-A3B4-9E6503AF3227}"/>
-    <pc:docChg chg="custSel modSld">
-      <pc:chgData name="Kümmerle, Markus" userId="edb588ad-b118-44cb-93b6-335b967c9009" providerId="ADAL" clId="{34666427-7FCB-4FA7-A3B4-9E6503AF3227}" dt="2024-09-11T13:29:06.421" v="31" actId="1035"/>
-      <pc:docMkLst>
-        <pc:docMk/>
-      </pc:docMkLst>
-      <pc:sldChg chg="addSp delSp modSp mod">
-        <pc:chgData name="Kümmerle, Markus" userId="edb588ad-b118-44cb-93b6-335b967c9009" providerId="ADAL" clId="{34666427-7FCB-4FA7-A3B4-9E6503AF3227}" dt="2024-09-11T13:29:06.421" v="31" actId="1035"/>
-        <pc:sldMkLst>
-          <pc:docMk/>
-          <pc:sldMk cId="753175953" sldId="2056"/>
-        </pc:sldMkLst>
-        <pc:spChg chg="mod">
-          <ac:chgData name="Kümmerle, Markus" userId="edb588ad-b118-44cb-93b6-335b967c9009" providerId="ADAL" clId="{34666427-7FCB-4FA7-A3B4-9E6503AF3227}" dt="2024-09-11T13:28:03.117" v="26" actId="20577"/>
-          <ac:spMkLst>
-            <pc:docMk/>
-            <pc:sldMk cId="753175953" sldId="2056"/>
-            <ac:spMk id="12" creationId="{70463976-1354-BDDA-18A9-EEFA0BB1625A}"/>
-          </ac:spMkLst>
-        </pc:spChg>
-        <pc:picChg chg="add del mod">
-          <ac:chgData name="Kümmerle, Markus" userId="edb588ad-b118-44cb-93b6-335b967c9009" providerId="ADAL" clId="{34666427-7FCB-4FA7-A3B4-9E6503AF3227}" dt="2024-09-11T13:24:58.317" v="15" actId="478"/>
-          <ac:picMkLst>
-            <pc:docMk/>
-            <pc:sldMk cId="753175953" sldId="2056"/>
-            <ac:picMk id="2" creationId="{4D1B7377-AA9A-D811-5416-833484973983}"/>
-          </ac:picMkLst>
-        </pc:picChg>
-        <pc:picChg chg="del">
-          <ac:chgData name="Kümmerle, Markus" userId="edb588ad-b118-44cb-93b6-335b967c9009" providerId="ADAL" clId="{34666427-7FCB-4FA7-A3B4-9E6503AF3227}" dt="2024-09-11T13:21:28.288" v="0" actId="478"/>
-          <ac:picMkLst>
-            <pc:docMk/>
-            <pc:sldMk cId="753175953" sldId="2056"/>
-            <ac:picMk id="3" creationId="{979A4C29-DD51-5CC7-4E6E-F575F59A39E2}"/>
-          </ac:picMkLst>
-        </pc:picChg>
-        <pc:picChg chg="add mod">
-          <ac:chgData name="Kümmerle, Markus" userId="edb588ad-b118-44cb-93b6-335b967c9009" providerId="ADAL" clId="{34666427-7FCB-4FA7-A3B4-9E6503AF3227}" dt="2024-09-11T13:29:06.421" v="31" actId="1035"/>
-          <ac:picMkLst>
-            <pc:docMk/>
-            <pc:sldMk cId="753175953" sldId="2056"/>
-            <ac:picMk id="15" creationId="{65489179-D576-67C4-FCC6-C7E5A5B75B40}"/>
-          </ac:picMkLst>
-        </pc:picChg>
-      </pc:sldChg>
-    </pc:docChg>
-  </pc:docChgLst>
-  <pc:docChgLst>
-    <pc:chgData name="Kümmerle, Markus" userId="edb588ad-b118-44cb-93b6-335b967c9009" providerId="ADAL" clId="{E7E46156-6837-4F04-A185-356A0A7796C6}"/>
-    <pc:docChg chg="custSel modSld">
-      <pc:chgData name="Kümmerle, Markus" userId="edb588ad-b118-44cb-93b6-335b967c9009" providerId="ADAL" clId="{E7E46156-6837-4F04-A185-356A0A7796C6}" dt="2023-06-29T13:00:22.997" v="47" actId="20577"/>
-      <pc:docMkLst>
-        <pc:docMk/>
-      </pc:docMkLst>
-      <pc:sldChg chg="addSp delSp modSp mod">
-        <pc:chgData name="Kümmerle, Markus" userId="edb588ad-b118-44cb-93b6-335b967c9009" providerId="ADAL" clId="{E7E46156-6837-4F04-A185-356A0A7796C6}" dt="2023-06-29T13:00:22.997" v="47" actId="20577"/>
-        <pc:sldMkLst>
-          <pc:docMk/>
-          <pc:sldMk cId="753175953" sldId="2056"/>
-        </pc:sldMkLst>
-        <pc:spChg chg="mod">
-          <ac:chgData name="Kümmerle, Markus" userId="edb588ad-b118-44cb-93b6-335b967c9009" providerId="ADAL" clId="{E7E46156-6837-4F04-A185-356A0A7796C6}" dt="2023-06-29T13:00:22.997" v="47" actId="20577"/>
-          <ac:spMkLst>
-            <pc:docMk/>
-            <pc:sldMk cId="753175953" sldId="2056"/>
-            <ac:spMk id="12" creationId="{70463976-1354-BDDA-18A9-EEFA0BB1625A}"/>
-          </ac:spMkLst>
-        </pc:spChg>
-        <pc:picChg chg="add del mod">
-          <ac:chgData name="Kümmerle, Markus" userId="edb588ad-b118-44cb-93b6-335b967c9009" providerId="ADAL" clId="{E7E46156-6837-4F04-A185-356A0A7796C6}" dt="2023-06-29T13:00:00.568" v="38" actId="478"/>
-          <ac:picMkLst>
-            <pc:docMk/>
-            <pc:sldMk cId="753175953" sldId="2056"/>
-            <ac:picMk id="3" creationId="{34C3BFD7-5E7C-A945-4430-9DE9B020B165}"/>
-          </ac:picMkLst>
-        </pc:picChg>
-        <pc:picChg chg="add mod">
-          <ac:chgData name="Kümmerle, Markus" userId="edb588ad-b118-44cb-93b6-335b967c9009" providerId="ADAL" clId="{E7E46156-6837-4F04-A185-356A0A7796C6}" dt="2023-06-29T13:00:16.638" v="43" actId="1076"/>
-          <ac:picMkLst>
-            <pc:docMk/>
-            <pc:sldMk cId="753175953" sldId="2056"/>
-            <ac:picMk id="4" creationId="{2435F677-751A-4227-1615-7D318BF161AA}"/>
-          </ac:picMkLst>
-        </pc:picChg>
-        <pc:picChg chg="del">
-          <ac:chgData name="Kümmerle, Markus" userId="edb588ad-b118-44cb-93b6-335b967c9009" providerId="ADAL" clId="{E7E46156-6837-4F04-A185-356A0A7796C6}" dt="2023-06-15T11:13:12.911" v="0" actId="478"/>
-          <ac:picMkLst>
-            <pc:docMk/>
-            <pc:sldMk cId="753175953" sldId="2056"/>
-            <ac:picMk id="4" creationId="{47123469-64DD-1633-9C1E-B92B7A8FA5A7}"/>
-          </ac:picMkLst>
-        </pc:picChg>
-      </pc:sldChg>
-    </pc:docChg>
-  </pc:docChgLst>
   <pc:docChgLst>
     <pc:chgData name="Kümmerle, Markus" userId="edb588ad-b118-44cb-93b6-335b967c9009" providerId="ADAL" clId="{70689628-A2CC-4A3A-9986-D50F656A5A10}"/>
     <pc:docChg chg="custSel modSld">
@@ -483,6 +387,174 @@
       </pc:sldChg>
     </pc:docChg>
   </pc:docChgLst>
+  <pc:docChgLst>
+    <pc:chgData name="Kümmerle, Markus" userId="edb588ad-b118-44cb-93b6-335b967c9009" providerId="ADAL" clId="{34666427-7FCB-4FA7-A3B4-9E6503AF3227}"/>
+    <pc:docChg chg="custSel modSld">
+      <pc:chgData name="Kümmerle, Markus" userId="edb588ad-b118-44cb-93b6-335b967c9009" providerId="ADAL" clId="{34666427-7FCB-4FA7-A3B4-9E6503AF3227}" dt="2024-09-11T13:29:06.421" v="31" actId="1035"/>
+      <pc:docMkLst>
+        <pc:docMk/>
+      </pc:docMkLst>
+      <pc:sldChg chg="addSp delSp modSp mod">
+        <pc:chgData name="Kümmerle, Markus" userId="edb588ad-b118-44cb-93b6-335b967c9009" providerId="ADAL" clId="{34666427-7FCB-4FA7-A3B4-9E6503AF3227}" dt="2024-09-11T13:29:06.421" v="31" actId="1035"/>
+        <pc:sldMkLst>
+          <pc:docMk/>
+          <pc:sldMk cId="753175953" sldId="2056"/>
+        </pc:sldMkLst>
+        <pc:spChg chg="mod">
+          <ac:chgData name="Kümmerle, Markus" userId="edb588ad-b118-44cb-93b6-335b967c9009" providerId="ADAL" clId="{34666427-7FCB-4FA7-A3B4-9E6503AF3227}" dt="2024-09-11T13:28:03.117" v="26" actId="20577"/>
+          <ac:spMkLst>
+            <pc:docMk/>
+            <pc:sldMk cId="753175953" sldId="2056"/>
+            <ac:spMk id="12" creationId="{70463976-1354-BDDA-18A9-EEFA0BB1625A}"/>
+          </ac:spMkLst>
+        </pc:spChg>
+        <pc:picChg chg="add del mod">
+          <ac:chgData name="Kümmerle, Markus" userId="edb588ad-b118-44cb-93b6-335b967c9009" providerId="ADAL" clId="{34666427-7FCB-4FA7-A3B4-9E6503AF3227}" dt="2024-09-11T13:24:58.317" v="15" actId="478"/>
+          <ac:picMkLst>
+            <pc:docMk/>
+            <pc:sldMk cId="753175953" sldId="2056"/>
+            <ac:picMk id="2" creationId="{4D1B7377-AA9A-D811-5416-833484973983}"/>
+          </ac:picMkLst>
+        </pc:picChg>
+        <pc:picChg chg="del">
+          <ac:chgData name="Kümmerle, Markus" userId="edb588ad-b118-44cb-93b6-335b967c9009" providerId="ADAL" clId="{34666427-7FCB-4FA7-A3B4-9E6503AF3227}" dt="2024-09-11T13:21:28.288" v="0" actId="478"/>
+          <ac:picMkLst>
+            <pc:docMk/>
+            <pc:sldMk cId="753175953" sldId="2056"/>
+            <ac:picMk id="3" creationId="{979A4C29-DD51-5CC7-4E6E-F575F59A39E2}"/>
+          </ac:picMkLst>
+        </pc:picChg>
+        <pc:picChg chg="add mod">
+          <ac:chgData name="Kümmerle, Markus" userId="edb588ad-b118-44cb-93b6-335b967c9009" providerId="ADAL" clId="{34666427-7FCB-4FA7-A3B4-9E6503AF3227}" dt="2024-09-11T13:29:06.421" v="31" actId="1035"/>
+          <ac:picMkLst>
+            <pc:docMk/>
+            <pc:sldMk cId="753175953" sldId="2056"/>
+            <ac:picMk id="15" creationId="{65489179-D576-67C4-FCC6-C7E5A5B75B40}"/>
+          </ac:picMkLst>
+        </pc:picChg>
+      </pc:sldChg>
+    </pc:docChg>
+  </pc:docChgLst>
+  <pc:docChgLst>
+    <pc:chgData name="Kümmerle, Markus" userId="edb588ad-b118-44cb-93b6-335b967c9009" providerId="ADAL" clId="{E7E46156-6837-4F04-A185-356A0A7796C6}"/>
+    <pc:docChg chg="custSel modSld">
+      <pc:chgData name="Kümmerle, Markus" userId="edb588ad-b118-44cb-93b6-335b967c9009" providerId="ADAL" clId="{E7E46156-6837-4F04-A185-356A0A7796C6}" dt="2023-06-29T13:00:22.997" v="47" actId="20577"/>
+      <pc:docMkLst>
+        <pc:docMk/>
+      </pc:docMkLst>
+      <pc:sldChg chg="addSp delSp modSp mod">
+        <pc:chgData name="Kümmerle, Markus" userId="edb588ad-b118-44cb-93b6-335b967c9009" providerId="ADAL" clId="{E7E46156-6837-4F04-A185-356A0A7796C6}" dt="2023-06-29T13:00:22.997" v="47" actId="20577"/>
+        <pc:sldMkLst>
+          <pc:docMk/>
+          <pc:sldMk cId="753175953" sldId="2056"/>
+        </pc:sldMkLst>
+        <pc:spChg chg="mod">
+          <ac:chgData name="Kümmerle, Markus" userId="edb588ad-b118-44cb-93b6-335b967c9009" providerId="ADAL" clId="{E7E46156-6837-4F04-A185-356A0A7796C6}" dt="2023-06-29T13:00:22.997" v="47" actId="20577"/>
+          <ac:spMkLst>
+            <pc:docMk/>
+            <pc:sldMk cId="753175953" sldId="2056"/>
+            <ac:spMk id="12" creationId="{70463976-1354-BDDA-18A9-EEFA0BB1625A}"/>
+          </ac:spMkLst>
+        </pc:spChg>
+        <pc:picChg chg="add del mod">
+          <ac:chgData name="Kümmerle, Markus" userId="edb588ad-b118-44cb-93b6-335b967c9009" providerId="ADAL" clId="{E7E46156-6837-4F04-A185-356A0A7796C6}" dt="2023-06-29T13:00:00.568" v="38" actId="478"/>
+          <ac:picMkLst>
+            <pc:docMk/>
+            <pc:sldMk cId="753175953" sldId="2056"/>
+            <ac:picMk id="3" creationId="{34C3BFD7-5E7C-A945-4430-9DE9B020B165}"/>
+          </ac:picMkLst>
+        </pc:picChg>
+        <pc:picChg chg="add mod">
+          <ac:chgData name="Kümmerle, Markus" userId="edb588ad-b118-44cb-93b6-335b967c9009" providerId="ADAL" clId="{E7E46156-6837-4F04-A185-356A0A7796C6}" dt="2023-06-29T13:00:16.638" v="43" actId="1076"/>
+          <ac:picMkLst>
+            <pc:docMk/>
+            <pc:sldMk cId="753175953" sldId="2056"/>
+            <ac:picMk id="4" creationId="{2435F677-751A-4227-1615-7D318BF161AA}"/>
+          </ac:picMkLst>
+        </pc:picChg>
+        <pc:picChg chg="del">
+          <ac:chgData name="Kümmerle, Markus" userId="edb588ad-b118-44cb-93b6-335b967c9009" providerId="ADAL" clId="{E7E46156-6837-4F04-A185-356A0A7796C6}" dt="2023-06-15T11:13:12.911" v="0" actId="478"/>
+          <ac:picMkLst>
+            <pc:docMk/>
+            <pc:sldMk cId="753175953" sldId="2056"/>
+            <ac:picMk id="4" creationId="{47123469-64DD-1633-9C1E-B92B7A8FA5A7}"/>
+          </ac:picMkLst>
+        </pc:picChg>
+      </pc:sldChg>
+    </pc:docChg>
+  </pc:docChgLst>
+  <pc:docChgLst>
+    <pc:chgData name="Kümmerle, Markus" userId="edb588ad-b118-44cb-93b6-335b967c9009" providerId="ADAL" clId="{D2DCF2E7-8E35-44EA-AF39-7F465D266750}"/>
+    <pc:docChg chg="custSel modSld">
+      <pc:chgData name="Kümmerle, Markus" userId="edb588ad-b118-44cb-93b6-335b967c9009" providerId="ADAL" clId="{D2DCF2E7-8E35-44EA-AF39-7F465D266750}" dt="2024-12-18T13:41:55.169" v="4" actId="14100"/>
+      <pc:docMkLst>
+        <pc:docMk/>
+      </pc:docMkLst>
+      <pc:sldChg chg="addSp delSp modSp mod">
+        <pc:chgData name="Kümmerle, Markus" userId="edb588ad-b118-44cb-93b6-335b967c9009" providerId="ADAL" clId="{D2DCF2E7-8E35-44EA-AF39-7F465D266750}" dt="2024-12-18T13:41:55.169" v="4" actId="14100"/>
+        <pc:sldMkLst>
+          <pc:docMk/>
+          <pc:sldMk cId="753175953" sldId="2056"/>
+        </pc:sldMkLst>
+        <pc:picChg chg="add mod">
+          <ac:chgData name="Kümmerle, Markus" userId="edb588ad-b118-44cb-93b6-335b967c9009" providerId="ADAL" clId="{D2DCF2E7-8E35-44EA-AF39-7F465D266750}" dt="2024-12-18T13:41:55.169" v="4" actId="14100"/>
+          <ac:picMkLst>
+            <pc:docMk/>
+            <pc:sldMk cId="753175953" sldId="2056"/>
+            <ac:picMk id="2" creationId="{DECCF92E-6CAB-DF67-8467-3A9F4FE01129}"/>
+          </ac:picMkLst>
+        </pc:picChg>
+        <pc:picChg chg="del">
+          <ac:chgData name="Kümmerle, Markus" userId="edb588ad-b118-44cb-93b6-335b967c9009" providerId="ADAL" clId="{D2DCF2E7-8E35-44EA-AF39-7F465D266750}" dt="2024-12-18T13:41:40.743" v="0" actId="478"/>
+          <ac:picMkLst>
+            <pc:docMk/>
+            <pc:sldMk cId="753175953" sldId="2056"/>
+            <ac:picMk id="3" creationId="{010DBF70-74A2-EE62-076E-8F678C2687E9}"/>
+          </ac:picMkLst>
+        </pc:picChg>
+      </pc:sldChg>
+    </pc:docChg>
+  </pc:docChgLst>
+  <pc:docChgLst>
+    <pc:chgData name="Markus Kümmerle" userId="edb588ad-b118-44cb-93b6-335b967c9009" providerId="ADAL" clId="{D2DCF2E7-8E35-44EA-AF39-7F465D266750}"/>
+    <pc:docChg chg="custSel modSld">
+      <pc:chgData name="Markus Kümmerle" userId="edb588ad-b118-44cb-93b6-335b967c9009" providerId="ADAL" clId="{D2DCF2E7-8E35-44EA-AF39-7F465D266750}" dt="2024-12-17T13:38:41.904" v="14" actId="1076"/>
+      <pc:docMkLst>
+        <pc:docMk/>
+      </pc:docMkLst>
+      <pc:sldChg chg="addSp delSp modSp mod">
+        <pc:chgData name="Markus Kümmerle" userId="edb588ad-b118-44cb-93b6-335b967c9009" providerId="ADAL" clId="{D2DCF2E7-8E35-44EA-AF39-7F465D266750}" dt="2024-12-17T13:38:41.904" v="14" actId="1076"/>
+        <pc:sldMkLst>
+          <pc:docMk/>
+          <pc:sldMk cId="753175953" sldId="2056"/>
+        </pc:sldMkLst>
+        <pc:spChg chg="mod">
+          <ac:chgData name="Markus Kümmerle" userId="edb588ad-b118-44cb-93b6-335b967c9009" providerId="ADAL" clId="{D2DCF2E7-8E35-44EA-AF39-7F465D266750}" dt="2024-12-17T13:35:34.875" v="7" actId="20577"/>
+          <ac:spMkLst>
+            <pc:docMk/>
+            <pc:sldMk cId="753175953" sldId="2056"/>
+            <ac:spMk id="12" creationId="{70463976-1354-BDDA-18A9-EEFA0BB1625A}"/>
+          </ac:spMkLst>
+        </pc:spChg>
+        <pc:picChg chg="del">
+          <ac:chgData name="Markus Kümmerle" userId="edb588ad-b118-44cb-93b6-335b967c9009" providerId="ADAL" clId="{D2DCF2E7-8E35-44EA-AF39-7F465D266750}" dt="2024-12-17T13:38:18.683" v="8" actId="478"/>
+          <ac:picMkLst>
+            <pc:docMk/>
+            <pc:sldMk cId="753175953" sldId="2056"/>
+            <ac:picMk id="2" creationId="{9A8879A2-373D-FBD1-63D7-B6B0D885E516}"/>
+          </ac:picMkLst>
+        </pc:picChg>
+        <pc:picChg chg="add mod">
+          <ac:chgData name="Markus Kümmerle" userId="edb588ad-b118-44cb-93b6-335b967c9009" providerId="ADAL" clId="{D2DCF2E7-8E35-44EA-AF39-7F465D266750}" dt="2024-12-17T13:38:41.904" v="14" actId="1076"/>
+          <ac:picMkLst>
+            <pc:docMk/>
+            <pc:sldMk cId="753175953" sldId="2056"/>
+            <ac:picMk id="3" creationId="{010DBF70-74A2-EE62-076E-8F678C2687E9}"/>
+          </ac:picMkLst>
+        </pc:picChg>
+      </pc:sldChg>
+    </pc:docChg>
+  </pc:docChgLst>
 </pc:chgInfo>
 </file>
 
@@ -569,7 +641,7 @@
             <a:fld id="{9847C1C0-7CF7-4E43-8415-72BC7E37BCB3}" type="datetimeFigureOut">
               <a:rPr lang="de-DE" smtClean="0"/>
               <a:pPr/>
-              <a:t>12.11.2024</a:t>
+              <a:t>18.12.2024</a:t>
             </a:fld>
             <a:endParaRPr lang="de-DE"/>
           </a:p>
@@ -4864,7 +4936,7 @@
         <p:spPr>
           <a:xfrm>
             <a:off x="370278" y="251736"/>
-            <a:ext cx="623889" cy="215444"/>
+            <a:ext cx="667170" cy="215444"/>
           </a:xfrm>
           <a:prstGeom prst="rect">
             <a:avLst/>
@@ -4881,7 +4953,7 @@
               <a:rPr lang="de-DE" sz="800" dirty="0">
                 <a:latin typeface="Montserrat Light" panose="00000400000000000000" pitchFamily="2" charset="0"/>
               </a:rPr>
-              <a:t>11.11.2024</a:t>
+              <a:t>17.12.2024</a:t>
             </a:r>
           </a:p>
         </p:txBody>
@@ -4956,7 +5028,7 @@
           <p:cNvPr id="2" name="Grafik 1">
             <a:extLst>
               <a:ext uri="{FF2B5EF4-FFF2-40B4-BE49-F238E27FC236}">
-                <a16:creationId xmlns:a16="http://schemas.microsoft.com/office/drawing/2014/main" id="{9A8879A2-373D-FBD1-63D7-B6B0D885E516}"/>
+                <a16:creationId xmlns:a16="http://schemas.microsoft.com/office/drawing/2014/main" id="{DECCF92E-6CAB-DF67-8467-3A9F4FE01129}"/>
               </a:ext>
             </a:extLst>
           </p:cNvPr>
@@ -4973,8 +5045,8 @@
         </p:blipFill>
         <p:spPr>
           <a:xfrm>
-            <a:off x="434131" y="7555383"/>
-            <a:ext cx="5925726" cy="2350617"/>
+            <a:off x="0" y="7428134"/>
+            <a:ext cx="6858000" cy="2477865"/>
           </a:xfrm>
           <a:prstGeom prst="rect">
             <a:avLst/>
@@ -5640,15 +5712,6 @@
 </file>
 
 <file path=customXml/item1.xml><?xml version="1.0" encoding="utf-8"?>
-<?mso-contentType ?>
-<FormTemplates xmlns="http://schemas.microsoft.com/sharepoint/v3/contenttype/forms">
-  <Display>DocumentLibraryForm</Display>
-  <Edit>DocumentLibraryForm</Edit>
-  <New>DocumentLibraryForm</New>
-</FormTemplates>
-</file>
-
-<file path=customXml/item2.xml><?xml version="1.0" encoding="utf-8"?>
 <p:properties xmlns:p="http://schemas.microsoft.com/office/2006/metadata/properties" xmlns:xsi="http://www.w3.org/2001/XMLSchema-instance" xmlns:pc="http://schemas.microsoft.com/office/infopath/2007/PartnerControls">
   <documentManagement>
     <SharedWithUsers xmlns="97396690-0b91-46d2-ad5a-06f45914e19c">
@@ -5666,7 +5729,7 @@
 </p:properties>
 </file>
 
-<file path=customXml/item3.xml><?xml version="1.0" encoding="utf-8"?>
+<file path=customXml/item2.xml><?xml version="1.0" encoding="utf-8"?>
 <ct:contentTypeSchema xmlns:ct="http://schemas.microsoft.com/office/2006/metadata/contentType" xmlns:ma="http://schemas.microsoft.com/office/2006/metadata/properties/metaAttributes" ct:_="" ma:_="" ma:contentTypeName="Dokument" ma:contentTypeID="0x010100044AD662EB7A25499208DD4235E5F8D6" ma:contentTypeVersion="18" ma:contentTypeDescription="Ein neues Dokument erstellen." ma:contentTypeScope="" ma:versionID="6743b63c00ca1b836503a1e7d79de5f6">
   <xsd:schema xmlns:xsd="http://www.w3.org/2001/XMLSchema" xmlns:xs="http://www.w3.org/2001/XMLSchema" xmlns:p="http://schemas.microsoft.com/office/2006/metadata/properties" xmlns:ns2="6126070c-0864-4b03-b2dc-aab5d8c39348" xmlns:ns3="97396690-0b91-46d2-ad5a-06f45914e19c" targetNamespace="http://schemas.microsoft.com/office/2006/metadata/properties" ma:root="true" ma:fieldsID="7df0be0bc9a5654e75e7c5b6be00286d" ns2:_="" ns3:_="">
     <xsd:import namespace="6126070c-0864-4b03-b2dc-aab5d8c39348"/>
@@ -5921,15 +5984,16 @@
 </ct:contentTypeSchema>
 </file>
 
-<file path=customXml/itemProps1.xml><?xml version="1.0" encoding="utf-8"?>
-<ds:datastoreItem xmlns:ds="http://schemas.openxmlformats.org/officeDocument/2006/customXml" ds:itemID="{61F0326B-7C1A-45A3-8DA0-69177D7DF157}">
-  <ds:schemaRefs>
-    <ds:schemaRef ds:uri="http://schemas.microsoft.com/sharepoint/v3/contenttype/forms"/>
-  </ds:schemaRefs>
-</ds:datastoreItem>
+<file path=customXml/item3.xml><?xml version="1.0" encoding="utf-8"?>
+<?mso-contentType ?>
+<FormTemplates xmlns="http://schemas.microsoft.com/sharepoint/v3/contenttype/forms">
+  <Display>DocumentLibraryForm</Display>
+  <Edit>DocumentLibraryForm</Edit>
+  <New>DocumentLibraryForm</New>
+</FormTemplates>
 </file>
 
-<file path=customXml/itemProps2.xml><?xml version="1.0" encoding="utf-8"?>
+<file path=customXml/itemProps1.xml><?xml version="1.0" encoding="utf-8"?>
 <ds:datastoreItem xmlns:ds="http://schemas.openxmlformats.org/officeDocument/2006/customXml" ds:itemID="{96FB6EF1-0BB7-4926-9DDA-55BF1304A87D}">
   <ds:schemaRefs>
     <ds:schemaRef ds:uri="http://purl.org/dc/elements/1.1/"/>
@@ -5946,7 +6010,7 @@
 </ds:datastoreItem>
 </file>
 
-<file path=customXml/itemProps3.xml><?xml version="1.0" encoding="utf-8"?>
+<file path=customXml/itemProps2.xml><?xml version="1.0" encoding="utf-8"?>
 <ds:datastoreItem xmlns:ds="http://schemas.openxmlformats.org/officeDocument/2006/customXml" ds:itemID="{3E09281D-64EC-4B41-BF41-414128D81736}">
   <ds:schemaRefs>
     <ds:schemaRef ds:uri="http://schemas.microsoft.com/office/2006/metadata/contentType"/>
@@ -5965,6 +6029,14 @@
 </ds:datastoreItem>
 </file>
 
+<file path=customXml/itemProps3.xml><?xml version="1.0" encoding="utf-8"?>
+<ds:datastoreItem xmlns:ds="http://schemas.openxmlformats.org/officeDocument/2006/customXml" ds:itemID="{61F0326B-7C1A-45A3-8DA0-69177D7DF157}">
+  <ds:schemaRefs>
+    <ds:schemaRef ds:uri="http://schemas.microsoft.com/sharepoint/v3/contenttype/forms"/>
+  </ds:schemaRefs>
+</ds:datastoreItem>
+</file>
+
 <file path=docMetadata/LabelInfo.xml><?xml version="1.0" encoding="utf-8"?>
 <clbl:labelList xmlns:clbl="http://schemas.microsoft.com/office/2020/mipLabelMetadata">
   <clbl:label id="{bde4dffc-4b60-4cf6-8b04-a5eeb25f5c4f}" enabled="0" method="" siteId="{bde4dffc-4b60-4cf6-8b04-a5eeb25f5c4f}" removed="1"/>

--- a/documentation/MarketingMaterial/CAMARA Onepager.pptx
+++ b/documentation/MarketingMaterial/CAMARA Onepager.pptx
@@ -252,7 +252,7 @@
 <file path=ppt/revisionInfo.xml><?xml version="1.0" encoding="utf-8"?>
 <p1510:revInfo xmlns:a="http://schemas.openxmlformats.org/drawingml/2006/main" xmlns:r="http://schemas.openxmlformats.org/officeDocument/2006/relationships" xmlns:p1510="http://schemas.microsoft.com/office/powerpoint/2015/10/main">
   <p1510:revLst>
-    <p1510:client id="{34666427-7FCB-4FA7-A3B4-9E6503AF3227}" v="1" dt="2024-09-11T13:21:29.190"/>
+    <p1510:client id="{6055671A-50BB-43B1-8535-2336391658ED}" v="1" dt="2025-01-24T09:23:40.808"/>
   </p1510:revLst>
 </p1510:revInfo>
 </file>
@@ -260,48 +260,40 @@
 <file path=ppt/changesInfos/changesInfo1.xml><?xml version="1.0" encoding="utf-8"?>
 <pc:chgInfo xmlns:a="http://schemas.openxmlformats.org/drawingml/2006/main" xmlns:r="http://schemas.openxmlformats.org/officeDocument/2006/relationships" xmlns:ac="http://schemas.microsoft.com/office/drawing/2013/main/command" xmlns:pc="http://schemas.microsoft.com/office/powerpoint/2013/main/command">
   <pc:docChgLst>
-    <pc:chgData name="Kümmerle, Markus" userId="edb588ad-b118-44cb-93b6-335b967c9009" providerId="ADAL" clId="{34666427-7FCB-4FA7-A3B4-9E6503AF3227}"/>
+    <pc:chgData name="Markus Kümmerle" userId="edb588ad-b118-44cb-93b6-335b967c9009" providerId="ADAL" clId="{6055671A-50BB-43B1-8535-2336391658ED}"/>
     <pc:docChg chg="custSel modSld">
-      <pc:chgData name="Kümmerle, Markus" userId="edb588ad-b118-44cb-93b6-335b967c9009" providerId="ADAL" clId="{34666427-7FCB-4FA7-A3B4-9E6503AF3227}" dt="2024-09-11T13:29:06.421" v="31" actId="1035"/>
+      <pc:chgData name="Markus Kümmerle" userId="edb588ad-b118-44cb-93b6-335b967c9009" providerId="ADAL" clId="{6055671A-50BB-43B1-8535-2336391658ED}" dt="2025-01-24T09:24:11.880" v="16" actId="1076"/>
       <pc:docMkLst>
         <pc:docMk/>
       </pc:docMkLst>
       <pc:sldChg chg="addSp delSp modSp mod">
-        <pc:chgData name="Kümmerle, Markus" userId="edb588ad-b118-44cb-93b6-335b967c9009" providerId="ADAL" clId="{34666427-7FCB-4FA7-A3B4-9E6503AF3227}" dt="2024-09-11T13:29:06.421" v="31" actId="1035"/>
+        <pc:chgData name="Markus Kümmerle" userId="edb588ad-b118-44cb-93b6-335b967c9009" providerId="ADAL" clId="{6055671A-50BB-43B1-8535-2336391658ED}" dt="2025-01-24T09:24:11.880" v="16" actId="1076"/>
         <pc:sldMkLst>
           <pc:docMk/>
           <pc:sldMk cId="753175953" sldId="2056"/>
         </pc:sldMkLst>
         <pc:spChg chg="mod">
-          <ac:chgData name="Kümmerle, Markus" userId="edb588ad-b118-44cb-93b6-335b967c9009" providerId="ADAL" clId="{34666427-7FCB-4FA7-A3B4-9E6503AF3227}" dt="2024-09-11T13:28:03.117" v="26" actId="20577"/>
+          <ac:chgData name="Markus Kümmerle" userId="edb588ad-b118-44cb-93b6-335b967c9009" providerId="ADAL" clId="{6055671A-50BB-43B1-8535-2336391658ED}" dt="2025-01-24T09:17:48.040" v="9" actId="20577"/>
           <ac:spMkLst>
             <pc:docMk/>
             <pc:sldMk cId="753175953" sldId="2056"/>
             <ac:spMk id="12" creationId="{70463976-1354-BDDA-18A9-EEFA0BB1625A}"/>
           </ac:spMkLst>
         </pc:spChg>
-        <pc:picChg chg="add del mod">
-          <ac:chgData name="Kümmerle, Markus" userId="edb588ad-b118-44cb-93b6-335b967c9009" providerId="ADAL" clId="{34666427-7FCB-4FA7-A3B4-9E6503AF3227}" dt="2024-09-11T13:24:58.317" v="15" actId="478"/>
+        <pc:picChg chg="del">
+          <ac:chgData name="Markus Kümmerle" userId="edb588ad-b118-44cb-93b6-335b967c9009" providerId="ADAL" clId="{6055671A-50BB-43B1-8535-2336391658ED}" dt="2025-01-24T09:23:39.946" v="10" actId="478"/>
           <ac:picMkLst>
             <pc:docMk/>
             <pc:sldMk cId="753175953" sldId="2056"/>
-            <ac:picMk id="2" creationId="{4D1B7377-AA9A-D811-5416-833484973983}"/>
+            <ac:picMk id="2" creationId="{DECCF92E-6CAB-DF67-8467-3A9F4FE01129}"/>
           </ac:picMkLst>
         </pc:picChg>
-        <pc:picChg chg="del">
-          <ac:chgData name="Kümmerle, Markus" userId="edb588ad-b118-44cb-93b6-335b967c9009" providerId="ADAL" clId="{34666427-7FCB-4FA7-A3B4-9E6503AF3227}" dt="2024-09-11T13:21:28.288" v="0" actId="478"/>
+        <pc:picChg chg="add mod">
+          <ac:chgData name="Markus Kümmerle" userId="edb588ad-b118-44cb-93b6-335b967c9009" providerId="ADAL" clId="{6055671A-50BB-43B1-8535-2336391658ED}" dt="2025-01-24T09:24:11.880" v="16" actId="1076"/>
           <ac:picMkLst>
             <pc:docMk/>
             <pc:sldMk cId="753175953" sldId="2056"/>
-            <ac:picMk id="3" creationId="{979A4C29-DD51-5CC7-4E6E-F575F59A39E2}"/>
-          </ac:picMkLst>
-        </pc:picChg>
-        <pc:picChg chg="add mod">
-          <ac:chgData name="Kümmerle, Markus" userId="edb588ad-b118-44cb-93b6-335b967c9009" providerId="ADAL" clId="{34666427-7FCB-4FA7-A3B4-9E6503AF3227}" dt="2024-09-11T13:29:06.421" v="31" actId="1035"/>
-          <ac:picMkLst>
-            <pc:docMk/>
-            <pc:sldMk cId="753175953" sldId="2056"/>
-            <ac:picMk id="15" creationId="{65489179-D576-67C4-FCC6-C7E5A5B75B40}"/>
+            <ac:picMk id="3" creationId="{F44F88F7-81A7-8F22-8638-21ACDF9A0CB2}"/>
           </ac:picMkLst>
         </pc:picChg>
       </pc:sldChg>
@@ -350,46 +342,6 @@
             <pc:docMk/>
             <pc:sldMk cId="753175953" sldId="2056"/>
             <ac:picMk id="4" creationId="{47123469-64DD-1633-9C1E-B92B7A8FA5A7}"/>
-          </ac:picMkLst>
-        </pc:picChg>
-      </pc:sldChg>
-    </pc:docChg>
-  </pc:docChgLst>
-  <pc:docChgLst>
-    <pc:chgData name="Kümmerle, Markus" userId="edb588ad-b118-44cb-93b6-335b967c9009" providerId="ADAL" clId="{70689628-A2CC-4A3A-9986-D50F656A5A10}"/>
-    <pc:docChg chg="custSel modSld">
-      <pc:chgData name="Kümmerle, Markus" userId="edb588ad-b118-44cb-93b6-335b967c9009" providerId="ADAL" clId="{70689628-A2CC-4A3A-9986-D50F656A5A10}" dt="2024-06-06T10:57:34.863" v="11" actId="20577"/>
-      <pc:docMkLst>
-        <pc:docMk/>
-      </pc:docMkLst>
-      <pc:sldChg chg="addSp delSp modSp mod">
-        <pc:chgData name="Kümmerle, Markus" userId="edb588ad-b118-44cb-93b6-335b967c9009" providerId="ADAL" clId="{70689628-A2CC-4A3A-9986-D50F656A5A10}" dt="2024-06-06T10:57:34.863" v="11" actId="20577"/>
-        <pc:sldMkLst>
-          <pc:docMk/>
-          <pc:sldMk cId="753175953" sldId="2056"/>
-        </pc:sldMkLst>
-        <pc:spChg chg="mod">
-          <ac:chgData name="Kümmerle, Markus" userId="edb588ad-b118-44cb-93b6-335b967c9009" providerId="ADAL" clId="{70689628-A2CC-4A3A-9986-D50F656A5A10}" dt="2024-06-06T10:57:34.863" v="11" actId="20577"/>
-          <ac:spMkLst>
-            <pc:docMk/>
-            <pc:sldMk cId="753175953" sldId="2056"/>
-            <ac:spMk id="12" creationId="{70463976-1354-BDDA-18A9-EEFA0BB1625A}"/>
-          </ac:spMkLst>
-        </pc:spChg>
-        <pc:picChg chg="add mod">
-          <ac:chgData name="Kümmerle, Markus" userId="edb588ad-b118-44cb-93b6-335b967c9009" providerId="ADAL" clId="{70689628-A2CC-4A3A-9986-D50F656A5A10}" dt="2024-06-06T10:57:13.718" v="6" actId="14100"/>
-          <ac:picMkLst>
-            <pc:docMk/>
-            <pc:sldMk cId="753175953" sldId="2056"/>
-            <ac:picMk id="2" creationId="{7C8758F3-9862-F1DD-23AF-469CFC1A0C82}"/>
-          </ac:picMkLst>
-        </pc:picChg>
-        <pc:picChg chg="del">
-          <ac:chgData name="Kümmerle, Markus" userId="edb588ad-b118-44cb-93b6-335b967c9009" providerId="ADAL" clId="{70689628-A2CC-4A3A-9986-D50F656A5A10}" dt="2024-06-06T10:57:01.847" v="0" actId="478"/>
-          <ac:picMkLst>
-            <pc:docMk/>
-            <pc:sldMk cId="753175953" sldId="2056"/>
-            <ac:picMk id="3" creationId="{1C31E869-2AFA-1128-9EB5-0217EF39C0BE}"/>
           </ac:picMkLst>
         </pc:picChg>
       </pc:sldChg>
@@ -483,6 +435,166 @@
       </pc:sldChg>
     </pc:docChg>
   </pc:docChgLst>
+  <pc:docChgLst>
+    <pc:chgData name="Kümmerle, Markus" userId="edb588ad-b118-44cb-93b6-335b967c9009" providerId="ADAL" clId="{34666427-7FCB-4FA7-A3B4-9E6503AF3227}"/>
+    <pc:docChg chg="custSel modSld">
+      <pc:chgData name="Kümmerle, Markus" userId="edb588ad-b118-44cb-93b6-335b967c9009" providerId="ADAL" clId="{34666427-7FCB-4FA7-A3B4-9E6503AF3227}" dt="2024-09-11T13:29:06.421" v="31" actId="1035"/>
+      <pc:docMkLst>
+        <pc:docMk/>
+      </pc:docMkLst>
+      <pc:sldChg chg="addSp delSp modSp mod">
+        <pc:chgData name="Kümmerle, Markus" userId="edb588ad-b118-44cb-93b6-335b967c9009" providerId="ADAL" clId="{34666427-7FCB-4FA7-A3B4-9E6503AF3227}" dt="2024-09-11T13:29:06.421" v="31" actId="1035"/>
+        <pc:sldMkLst>
+          <pc:docMk/>
+          <pc:sldMk cId="753175953" sldId="2056"/>
+        </pc:sldMkLst>
+        <pc:spChg chg="mod">
+          <ac:chgData name="Kümmerle, Markus" userId="edb588ad-b118-44cb-93b6-335b967c9009" providerId="ADAL" clId="{34666427-7FCB-4FA7-A3B4-9E6503AF3227}" dt="2024-09-11T13:28:03.117" v="26" actId="20577"/>
+          <ac:spMkLst>
+            <pc:docMk/>
+            <pc:sldMk cId="753175953" sldId="2056"/>
+            <ac:spMk id="12" creationId="{70463976-1354-BDDA-18A9-EEFA0BB1625A}"/>
+          </ac:spMkLst>
+        </pc:spChg>
+        <pc:picChg chg="add del mod">
+          <ac:chgData name="Kümmerle, Markus" userId="edb588ad-b118-44cb-93b6-335b967c9009" providerId="ADAL" clId="{34666427-7FCB-4FA7-A3B4-9E6503AF3227}" dt="2024-09-11T13:24:58.317" v="15" actId="478"/>
+          <ac:picMkLst>
+            <pc:docMk/>
+            <pc:sldMk cId="753175953" sldId="2056"/>
+            <ac:picMk id="2" creationId="{4D1B7377-AA9A-D811-5416-833484973983}"/>
+          </ac:picMkLst>
+        </pc:picChg>
+        <pc:picChg chg="del">
+          <ac:chgData name="Kümmerle, Markus" userId="edb588ad-b118-44cb-93b6-335b967c9009" providerId="ADAL" clId="{34666427-7FCB-4FA7-A3B4-9E6503AF3227}" dt="2024-09-11T13:21:28.288" v="0" actId="478"/>
+          <ac:picMkLst>
+            <pc:docMk/>
+            <pc:sldMk cId="753175953" sldId="2056"/>
+            <ac:picMk id="3" creationId="{979A4C29-DD51-5CC7-4E6E-F575F59A39E2}"/>
+          </ac:picMkLst>
+        </pc:picChg>
+        <pc:picChg chg="add mod">
+          <ac:chgData name="Kümmerle, Markus" userId="edb588ad-b118-44cb-93b6-335b967c9009" providerId="ADAL" clId="{34666427-7FCB-4FA7-A3B4-9E6503AF3227}" dt="2024-09-11T13:29:06.421" v="31" actId="1035"/>
+          <ac:picMkLst>
+            <pc:docMk/>
+            <pc:sldMk cId="753175953" sldId="2056"/>
+            <ac:picMk id="15" creationId="{65489179-D576-67C4-FCC6-C7E5A5B75B40}"/>
+          </ac:picMkLst>
+        </pc:picChg>
+      </pc:sldChg>
+    </pc:docChg>
+  </pc:docChgLst>
+  <pc:docChgLst>
+    <pc:chgData name="Kümmerle, Markus" userId="edb588ad-b118-44cb-93b6-335b967c9009" providerId="ADAL" clId="{D2DCF2E7-8E35-44EA-AF39-7F465D266750}"/>
+    <pc:docChg chg="custSel modSld">
+      <pc:chgData name="Kümmerle, Markus" userId="edb588ad-b118-44cb-93b6-335b967c9009" providerId="ADAL" clId="{D2DCF2E7-8E35-44EA-AF39-7F465D266750}" dt="2024-12-18T13:41:55.169" v="4" actId="14100"/>
+      <pc:docMkLst>
+        <pc:docMk/>
+      </pc:docMkLst>
+      <pc:sldChg chg="addSp delSp modSp mod">
+        <pc:chgData name="Kümmerle, Markus" userId="edb588ad-b118-44cb-93b6-335b967c9009" providerId="ADAL" clId="{D2DCF2E7-8E35-44EA-AF39-7F465D266750}" dt="2024-12-18T13:41:55.169" v="4" actId="14100"/>
+        <pc:sldMkLst>
+          <pc:docMk/>
+          <pc:sldMk cId="753175953" sldId="2056"/>
+        </pc:sldMkLst>
+        <pc:picChg chg="add mod">
+          <ac:chgData name="Kümmerle, Markus" userId="edb588ad-b118-44cb-93b6-335b967c9009" providerId="ADAL" clId="{D2DCF2E7-8E35-44EA-AF39-7F465D266750}" dt="2024-12-18T13:41:55.169" v="4" actId="14100"/>
+          <ac:picMkLst>
+            <pc:docMk/>
+            <pc:sldMk cId="753175953" sldId="2056"/>
+            <ac:picMk id="2" creationId="{DECCF92E-6CAB-DF67-8467-3A9F4FE01129}"/>
+          </ac:picMkLst>
+        </pc:picChg>
+        <pc:picChg chg="del">
+          <ac:chgData name="Kümmerle, Markus" userId="edb588ad-b118-44cb-93b6-335b967c9009" providerId="ADAL" clId="{D2DCF2E7-8E35-44EA-AF39-7F465D266750}" dt="2024-12-18T13:41:40.743" v="0" actId="478"/>
+          <ac:picMkLst>
+            <pc:docMk/>
+            <pc:sldMk cId="753175953" sldId="2056"/>
+            <ac:picMk id="3" creationId="{010DBF70-74A2-EE62-076E-8F678C2687E9}"/>
+          </ac:picMkLst>
+        </pc:picChg>
+      </pc:sldChg>
+    </pc:docChg>
+  </pc:docChgLst>
+  <pc:docChgLst>
+    <pc:chgData name="Kümmerle, Markus" userId="edb588ad-b118-44cb-93b6-335b967c9009" providerId="ADAL" clId="{70689628-A2CC-4A3A-9986-D50F656A5A10}"/>
+    <pc:docChg chg="custSel modSld">
+      <pc:chgData name="Kümmerle, Markus" userId="edb588ad-b118-44cb-93b6-335b967c9009" providerId="ADAL" clId="{70689628-A2CC-4A3A-9986-D50F656A5A10}" dt="2024-06-06T10:57:34.863" v="11" actId="20577"/>
+      <pc:docMkLst>
+        <pc:docMk/>
+      </pc:docMkLst>
+      <pc:sldChg chg="addSp delSp modSp mod">
+        <pc:chgData name="Kümmerle, Markus" userId="edb588ad-b118-44cb-93b6-335b967c9009" providerId="ADAL" clId="{70689628-A2CC-4A3A-9986-D50F656A5A10}" dt="2024-06-06T10:57:34.863" v="11" actId="20577"/>
+        <pc:sldMkLst>
+          <pc:docMk/>
+          <pc:sldMk cId="753175953" sldId="2056"/>
+        </pc:sldMkLst>
+        <pc:spChg chg="mod">
+          <ac:chgData name="Kümmerle, Markus" userId="edb588ad-b118-44cb-93b6-335b967c9009" providerId="ADAL" clId="{70689628-A2CC-4A3A-9986-D50F656A5A10}" dt="2024-06-06T10:57:34.863" v="11" actId="20577"/>
+          <ac:spMkLst>
+            <pc:docMk/>
+            <pc:sldMk cId="753175953" sldId="2056"/>
+            <ac:spMk id="12" creationId="{70463976-1354-BDDA-18A9-EEFA0BB1625A}"/>
+          </ac:spMkLst>
+        </pc:spChg>
+        <pc:picChg chg="add mod">
+          <ac:chgData name="Kümmerle, Markus" userId="edb588ad-b118-44cb-93b6-335b967c9009" providerId="ADAL" clId="{70689628-A2CC-4A3A-9986-D50F656A5A10}" dt="2024-06-06T10:57:13.718" v="6" actId="14100"/>
+          <ac:picMkLst>
+            <pc:docMk/>
+            <pc:sldMk cId="753175953" sldId="2056"/>
+            <ac:picMk id="2" creationId="{7C8758F3-9862-F1DD-23AF-469CFC1A0C82}"/>
+          </ac:picMkLst>
+        </pc:picChg>
+        <pc:picChg chg="del">
+          <ac:chgData name="Kümmerle, Markus" userId="edb588ad-b118-44cb-93b6-335b967c9009" providerId="ADAL" clId="{70689628-A2CC-4A3A-9986-D50F656A5A10}" dt="2024-06-06T10:57:01.847" v="0" actId="478"/>
+          <ac:picMkLst>
+            <pc:docMk/>
+            <pc:sldMk cId="753175953" sldId="2056"/>
+            <ac:picMk id="3" creationId="{1C31E869-2AFA-1128-9EB5-0217EF39C0BE}"/>
+          </ac:picMkLst>
+        </pc:picChg>
+      </pc:sldChg>
+    </pc:docChg>
+  </pc:docChgLst>
+  <pc:docChgLst>
+    <pc:chgData name="Markus Kümmerle" userId="edb588ad-b118-44cb-93b6-335b967c9009" providerId="ADAL" clId="{D2DCF2E7-8E35-44EA-AF39-7F465D266750}"/>
+    <pc:docChg chg="custSel modSld">
+      <pc:chgData name="Markus Kümmerle" userId="edb588ad-b118-44cb-93b6-335b967c9009" providerId="ADAL" clId="{D2DCF2E7-8E35-44EA-AF39-7F465D266750}" dt="2024-12-17T13:38:41.904" v="14" actId="1076"/>
+      <pc:docMkLst>
+        <pc:docMk/>
+      </pc:docMkLst>
+      <pc:sldChg chg="addSp delSp modSp mod">
+        <pc:chgData name="Markus Kümmerle" userId="edb588ad-b118-44cb-93b6-335b967c9009" providerId="ADAL" clId="{D2DCF2E7-8E35-44EA-AF39-7F465D266750}" dt="2024-12-17T13:38:41.904" v="14" actId="1076"/>
+        <pc:sldMkLst>
+          <pc:docMk/>
+          <pc:sldMk cId="753175953" sldId="2056"/>
+        </pc:sldMkLst>
+        <pc:spChg chg="mod">
+          <ac:chgData name="Markus Kümmerle" userId="edb588ad-b118-44cb-93b6-335b967c9009" providerId="ADAL" clId="{D2DCF2E7-8E35-44EA-AF39-7F465D266750}" dt="2024-12-17T13:35:34.875" v="7" actId="20577"/>
+          <ac:spMkLst>
+            <pc:docMk/>
+            <pc:sldMk cId="753175953" sldId="2056"/>
+            <ac:spMk id="12" creationId="{70463976-1354-BDDA-18A9-EEFA0BB1625A}"/>
+          </ac:spMkLst>
+        </pc:spChg>
+        <pc:picChg chg="del">
+          <ac:chgData name="Markus Kümmerle" userId="edb588ad-b118-44cb-93b6-335b967c9009" providerId="ADAL" clId="{D2DCF2E7-8E35-44EA-AF39-7F465D266750}" dt="2024-12-17T13:38:18.683" v="8" actId="478"/>
+          <ac:picMkLst>
+            <pc:docMk/>
+            <pc:sldMk cId="753175953" sldId="2056"/>
+            <ac:picMk id="2" creationId="{9A8879A2-373D-FBD1-63D7-B6B0D885E516}"/>
+          </ac:picMkLst>
+        </pc:picChg>
+        <pc:picChg chg="add mod">
+          <ac:chgData name="Markus Kümmerle" userId="edb588ad-b118-44cb-93b6-335b967c9009" providerId="ADAL" clId="{D2DCF2E7-8E35-44EA-AF39-7F465D266750}" dt="2024-12-17T13:38:41.904" v="14" actId="1076"/>
+          <ac:picMkLst>
+            <pc:docMk/>
+            <pc:sldMk cId="753175953" sldId="2056"/>
+            <ac:picMk id="3" creationId="{010DBF70-74A2-EE62-076E-8F678C2687E9}"/>
+          </ac:picMkLst>
+        </pc:picChg>
+      </pc:sldChg>
+    </pc:docChg>
+  </pc:docChgLst>
 </pc:chgInfo>
 </file>
 
@@ -569,7 +681,7 @@
             <a:fld id="{9847C1C0-7CF7-4E43-8415-72BC7E37BCB3}" type="datetimeFigureOut">
               <a:rPr lang="de-DE" smtClean="0"/>
               <a:pPr/>
-              <a:t>12.11.2024</a:t>
+              <a:t>24.01.2025</a:t>
             </a:fld>
             <a:endParaRPr lang="de-DE"/>
           </a:p>
@@ -4864,7 +4976,7 @@
         <p:spPr>
           <a:xfrm>
             <a:off x="370278" y="251736"/>
-            <a:ext cx="623889" cy="215444"/>
+            <a:ext cx="696024" cy="215444"/>
           </a:xfrm>
           <a:prstGeom prst="rect">
             <a:avLst/>
@@ -4881,7 +4993,7 @@
               <a:rPr lang="de-DE" sz="800" dirty="0">
                 <a:latin typeface="Montserrat Light" panose="00000400000000000000" pitchFamily="2" charset="0"/>
               </a:rPr>
-              <a:t>11.11.2024</a:t>
+              <a:t>24.01.2025</a:t>
             </a:r>
           </a:p>
         </p:txBody>
@@ -4953,10 +5065,10 @@
       </p:pic>
       <p:pic>
         <p:nvPicPr>
-          <p:cNvPr id="2" name="Grafik 1">
+          <p:cNvPr id="3" name="Grafik 2">
             <a:extLst>
               <a:ext uri="{FF2B5EF4-FFF2-40B4-BE49-F238E27FC236}">
-                <a16:creationId xmlns:a16="http://schemas.microsoft.com/office/drawing/2014/main" id="{9A8879A2-373D-FBD1-63D7-B6B0D885E516}"/>
+                <a16:creationId xmlns:a16="http://schemas.microsoft.com/office/drawing/2014/main" id="{F44F88F7-81A7-8F22-8638-21ACDF9A0CB2}"/>
               </a:ext>
             </a:extLst>
           </p:cNvPr>
@@ -4973,8 +5085,8 @@
         </p:blipFill>
         <p:spPr>
           <a:xfrm>
-            <a:off x="434131" y="7555383"/>
-            <a:ext cx="5925726" cy="2350617"/>
+            <a:off x="436866" y="7548714"/>
+            <a:ext cx="5848331" cy="2357286"/>
           </a:xfrm>
           <a:prstGeom prst="rect">
             <a:avLst/>
@@ -5640,33 +5752,6 @@
 </file>
 
 <file path=customXml/item1.xml><?xml version="1.0" encoding="utf-8"?>
-<?mso-contentType ?>
-<FormTemplates xmlns="http://schemas.microsoft.com/sharepoint/v3/contenttype/forms">
-  <Display>DocumentLibraryForm</Display>
-  <Edit>DocumentLibraryForm</Edit>
-  <New>DocumentLibraryForm</New>
-</FormTemplates>
-</file>
-
-<file path=customXml/item2.xml><?xml version="1.0" encoding="utf-8"?>
-<p:properties xmlns:p="http://schemas.microsoft.com/office/2006/metadata/properties" xmlns:xsi="http://www.w3.org/2001/XMLSchema-instance" xmlns:pc="http://schemas.microsoft.com/office/infopath/2007/PartnerControls">
-  <documentManagement>
-    <SharedWithUsers xmlns="97396690-0b91-46d2-ad5a-06f45914e19c">
-      <UserInfo>
-        <DisplayName/>
-        <AccountId xsi:nil="true"/>
-        <AccountType/>
-      </UserInfo>
-    </SharedWithUsers>
-    <lcf76f155ced4ddcb4097134ff3c332f xmlns="6126070c-0864-4b03-b2dc-aab5d8c39348">
-      <Terms xmlns="http://schemas.microsoft.com/office/infopath/2007/PartnerControls"/>
-    </lcf76f155ced4ddcb4097134ff3c332f>
-    <TaxCatchAll xmlns="97396690-0b91-46d2-ad5a-06f45914e19c" xsi:nil="true"/>
-  </documentManagement>
-</p:properties>
-</file>
-
-<file path=customXml/item3.xml><?xml version="1.0" encoding="utf-8"?>
 <ct:contentTypeSchema xmlns:ct="http://schemas.microsoft.com/office/2006/metadata/contentType" xmlns:ma="http://schemas.microsoft.com/office/2006/metadata/properties/metaAttributes" ct:_="" ma:_="" ma:contentTypeName="Dokument" ma:contentTypeID="0x010100044AD662EB7A25499208DD4235E5F8D6" ma:contentTypeVersion="18" ma:contentTypeDescription="Ein neues Dokument erstellen." ma:contentTypeScope="" ma:versionID="6743b63c00ca1b836503a1e7d79de5f6">
   <xsd:schema xmlns:xsd="http://www.w3.org/2001/XMLSchema" xmlns:xs="http://www.w3.org/2001/XMLSchema" xmlns:p="http://schemas.microsoft.com/office/2006/metadata/properties" xmlns:ns2="6126070c-0864-4b03-b2dc-aab5d8c39348" xmlns:ns3="97396690-0b91-46d2-ad5a-06f45914e19c" targetNamespace="http://schemas.microsoft.com/office/2006/metadata/properties" ma:root="true" ma:fieldsID="7df0be0bc9a5654e75e7c5b6be00286d" ns2:_="" ns3:_="">
     <xsd:import namespace="6126070c-0864-4b03-b2dc-aab5d8c39348"/>
@@ -5921,10 +6006,48 @@
 </ct:contentTypeSchema>
 </file>
 
+<file path=customXml/item2.xml><?xml version="1.0" encoding="utf-8"?>
+<p:properties xmlns:p="http://schemas.microsoft.com/office/2006/metadata/properties" xmlns:xsi="http://www.w3.org/2001/XMLSchema-instance" xmlns:pc="http://schemas.microsoft.com/office/infopath/2007/PartnerControls">
+  <documentManagement>
+    <SharedWithUsers xmlns="97396690-0b91-46d2-ad5a-06f45914e19c">
+      <UserInfo>
+        <DisplayName/>
+        <AccountId xsi:nil="true"/>
+        <AccountType/>
+      </UserInfo>
+    </SharedWithUsers>
+    <lcf76f155ced4ddcb4097134ff3c332f xmlns="6126070c-0864-4b03-b2dc-aab5d8c39348">
+      <Terms xmlns="http://schemas.microsoft.com/office/infopath/2007/PartnerControls"/>
+    </lcf76f155ced4ddcb4097134ff3c332f>
+    <TaxCatchAll xmlns="97396690-0b91-46d2-ad5a-06f45914e19c" xsi:nil="true"/>
+  </documentManagement>
+</p:properties>
+</file>
+
+<file path=customXml/item3.xml><?xml version="1.0" encoding="utf-8"?>
+<?mso-contentType ?>
+<FormTemplates xmlns="http://schemas.microsoft.com/sharepoint/v3/contenttype/forms">
+  <Display>DocumentLibraryForm</Display>
+  <Edit>DocumentLibraryForm</Edit>
+  <New>DocumentLibraryForm</New>
+</FormTemplates>
+</file>
+
 <file path=customXml/itemProps1.xml><?xml version="1.0" encoding="utf-8"?>
-<ds:datastoreItem xmlns:ds="http://schemas.openxmlformats.org/officeDocument/2006/customXml" ds:itemID="{61F0326B-7C1A-45A3-8DA0-69177D7DF157}">
+<ds:datastoreItem xmlns:ds="http://schemas.openxmlformats.org/officeDocument/2006/customXml" ds:itemID="{3E09281D-64EC-4B41-BF41-414128D81736}">
   <ds:schemaRefs>
-    <ds:schemaRef ds:uri="http://schemas.microsoft.com/sharepoint/v3/contenttype/forms"/>
+    <ds:schemaRef ds:uri="http://schemas.microsoft.com/office/2006/metadata/contentType"/>
+    <ds:schemaRef ds:uri="http://schemas.microsoft.com/office/2006/metadata/properties/metaAttributes"/>
+    <ds:schemaRef ds:uri="http://www.w3.org/2001/XMLSchema"/>
+    <ds:schemaRef ds:uri="http://schemas.microsoft.com/office/2006/metadata/properties"/>
+    <ds:schemaRef ds:uri="6126070c-0864-4b03-b2dc-aab5d8c39348"/>
+    <ds:schemaRef ds:uri="97396690-0b91-46d2-ad5a-06f45914e19c"/>
+    <ds:schemaRef ds:uri="http://schemas.microsoft.com/office/2006/documentManagement/types"/>
+    <ds:schemaRef ds:uri="http://schemas.microsoft.com/office/infopath/2007/PartnerControls"/>
+    <ds:schemaRef ds:uri="http://schemas.openxmlformats.org/package/2006/metadata/core-properties"/>
+    <ds:schemaRef ds:uri="http://purl.org/dc/elements/1.1/"/>
+    <ds:schemaRef ds:uri="http://purl.org/dc/terms/"/>
+    <ds:schemaRef ds:uri="http://schemas.microsoft.com/internal/obd"/>
   </ds:schemaRefs>
 </ds:datastoreItem>
 </file>
@@ -5947,20 +6070,9 @@
 </file>
 
 <file path=customXml/itemProps3.xml><?xml version="1.0" encoding="utf-8"?>
-<ds:datastoreItem xmlns:ds="http://schemas.openxmlformats.org/officeDocument/2006/customXml" ds:itemID="{3E09281D-64EC-4B41-BF41-414128D81736}">
+<ds:datastoreItem xmlns:ds="http://schemas.openxmlformats.org/officeDocument/2006/customXml" ds:itemID="{61F0326B-7C1A-45A3-8DA0-69177D7DF157}">
   <ds:schemaRefs>
-    <ds:schemaRef ds:uri="http://schemas.microsoft.com/office/2006/metadata/contentType"/>
-    <ds:schemaRef ds:uri="http://schemas.microsoft.com/office/2006/metadata/properties/metaAttributes"/>
-    <ds:schemaRef ds:uri="http://www.w3.org/2001/XMLSchema"/>
-    <ds:schemaRef ds:uri="http://schemas.microsoft.com/office/2006/metadata/properties"/>
-    <ds:schemaRef ds:uri="6126070c-0864-4b03-b2dc-aab5d8c39348"/>
-    <ds:schemaRef ds:uri="97396690-0b91-46d2-ad5a-06f45914e19c"/>
-    <ds:schemaRef ds:uri="http://schemas.microsoft.com/office/2006/documentManagement/types"/>
-    <ds:schemaRef ds:uri="http://schemas.microsoft.com/office/infopath/2007/PartnerControls"/>
-    <ds:schemaRef ds:uri="http://schemas.openxmlformats.org/package/2006/metadata/core-properties"/>
-    <ds:schemaRef ds:uri="http://purl.org/dc/elements/1.1/"/>
-    <ds:schemaRef ds:uri="http://purl.org/dc/terms/"/>
-    <ds:schemaRef ds:uri="http://schemas.microsoft.com/internal/obd"/>
+    <ds:schemaRef ds:uri="http://schemas.microsoft.com/sharepoint/v3/contenttype/forms"/>
   </ds:schemaRefs>
 </ds:datastoreItem>
 </file>

--- a/documentation/MarketingMaterial/CAMARA Onepager.pptx
+++ b/documentation/MarketingMaterial/CAMARA Onepager.pptx
@@ -252,7 +252,7 @@
 <file path=ppt/revisionInfo.xml><?xml version="1.0" encoding="utf-8"?>
 <p1510:revInfo xmlns:a="http://schemas.openxmlformats.org/drawingml/2006/main" xmlns:r="http://schemas.openxmlformats.org/officeDocument/2006/relationships" xmlns:p1510="http://schemas.microsoft.com/office/powerpoint/2015/10/main">
   <p1510:revLst>
-    <p1510:client id="{D2DCF2E7-8E35-44EA-AF39-7F465D266750}" v="2" dt="2024-12-18T13:41:41.405"/>
+    <p1510:client id="{6055671A-50BB-43B1-8535-2336391658ED}" v="1" dt="2025-01-24T09:23:40.808"/>
   </p1510:revLst>
 </p1510:revInfo>
 </file>
@@ -260,40 +260,88 @@
 <file path=ppt/changesInfos/changesInfo1.xml><?xml version="1.0" encoding="utf-8"?>
 <pc:chgInfo xmlns:a="http://schemas.openxmlformats.org/drawingml/2006/main" xmlns:r="http://schemas.openxmlformats.org/officeDocument/2006/relationships" xmlns:ac="http://schemas.microsoft.com/office/drawing/2013/main/command" xmlns:pc="http://schemas.microsoft.com/office/powerpoint/2013/main/command">
   <pc:docChgLst>
-    <pc:chgData name="Kümmerle, Markus" userId="edb588ad-b118-44cb-93b6-335b967c9009" providerId="ADAL" clId="{70689628-A2CC-4A3A-9986-D50F656A5A10}"/>
+    <pc:chgData name="Markus Kümmerle" userId="edb588ad-b118-44cb-93b6-335b967c9009" providerId="ADAL" clId="{6055671A-50BB-43B1-8535-2336391658ED}"/>
     <pc:docChg chg="custSel modSld">
-      <pc:chgData name="Kümmerle, Markus" userId="edb588ad-b118-44cb-93b6-335b967c9009" providerId="ADAL" clId="{70689628-A2CC-4A3A-9986-D50F656A5A10}" dt="2024-06-06T10:57:34.863" v="11" actId="20577"/>
+      <pc:chgData name="Markus Kümmerle" userId="edb588ad-b118-44cb-93b6-335b967c9009" providerId="ADAL" clId="{6055671A-50BB-43B1-8535-2336391658ED}" dt="2025-01-24T09:24:11.880" v="16" actId="1076"/>
       <pc:docMkLst>
         <pc:docMk/>
       </pc:docMkLst>
       <pc:sldChg chg="addSp delSp modSp mod">
-        <pc:chgData name="Kümmerle, Markus" userId="edb588ad-b118-44cb-93b6-335b967c9009" providerId="ADAL" clId="{70689628-A2CC-4A3A-9986-D50F656A5A10}" dt="2024-06-06T10:57:34.863" v="11" actId="20577"/>
+        <pc:chgData name="Markus Kümmerle" userId="edb588ad-b118-44cb-93b6-335b967c9009" providerId="ADAL" clId="{6055671A-50BB-43B1-8535-2336391658ED}" dt="2025-01-24T09:24:11.880" v="16" actId="1076"/>
         <pc:sldMkLst>
           <pc:docMk/>
           <pc:sldMk cId="753175953" sldId="2056"/>
         </pc:sldMkLst>
         <pc:spChg chg="mod">
-          <ac:chgData name="Kümmerle, Markus" userId="edb588ad-b118-44cb-93b6-335b967c9009" providerId="ADAL" clId="{70689628-A2CC-4A3A-9986-D50F656A5A10}" dt="2024-06-06T10:57:34.863" v="11" actId="20577"/>
+          <ac:chgData name="Markus Kümmerle" userId="edb588ad-b118-44cb-93b6-335b967c9009" providerId="ADAL" clId="{6055671A-50BB-43B1-8535-2336391658ED}" dt="2025-01-24T09:17:48.040" v="9" actId="20577"/>
           <ac:spMkLst>
             <pc:docMk/>
             <pc:sldMk cId="753175953" sldId="2056"/>
             <ac:spMk id="12" creationId="{70463976-1354-BDDA-18A9-EEFA0BB1625A}"/>
           </ac:spMkLst>
         </pc:spChg>
-        <pc:picChg chg="add mod">
-          <ac:chgData name="Kümmerle, Markus" userId="edb588ad-b118-44cb-93b6-335b967c9009" providerId="ADAL" clId="{70689628-A2CC-4A3A-9986-D50F656A5A10}" dt="2024-06-06T10:57:13.718" v="6" actId="14100"/>
+        <pc:picChg chg="del">
+          <ac:chgData name="Markus Kümmerle" userId="edb588ad-b118-44cb-93b6-335b967c9009" providerId="ADAL" clId="{6055671A-50BB-43B1-8535-2336391658ED}" dt="2025-01-24T09:23:39.946" v="10" actId="478"/>
           <ac:picMkLst>
             <pc:docMk/>
             <pc:sldMk cId="753175953" sldId="2056"/>
-            <ac:picMk id="2" creationId="{7C8758F3-9862-F1DD-23AF-469CFC1A0C82}"/>
+            <ac:picMk id="2" creationId="{DECCF92E-6CAB-DF67-8467-3A9F4FE01129}"/>
+          </ac:picMkLst>
+        </pc:picChg>
+        <pc:picChg chg="add mod">
+          <ac:chgData name="Markus Kümmerle" userId="edb588ad-b118-44cb-93b6-335b967c9009" providerId="ADAL" clId="{6055671A-50BB-43B1-8535-2336391658ED}" dt="2025-01-24T09:24:11.880" v="16" actId="1076"/>
+          <ac:picMkLst>
+            <pc:docMk/>
+            <pc:sldMk cId="753175953" sldId="2056"/>
+            <ac:picMk id="3" creationId="{F44F88F7-81A7-8F22-8638-21ACDF9A0CB2}"/>
+          </ac:picMkLst>
+        </pc:picChg>
+      </pc:sldChg>
+    </pc:docChg>
+  </pc:docChgLst>
+  <pc:docChgLst>
+    <pc:chgData name="Kümmerle, Markus" userId="edb588ad-b118-44cb-93b6-335b967c9009" providerId="ADAL" clId="{E7E46156-6837-4F04-A185-356A0A7796C6}"/>
+    <pc:docChg chg="custSel modSld">
+      <pc:chgData name="Kümmerle, Markus" userId="edb588ad-b118-44cb-93b6-335b967c9009" providerId="ADAL" clId="{E7E46156-6837-4F04-A185-356A0A7796C6}" dt="2023-06-29T13:00:22.997" v="47" actId="20577"/>
+      <pc:docMkLst>
+        <pc:docMk/>
+      </pc:docMkLst>
+      <pc:sldChg chg="addSp delSp modSp mod">
+        <pc:chgData name="Kümmerle, Markus" userId="edb588ad-b118-44cb-93b6-335b967c9009" providerId="ADAL" clId="{E7E46156-6837-4F04-A185-356A0A7796C6}" dt="2023-06-29T13:00:22.997" v="47" actId="20577"/>
+        <pc:sldMkLst>
+          <pc:docMk/>
+          <pc:sldMk cId="753175953" sldId="2056"/>
+        </pc:sldMkLst>
+        <pc:spChg chg="mod">
+          <ac:chgData name="Kümmerle, Markus" userId="edb588ad-b118-44cb-93b6-335b967c9009" providerId="ADAL" clId="{E7E46156-6837-4F04-A185-356A0A7796C6}" dt="2023-06-29T13:00:22.997" v="47" actId="20577"/>
+          <ac:spMkLst>
+            <pc:docMk/>
+            <pc:sldMk cId="753175953" sldId="2056"/>
+            <ac:spMk id="12" creationId="{70463976-1354-BDDA-18A9-EEFA0BB1625A}"/>
+          </ac:spMkLst>
+        </pc:spChg>
+        <pc:picChg chg="add del mod">
+          <ac:chgData name="Kümmerle, Markus" userId="edb588ad-b118-44cb-93b6-335b967c9009" providerId="ADAL" clId="{E7E46156-6837-4F04-A185-356A0A7796C6}" dt="2023-06-29T13:00:00.568" v="38" actId="478"/>
+          <ac:picMkLst>
+            <pc:docMk/>
+            <pc:sldMk cId="753175953" sldId="2056"/>
+            <ac:picMk id="3" creationId="{34C3BFD7-5E7C-A945-4430-9DE9B020B165}"/>
+          </ac:picMkLst>
+        </pc:picChg>
+        <pc:picChg chg="add mod">
+          <ac:chgData name="Kümmerle, Markus" userId="edb588ad-b118-44cb-93b6-335b967c9009" providerId="ADAL" clId="{E7E46156-6837-4F04-A185-356A0A7796C6}" dt="2023-06-29T13:00:16.638" v="43" actId="1076"/>
+          <ac:picMkLst>
+            <pc:docMk/>
+            <pc:sldMk cId="753175953" sldId="2056"/>
+            <ac:picMk id="4" creationId="{2435F677-751A-4227-1615-7D318BF161AA}"/>
           </ac:picMkLst>
         </pc:picChg>
         <pc:picChg chg="del">
-          <ac:chgData name="Kümmerle, Markus" userId="edb588ad-b118-44cb-93b6-335b967c9009" providerId="ADAL" clId="{70689628-A2CC-4A3A-9986-D50F656A5A10}" dt="2024-06-06T10:57:01.847" v="0" actId="478"/>
+          <ac:chgData name="Kümmerle, Markus" userId="edb588ad-b118-44cb-93b6-335b967c9009" providerId="ADAL" clId="{E7E46156-6837-4F04-A185-356A0A7796C6}" dt="2023-06-15T11:13:12.911" v="0" actId="478"/>
           <ac:picMkLst>
             <pc:docMk/>
             <pc:sldMk cId="753175953" sldId="2056"/>
-            <ac:picMk id="3" creationId="{1C31E869-2AFA-1128-9EB5-0217EF39C0BE}"/>
+            <ac:picMk id="4" creationId="{47123469-64DD-1633-9C1E-B92B7A8FA5A7}"/>
           </ac:picMkLst>
         </pc:picChg>
       </pc:sldChg>
@@ -436,54 +484,6 @@
     </pc:docChg>
   </pc:docChgLst>
   <pc:docChgLst>
-    <pc:chgData name="Kümmerle, Markus" userId="edb588ad-b118-44cb-93b6-335b967c9009" providerId="ADAL" clId="{E7E46156-6837-4F04-A185-356A0A7796C6}"/>
-    <pc:docChg chg="custSel modSld">
-      <pc:chgData name="Kümmerle, Markus" userId="edb588ad-b118-44cb-93b6-335b967c9009" providerId="ADAL" clId="{E7E46156-6837-4F04-A185-356A0A7796C6}" dt="2023-06-29T13:00:22.997" v="47" actId="20577"/>
-      <pc:docMkLst>
-        <pc:docMk/>
-      </pc:docMkLst>
-      <pc:sldChg chg="addSp delSp modSp mod">
-        <pc:chgData name="Kümmerle, Markus" userId="edb588ad-b118-44cb-93b6-335b967c9009" providerId="ADAL" clId="{E7E46156-6837-4F04-A185-356A0A7796C6}" dt="2023-06-29T13:00:22.997" v="47" actId="20577"/>
-        <pc:sldMkLst>
-          <pc:docMk/>
-          <pc:sldMk cId="753175953" sldId="2056"/>
-        </pc:sldMkLst>
-        <pc:spChg chg="mod">
-          <ac:chgData name="Kümmerle, Markus" userId="edb588ad-b118-44cb-93b6-335b967c9009" providerId="ADAL" clId="{E7E46156-6837-4F04-A185-356A0A7796C6}" dt="2023-06-29T13:00:22.997" v="47" actId="20577"/>
-          <ac:spMkLst>
-            <pc:docMk/>
-            <pc:sldMk cId="753175953" sldId="2056"/>
-            <ac:spMk id="12" creationId="{70463976-1354-BDDA-18A9-EEFA0BB1625A}"/>
-          </ac:spMkLst>
-        </pc:spChg>
-        <pc:picChg chg="add del mod">
-          <ac:chgData name="Kümmerle, Markus" userId="edb588ad-b118-44cb-93b6-335b967c9009" providerId="ADAL" clId="{E7E46156-6837-4F04-A185-356A0A7796C6}" dt="2023-06-29T13:00:00.568" v="38" actId="478"/>
-          <ac:picMkLst>
-            <pc:docMk/>
-            <pc:sldMk cId="753175953" sldId="2056"/>
-            <ac:picMk id="3" creationId="{34C3BFD7-5E7C-A945-4430-9DE9B020B165}"/>
-          </ac:picMkLst>
-        </pc:picChg>
-        <pc:picChg chg="add mod">
-          <ac:chgData name="Kümmerle, Markus" userId="edb588ad-b118-44cb-93b6-335b967c9009" providerId="ADAL" clId="{E7E46156-6837-4F04-A185-356A0A7796C6}" dt="2023-06-29T13:00:16.638" v="43" actId="1076"/>
-          <ac:picMkLst>
-            <pc:docMk/>
-            <pc:sldMk cId="753175953" sldId="2056"/>
-            <ac:picMk id="4" creationId="{2435F677-751A-4227-1615-7D318BF161AA}"/>
-          </ac:picMkLst>
-        </pc:picChg>
-        <pc:picChg chg="del">
-          <ac:chgData name="Kümmerle, Markus" userId="edb588ad-b118-44cb-93b6-335b967c9009" providerId="ADAL" clId="{E7E46156-6837-4F04-A185-356A0A7796C6}" dt="2023-06-15T11:13:12.911" v="0" actId="478"/>
-          <ac:picMkLst>
-            <pc:docMk/>
-            <pc:sldMk cId="753175953" sldId="2056"/>
-            <ac:picMk id="4" creationId="{47123469-64DD-1633-9C1E-B92B7A8FA5A7}"/>
-          </ac:picMkLst>
-        </pc:picChg>
-      </pc:sldChg>
-    </pc:docChg>
-  </pc:docChgLst>
-  <pc:docChgLst>
     <pc:chgData name="Kümmerle, Markus" userId="edb588ad-b118-44cb-93b6-335b967c9009" providerId="ADAL" clId="{D2DCF2E7-8E35-44EA-AF39-7F465D266750}"/>
     <pc:docChg chg="custSel modSld">
       <pc:chgData name="Kümmerle, Markus" userId="edb588ad-b118-44cb-93b6-335b967c9009" providerId="ADAL" clId="{D2DCF2E7-8E35-44EA-AF39-7F465D266750}" dt="2024-12-18T13:41:55.169" v="4" actId="14100"/>
@@ -510,6 +510,46 @@
             <pc:docMk/>
             <pc:sldMk cId="753175953" sldId="2056"/>
             <ac:picMk id="3" creationId="{010DBF70-74A2-EE62-076E-8F678C2687E9}"/>
+          </ac:picMkLst>
+        </pc:picChg>
+      </pc:sldChg>
+    </pc:docChg>
+  </pc:docChgLst>
+  <pc:docChgLst>
+    <pc:chgData name="Kümmerle, Markus" userId="edb588ad-b118-44cb-93b6-335b967c9009" providerId="ADAL" clId="{70689628-A2CC-4A3A-9986-D50F656A5A10}"/>
+    <pc:docChg chg="custSel modSld">
+      <pc:chgData name="Kümmerle, Markus" userId="edb588ad-b118-44cb-93b6-335b967c9009" providerId="ADAL" clId="{70689628-A2CC-4A3A-9986-D50F656A5A10}" dt="2024-06-06T10:57:34.863" v="11" actId="20577"/>
+      <pc:docMkLst>
+        <pc:docMk/>
+      </pc:docMkLst>
+      <pc:sldChg chg="addSp delSp modSp mod">
+        <pc:chgData name="Kümmerle, Markus" userId="edb588ad-b118-44cb-93b6-335b967c9009" providerId="ADAL" clId="{70689628-A2CC-4A3A-9986-D50F656A5A10}" dt="2024-06-06T10:57:34.863" v="11" actId="20577"/>
+        <pc:sldMkLst>
+          <pc:docMk/>
+          <pc:sldMk cId="753175953" sldId="2056"/>
+        </pc:sldMkLst>
+        <pc:spChg chg="mod">
+          <ac:chgData name="Kümmerle, Markus" userId="edb588ad-b118-44cb-93b6-335b967c9009" providerId="ADAL" clId="{70689628-A2CC-4A3A-9986-D50F656A5A10}" dt="2024-06-06T10:57:34.863" v="11" actId="20577"/>
+          <ac:spMkLst>
+            <pc:docMk/>
+            <pc:sldMk cId="753175953" sldId="2056"/>
+            <ac:spMk id="12" creationId="{70463976-1354-BDDA-18A9-EEFA0BB1625A}"/>
+          </ac:spMkLst>
+        </pc:spChg>
+        <pc:picChg chg="add mod">
+          <ac:chgData name="Kümmerle, Markus" userId="edb588ad-b118-44cb-93b6-335b967c9009" providerId="ADAL" clId="{70689628-A2CC-4A3A-9986-D50F656A5A10}" dt="2024-06-06T10:57:13.718" v="6" actId="14100"/>
+          <ac:picMkLst>
+            <pc:docMk/>
+            <pc:sldMk cId="753175953" sldId="2056"/>
+            <ac:picMk id="2" creationId="{7C8758F3-9862-F1DD-23AF-469CFC1A0C82}"/>
+          </ac:picMkLst>
+        </pc:picChg>
+        <pc:picChg chg="del">
+          <ac:chgData name="Kümmerle, Markus" userId="edb588ad-b118-44cb-93b6-335b967c9009" providerId="ADAL" clId="{70689628-A2CC-4A3A-9986-D50F656A5A10}" dt="2024-06-06T10:57:01.847" v="0" actId="478"/>
+          <ac:picMkLst>
+            <pc:docMk/>
+            <pc:sldMk cId="753175953" sldId="2056"/>
+            <ac:picMk id="3" creationId="{1C31E869-2AFA-1128-9EB5-0217EF39C0BE}"/>
           </ac:picMkLst>
         </pc:picChg>
       </pc:sldChg>
@@ -641,7 +681,7 @@
             <a:fld id="{9847C1C0-7CF7-4E43-8415-72BC7E37BCB3}" type="datetimeFigureOut">
               <a:rPr lang="de-DE" smtClean="0"/>
               <a:pPr/>
-              <a:t>18.12.2024</a:t>
+              <a:t>24.01.2025</a:t>
             </a:fld>
             <a:endParaRPr lang="de-DE"/>
           </a:p>
@@ -4936,7 +4976,7 @@
         <p:spPr>
           <a:xfrm>
             <a:off x="370278" y="251736"/>
-            <a:ext cx="667170" cy="215444"/>
+            <a:ext cx="696024" cy="215444"/>
           </a:xfrm>
           <a:prstGeom prst="rect">
             <a:avLst/>
@@ -4953,7 +4993,7 @@
               <a:rPr lang="de-DE" sz="800" dirty="0">
                 <a:latin typeface="Montserrat Light" panose="00000400000000000000" pitchFamily="2" charset="0"/>
               </a:rPr>
-              <a:t>17.12.2024</a:t>
+              <a:t>24.01.2025</a:t>
             </a:r>
           </a:p>
         </p:txBody>
@@ -5025,10 +5065,10 @@
       </p:pic>
       <p:pic>
         <p:nvPicPr>
-          <p:cNvPr id="2" name="Grafik 1">
+          <p:cNvPr id="3" name="Grafik 2">
             <a:extLst>
               <a:ext uri="{FF2B5EF4-FFF2-40B4-BE49-F238E27FC236}">
-                <a16:creationId xmlns:a16="http://schemas.microsoft.com/office/drawing/2014/main" id="{DECCF92E-6CAB-DF67-8467-3A9F4FE01129}"/>
+                <a16:creationId xmlns:a16="http://schemas.microsoft.com/office/drawing/2014/main" id="{F44F88F7-81A7-8F22-8638-21ACDF9A0CB2}"/>
               </a:ext>
             </a:extLst>
           </p:cNvPr>
@@ -5045,8 +5085,8 @@
         </p:blipFill>
         <p:spPr>
           <a:xfrm>
-            <a:off x="0" y="7428134"/>
-            <a:ext cx="6858000" cy="2477865"/>
+            <a:off x="436866" y="7548714"/>
+            <a:ext cx="5848331" cy="2357286"/>
           </a:xfrm>
           <a:prstGeom prst="rect">
             <a:avLst/>
@@ -5712,24 +5752,6 @@
 </file>
 
 <file path=customXml/item1.xml><?xml version="1.0" encoding="utf-8"?>
-<p:properties xmlns:p="http://schemas.microsoft.com/office/2006/metadata/properties" xmlns:xsi="http://www.w3.org/2001/XMLSchema-instance" xmlns:pc="http://schemas.microsoft.com/office/infopath/2007/PartnerControls">
-  <documentManagement>
-    <SharedWithUsers xmlns="97396690-0b91-46d2-ad5a-06f45914e19c">
-      <UserInfo>
-        <DisplayName/>
-        <AccountId xsi:nil="true"/>
-        <AccountType/>
-      </UserInfo>
-    </SharedWithUsers>
-    <lcf76f155ced4ddcb4097134ff3c332f xmlns="6126070c-0864-4b03-b2dc-aab5d8c39348">
-      <Terms xmlns="http://schemas.microsoft.com/office/infopath/2007/PartnerControls"/>
-    </lcf76f155ced4ddcb4097134ff3c332f>
-    <TaxCatchAll xmlns="97396690-0b91-46d2-ad5a-06f45914e19c" xsi:nil="true"/>
-  </documentManagement>
-</p:properties>
-</file>
-
-<file path=customXml/item2.xml><?xml version="1.0" encoding="utf-8"?>
 <ct:contentTypeSchema xmlns:ct="http://schemas.microsoft.com/office/2006/metadata/contentType" xmlns:ma="http://schemas.microsoft.com/office/2006/metadata/properties/metaAttributes" ct:_="" ma:_="" ma:contentTypeName="Dokument" ma:contentTypeID="0x010100044AD662EB7A25499208DD4235E5F8D6" ma:contentTypeVersion="18" ma:contentTypeDescription="Ein neues Dokument erstellen." ma:contentTypeScope="" ma:versionID="6743b63c00ca1b836503a1e7d79de5f6">
   <xsd:schema xmlns:xsd="http://www.w3.org/2001/XMLSchema" xmlns:xs="http://www.w3.org/2001/XMLSchema" xmlns:p="http://schemas.microsoft.com/office/2006/metadata/properties" xmlns:ns2="6126070c-0864-4b03-b2dc-aab5d8c39348" xmlns:ns3="97396690-0b91-46d2-ad5a-06f45914e19c" targetNamespace="http://schemas.microsoft.com/office/2006/metadata/properties" ma:root="true" ma:fieldsID="7df0be0bc9a5654e75e7c5b6be00286d" ns2:_="" ns3:_="">
     <xsd:import namespace="6126070c-0864-4b03-b2dc-aab5d8c39348"/>
@@ -5984,6 +6006,24 @@
 </ct:contentTypeSchema>
 </file>
 
+<file path=customXml/item2.xml><?xml version="1.0" encoding="utf-8"?>
+<p:properties xmlns:p="http://schemas.microsoft.com/office/2006/metadata/properties" xmlns:xsi="http://www.w3.org/2001/XMLSchema-instance" xmlns:pc="http://schemas.microsoft.com/office/infopath/2007/PartnerControls">
+  <documentManagement>
+    <SharedWithUsers xmlns="97396690-0b91-46d2-ad5a-06f45914e19c">
+      <UserInfo>
+        <DisplayName/>
+        <AccountId xsi:nil="true"/>
+        <AccountType/>
+      </UserInfo>
+    </SharedWithUsers>
+    <lcf76f155ced4ddcb4097134ff3c332f xmlns="6126070c-0864-4b03-b2dc-aab5d8c39348">
+      <Terms xmlns="http://schemas.microsoft.com/office/infopath/2007/PartnerControls"/>
+    </lcf76f155ced4ddcb4097134ff3c332f>
+    <TaxCatchAll xmlns="97396690-0b91-46d2-ad5a-06f45914e19c" xsi:nil="true"/>
+  </documentManagement>
+</p:properties>
+</file>
+
 <file path=customXml/item3.xml><?xml version="1.0" encoding="utf-8"?>
 <?mso-contentType ?>
 <FormTemplates xmlns="http://schemas.microsoft.com/sharepoint/v3/contenttype/forms">
@@ -5994,23 +6034,6 @@
 </file>
 
 <file path=customXml/itemProps1.xml><?xml version="1.0" encoding="utf-8"?>
-<ds:datastoreItem xmlns:ds="http://schemas.openxmlformats.org/officeDocument/2006/customXml" ds:itemID="{96FB6EF1-0BB7-4926-9DDA-55BF1304A87D}">
-  <ds:schemaRefs>
-    <ds:schemaRef ds:uri="http://purl.org/dc/elements/1.1/"/>
-    <ds:schemaRef ds:uri="http://schemas.openxmlformats.org/package/2006/metadata/core-properties"/>
-    <ds:schemaRef ds:uri="http://schemas.microsoft.com/office/2006/documentManagement/types"/>
-    <ds:schemaRef ds:uri="http://purl.org/dc/dcmitype/"/>
-    <ds:schemaRef ds:uri="http://purl.org/dc/terms/"/>
-    <ds:schemaRef ds:uri="6126070c-0864-4b03-b2dc-aab5d8c39348"/>
-    <ds:schemaRef ds:uri="http://www.w3.org/XML/1998/namespace"/>
-    <ds:schemaRef ds:uri="97396690-0b91-46d2-ad5a-06f45914e19c"/>
-    <ds:schemaRef ds:uri="http://schemas.microsoft.com/office/infopath/2007/PartnerControls"/>
-    <ds:schemaRef ds:uri="http://schemas.microsoft.com/office/2006/metadata/properties"/>
-  </ds:schemaRefs>
-</ds:datastoreItem>
-</file>
-
-<file path=customXml/itemProps2.xml><?xml version="1.0" encoding="utf-8"?>
 <ds:datastoreItem xmlns:ds="http://schemas.openxmlformats.org/officeDocument/2006/customXml" ds:itemID="{3E09281D-64EC-4B41-BF41-414128D81736}">
   <ds:schemaRefs>
     <ds:schemaRef ds:uri="http://schemas.microsoft.com/office/2006/metadata/contentType"/>
@@ -6029,6 +6052,23 @@
 </ds:datastoreItem>
 </file>
 
+<file path=customXml/itemProps2.xml><?xml version="1.0" encoding="utf-8"?>
+<ds:datastoreItem xmlns:ds="http://schemas.openxmlformats.org/officeDocument/2006/customXml" ds:itemID="{96FB6EF1-0BB7-4926-9DDA-55BF1304A87D}">
+  <ds:schemaRefs>
+    <ds:schemaRef ds:uri="http://purl.org/dc/elements/1.1/"/>
+    <ds:schemaRef ds:uri="http://schemas.openxmlformats.org/package/2006/metadata/core-properties"/>
+    <ds:schemaRef ds:uri="http://schemas.microsoft.com/office/2006/documentManagement/types"/>
+    <ds:schemaRef ds:uri="http://purl.org/dc/dcmitype/"/>
+    <ds:schemaRef ds:uri="http://purl.org/dc/terms/"/>
+    <ds:schemaRef ds:uri="6126070c-0864-4b03-b2dc-aab5d8c39348"/>
+    <ds:schemaRef ds:uri="http://www.w3.org/XML/1998/namespace"/>
+    <ds:schemaRef ds:uri="97396690-0b91-46d2-ad5a-06f45914e19c"/>
+    <ds:schemaRef ds:uri="http://schemas.microsoft.com/office/infopath/2007/PartnerControls"/>
+    <ds:schemaRef ds:uri="http://schemas.microsoft.com/office/2006/metadata/properties"/>
+  </ds:schemaRefs>
+</ds:datastoreItem>
+</file>
+
 <file path=customXml/itemProps3.xml><?xml version="1.0" encoding="utf-8"?>
 <ds:datastoreItem xmlns:ds="http://schemas.openxmlformats.org/officeDocument/2006/customXml" ds:itemID="{61F0326B-7C1A-45A3-8DA0-69177D7DF157}">
   <ds:schemaRefs>

--- a/documentation/MarketingMaterial/CAMARA Onepager.pptx
+++ b/documentation/MarketingMaterial/CAMARA Onepager.pptx
@@ -252,7 +252,7 @@
 <file path=ppt/revisionInfo.xml><?xml version="1.0" encoding="utf-8"?>
 <p1510:revInfo xmlns:a="http://schemas.openxmlformats.org/drawingml/2006/main" xmlns:r="http://schemas.openxmlformats.org/officeDocument/2006/relationships" xmlns:p1510="http://schemas.microsoft.com/office/powerpoint/2015/10/main">
   <p1510:revLst>
-    <p1510:client id="{6055671A-50BB-43B1-8535-2336391658ED}" v="1" dt="2025-01-24T09:23:40.808"/>
+    <p1510:client id="{554DEC17-E8D2-4F38-A28A-51E6DB201773}" v="1" dt="2025-02-22T14:50:35.085"/>
   </p1510:revLst>
 </p1510:revInfo>
 </file>
@@ -556,6 +556,54 @@
     </pc:docChg>
   </pc:docChgLst>
   <pc:docChgLst>
+    <pc:chgData name="Kümmerle, Markus" userId="edb588ad-b118-44cb-93b6-335b967c9009" providerId="ADAL" clId="{554DEC17-E8D2-4F38-A28A-51E6DB201773}"/>
+    <pc:docChg chg="custSel modSld">
+      <pc:chgData name="Kümmerle, Markus" userId="edb588ad-b118-44cb-93b6-335b967c9009" providerId="ADAL" clId="{554DEC17-E8D2-4F38-A28A-51E6DB201773}" dt="2025-02-22T14:51:24.388" v="15" actId="1076"/>
+      <pc:docMkLst>
+        <pc:docMk/>
+      </pc:docMkLst>
+      <pc:sldChg chg="addSp delSp modSp mod">
+        <pc:chgData name="Kümmerle, Markus" userId="edb588ad-b118-44cb-93b6-335b967c9009" providerId="ADAL" clId="{554DEC17-E8D2-4F38-A28A-51E6DB201773}" dt="2025-02-22T14:51:24.388" v="15" actId="1076"/>
+        <pc:sldMkLst>
+          <pc:docMk/>
+          <pc:sldMk cId="753175953" sldId="2056"/>
+        </pc:sldMkLst>
+        <pc:spChg chg="mod">
+          <ac:chgData name="Kümmerle, Markus" userId="edb588ad-b118-44cb-93b6-335b967c9009" providerId="ADAL" clId="{554DEC17-E8D2-4F38-A28A-51E6DB201773}" dt="2025-02-22T14:46:50.672" v="5" actId="20577"/>
+          <ac:spMkLst>
+            <pc:docMk/>
+            <pc:sldMk cId="753175953" sldId="2056"/>
+            <ac:spMk id="12" creationId="{70463976-1354-BDDA-18A9-EEFA0BB1625A}"/>
+          </ac:spMkLst>
+        </pc:spChg>
+        <pc:picChg chg="add del mod">
+          <ac:chgData name="Kümmerle, Markus" userId="edb588ad-b118-44cb-93b6-335b967c9009" providerId="ADAL" clId="{554DEC17-E8D2-4F38-A28A-51E6DB201773}" dt="2025-02-22T14:51:03.522" v="12" actId="478"/>
+          <ac:picMkLst>
+            <pc:docMk/>
+            <pc:sldMk cId="753175953" sldId="2056"/>
+            <ac:picMk id="2" creationId="{1B28B980-C589-EC84-1FAA-EA3635B4268C}"/>
+          </ac:picMkLst>
+        </pc:picChg>
+        <pc:picChg chg="del">
+          <ac:chgData name="Kümmerle, Markus" userId="edb588ad-b118-44cb-93b6-335b967c9009" providerId="ADAL" clId="{554DEC17-E8D2-4F38-A28A-51E6DB201773}" dt="2025-02-22T14:51:20.249" v="14" actId="478"/>
+          <ac:picMkLst>
+            <pc:docMk/>
+            <pc:sldMk cId="753175953" sldId="2056"/>
+            <ac:picMk id="3" creationId="{F44F88F7-81A7-8F22-8638-21ACDF9A0CB2}"/>
+          </ac:picMkLst>
+        </pc:picChg>
+        <pc:picChg chg="add mod">
+          <ac:chgData name="Kümmerle, Markus" userId="edb588ad-b118-44cb-93b6-335b967c9009" providerId="ADAL" clId="{554DEC17-E8D2-4F38-A28A-51E6DB201773}" dt="2025-02-22T14:51:24.388" v="15" actId="1076"/>
+          <ac:picMkLst>
+            <pc:docMk/>
+            <pc:sldMk cId="753175953" sldId="2056"/>
+            <ac:picMk id="15" creationId="{CA90E277-F6CB-1BFD-13B0-04AC28A8AFC0}"/>
+          </ac:picMkLst>
+        </pc:picChg>
+      </pc:sldChg>
+    </pc:docChg>
+  </pc:docChgLst>
+  <pc:docChgLst>
     <pc:chgData name="Markus Kümmerle" userId="edb588ad-b118-44cb-93b6-335b967c9009" providerId="ADAL" clId="{D2DCF2E7-8E35-44EA-AF39-7F465D266750}"/>
     <pc:docChg chg="custSel modSld">
       <pc:chgData name="Markus Kümmerle" userId="edb588ad-b118-44cb-93b6-335b967c9009" providerId="ADAL" clId="{D2DCF2E7-8E35-44EA-AF39-7F465D266750}" dt="2024-12-17T13:38:41.904" v="14" actId="1076"/>
@@ -681,7 +729,7 @@
             <a:fld id="{9847C1C0-7CF7-4E43-8415-72BC7E37BCB3}" type="datetimeFigureOut">
               <a:rPr lang="de-DE" smtClean="0"/>
               <a:pPr/>
-              <a:t>24.01.2025</a:t>
+              <a:t>22.02.2025</a:t>
             </a:fld>
             <a:endParaRPr lang="de-DE"/>
           </a:p>
@@ -4976,7 +5024,7 @@
         <p:spPr>
           <a:xfrm>
             <a:off x="370278" y="251736"/>
-            <a:ext cx="696024" cy="215444"/>
+            <a:ext cx="707245" cy="215444"/>
           </a:xfrm>
           <a:prstGeom prst="rect">
             <a:avLst/>
@@ -4993,7 +5041,7 @@
               <a:rPr lang="de-DE" sz="800" dirty="0">
                 <a:latin typeface="Montserrat Light" panose="00000400000000000000" pitchFamily="2" charset="0"/>
               </a:rPr>
-              <a:t>24.01.2025</a:t>
+              <a:t>22.02.2025</a:t>
             </a:r>
           </a:p>
         </p:txBody>
@@ -5065,10 +5113,10 @@
       </p:pic>
       <p:pic>
         <p:nvPicPr>
-          <p:cNvPr id="3" name="Grafik 2">
+          <p:cNvPr id="15" name="Grafik 14">
             <a:extLst>
               <a:ext uri="{FF2B5EF4-FFF2-40B4-BE49-F238E27FC236}">
-                <a16:creationId xmlns:a16="http://schemas.microsoft.com/office/drawing/2014/main" id="{F44F88F7-81A7-8F22-8638-21ACDF9A0CB2}"/>
+                <a16:creationId xmlns:a16="http://schemas.microsoft.com/office/drawing/2014/main" id="{CA90E277-F6CB-1BFD-13B0-04AC28A8AFC0}"/>
               </a:ext>
             </a:extLst>
           </p:cNvPr>
@@ -5085,8 +5133,8 @@
         </p:blipFill>
         <p:spPr>
           <a:xfrm>
-            <a:off x="436866" y="7548714"/>
-            <a:ext cx="5848331" cy="2357286"/>
+            <a:off x="0" y="7629806"/>
+            <a:ext cx="6858000" cy="2180376"/>
           </a:xfrm>
           <a:prstGeom prst="rect">
             <a:avLst/>
@@ -5752,6 +5800,33 @@
 </file>
 
 <file path=customXml/item1.xml><?xml version="1.0" encoding="utf-8"?>
+<?mso-contentType ?>
+<FormTemplates xmlns="http://schemas.microsoft.com/sharepoint/v3/contenttype/forms">
+  <Display>DocumentLibraryForm</Display>
+  <Edit>DocumentLibraryForm</Edit>
+  <New>DocumentLibraryForm</New>
+</FormTemplates>
+</file>
+
+<file path=customXml/item2.xml><?xml version="1.0" encoding="utf-8"?>
+<p:properties xmlns:p="http://schemas.microsoft.com/office/2006/metadata/properties" xmlns:xsi="http://www.w3.org/2001/XMLSchema-instance" xmlns:pc="http://schemas.microsoft.com/office/infopath/2007/PartnerControls">
+  <documentManagement>
+    <SharedWithUsers xmlns="97396690-0b91-46d2-ad5a-06f45914e19c">
+      <UserInfo>
+        <DisplayName/>
+        <AccountId xsi:nil="true"/>
+        <AccountType/>
+      </UserInfo>
+    </SharedWithUsers>
+    <lcf76f155ced4ddcb4097134ff3c332f xmlns="6126070c-0864-4b03-b2dc-aab5d8c39348">
+      <Terms xmlns="http://schemas.microsoft.com/office/infopath/2007/PartnerControls"/>
+    </lcf76f155ced4ddcb4097134ff3c332f>
+    <TaxCatchAll xmlns="97396690-0b91-46d2-ad5a-06f45914e19c" xsi:nil="true"/>
+  </documentManagement>
+</p:properties>
+</file>
+
+<file path=customXml/item3.xml><?xml version="1.0" encoding="utf-8"?>
 <ct:contentTypeSchema xmlns:ct="http://schemas.microsoft.com/office/2006/metadata/contentType" xmlns:ma="http://schemas.microsoft.com/office/2006/metadata/properties/metaAttributes" ct:_="" ma:_="" ma:contentTypeName="Dokument" ma:contentTypeID="0x010100044AD662EB7A25499208DD4235E5F8D6" ma:contentTypeVersion="18" ma:contentTypeDescription="Ein neues Dokument erstellen." ma:contentTypeScope="" ma:versionID="6743b63c00ca1b836503a1e7d79de5f6">
   <xsd:schema xmlns:xsd="http://www.w3.org/2001/XMLSchema" xmlns:xs="http://www.w3.org/2001/XMLSchema" xmlns:p="http://schemas.microsoft.com/office/2006/metadata/properties" xmlns:ns2="6126070c-0864-4b03-b2dc-aab5d8c39348" xmlns:ns3="97396690-0b91-46d2-ad5a-06f45914e19c" targetNamespace="http://schemas.microsoft.com/office/2006/metadata/properties" ma:root="true" ma:fieldsID="7df0be0bc9a5654e75e7c5b6be00286d" ns2:_="" ns3:_="">
     <xsd:import namespace="6126070c-0864-4b03-b2dc-aab5d8c39348"/>
@@ -6006,48 +6081,10 @@
 </ct:contentTypeSchema>
 </file>
 
-<file path=customXml/item2.xml><?xml version="1.0" encoding="utf-8"?>
-<p:properties xmlns:p="http://schemas.microsoft.com/office/2006/metadata/properties" xmlns:xsi="http://www.w3.org/2001/XMLSchema-instance" xmlns:pc="http://schemas.microsoft.com/office/infopath/2007/PartnerControls">
-  <documentManagement>
-    <SharedWithUsers xmlns="97396690-0b91-46d2-ad5a-06f45914e19c">
-      <UserInfo>
-        <DisplayName/>
-        <AccountId xsi:nil="true"/>
-        <AccountType/>
-      </UserInfo>
-    </SharedWithUsers>
-    <lcf76f155ced4ddcb4097134ff3c332f xmlns="6126070c-0864-4b03-b2dc-aab5d8c39348">
-      <Terms xmlns="http://schemas.microsoft.com/office/infopath/2007/PartnerControls"/>
-    </lcf76f155ced4ddcb4097134ff3c332f>
-    <TaxCatchAll xmlns="97396690-0b91-46d2-ad5a-06f45914e19c" xsi:nil="true"/>
-  </documentManagement>
-</p:properties>
-</file>
-
-<file path=customXml/item3.xml><?xml version="1.0" encoding="utf-8"?>
-<?mso-contentType ?>
-<FormTemplates xmlns="http://schemas.microsoft.com/sharepoint/v3/contenttype/forms">
-  <Display>DocumentLibraryForm</Display>
-  <Edit>DocumentLibraryForm</Edit>
-  <New>DocumentLibraryForm</New>
-</FormTemplates>
-</file>
-
 <file path=customXml/itemProps1.xml><?xml version="1.0" encoding="utf-8"?>
-<ds:datastoreItem xmlns:ds="http://schemas.openxmlformats.org/officeDocument/2006/customXml" ds:itemID="{3E09281D-64EC-4B41-BF41-414128D81736}">
+<ds:datastoreItem xmlns:ds="http://schemas.openxmlformats.org/officeDocument/2006/customXml" ds:itemID="{61F0326B-7C1A-45A3-8DA0-69177D7DF157}">
   <ds:schemaRefs>
-    <ds:schemaRef ds:uri="http://schemas.microsoft.com/office/2006/metadata/contentType"/>
-    <ds:schemaRef ds:uri="http://schemas.microsoft.com/office/2006/metadata/properties/metaAttributes"/>
-    <ds:schemaRef ds:uri="http://www.w3.org/2001/XMLSchema"/>
-    <ds:schemaRef ds:uri="http://schemas.microsoft.com/office/2006/metadata/properties"/>
-    <ds:schemaRef ds:uri="6126070c-0864-4b03-b2dc-aab5d8c39348"/>
-    <ds:schemaRef ds:uri="97396690-0b91-46d2-ad5a-06f45914e19c"/>
-    <ds:schemaRef ds:uri="http://schemas.microsoft.com/office/2006/documentManagement/types"/>
-    <ds:schemaRef ds:uri="http://schemas.microsoft.com/office/infopath/2007/PartnerControls"/>
-    <ds:schemaRef ds:uri="http://schemas.openxmlformats.org/package/2006/metadata/core-properties"/>
-    <ds:schemaRef ds:uri="http://purl.org/dc/elements/1.1/"/>
-    <ds:schemaRef ds:uri="http://purl.org/dc/terms/"/>
-    <ds:schemaRef ds:uri="http://schemas.microsoft.com/internal/obd"/>
+    <ds:schemaRef ds:uri="http://schemas.microsoft.com/sharepoint/v3/contenttype/forms"/>
   </ds:schemaRefs>
 </ds:datastoreItem>
 </file>
@@ -6070,9 +6107,20 @@
 </file>
 
 <file path=customXml/itemProps3.xml><?xml version="1.0" encoding="utf-8"?>
-<ds:datastoreItem xmlns:ds="http://schemas.openxmlformats.org/officeDocument/2006/customXml" ds:itemID="{61F0326B-7C1A-45A3-8DA0-69177D7DF157}">
+<ds:datastoreItem xmlns:ds="http://schemas.openxmlformats.org/officeDocument/2006/customXml" ds:itemID="{3E09281D-64EC-4B41-BF41-414128D81736}">
   <ds:schemaRefs>
-    <ds:schemaRef ds:uri="http://schemas.microsoft.com/sharepoint/v3/contenttype/forms"/>
+    <ds:schemaRef ds:uri="http://schemas.microsoft.com/office/2006/metadata/contentType"/>
+    <ds:schemaRef ds:uri="http://schemas.microsoft.com/office/2006/metadata/properties/metaAttributes"/>
+    <ds:schemaRef ds:uri="http://www.w3.org/2001/XMLSchema"/>
+    <ds:schemaRef ds:uri="http://schemas.microsoft.com/office/2006/metadata/properties"/>
+    <ds:schemaRef ds:uri="6126070c-0864-4b03-b2dc-aab5d8c39348"/>
+    <ds:schemaRef ds:uri="97396690-0b91-46d2-ad5a-06f45914e19c"/>
+    <ds:schemaRef ds:uri="http://schemas.microsoft.com/office/2006/documentManagement/types"/>
+    <ds:schemaRef ds:uri="http://schemas.microsoft.com/office/infopath/2007/PartnerControls"/>
+    <ds:schemaRef ds:uri="http://schemas.openxmlformats.org/package/2006/metadata/core-properties"/>
+    <ds:schemaRef ds:uri="http://purl.org/dc/elements/1.1/"/>
+    <ds:schemaRef ds:uri="http://purl.org/dc/terms/"/>
+    <ds:schemaRef ds:uri="http://schemas.microsoft.com/internal/obd"/>
   </ds:schemaRefs>
 </ds:datastoreItem>
 </file>

--- a/documentation/MarketingMaterial/CAMARA Onepager.pptx
+++ b/documentation/MarketingMaterial/CAMARA Onepager.pptx
@@ -558,18 +558,18 @@
   <pc:docChgLst>
     <pc:chgData name="Kümmerle, Markus" userId="edb588ad-b118-44cb-93b6-335b967c9009" providerId="ADAL" clId="{554DEC17-E8D2-4F38-A28A-51E6DB201773}"/>
     <pc:docChg chg="custSel modSld">
-      <pc:chgData name="Kümmerle, Markus" userId="edb588ad-b118-44cb-93b6-335b967c9009" providerId="ADAL" clId="{554DEC17-E8D2-4F38-A28A-51E6DB201773}" dt="2025-02-22T14:51:24.388" v="15" actId="1076"/>
+      <pc:chgData name="Kümmerle, Markus" userId="edb588ad-b118-44cb-93b6-335b967c9009" providerId="ADAL" clId="{554DEC17-E8D2-4F38-A28A-51E6DB201773}" dt="2025-02-28T09:44:42.540" v="88" actId="1035"/>
       <pc:docMkLst>
         <pc:docMk/>
       </pc:docMkLst>
       <pc:sldChg chg="addSp delSp modSp mod">
-        <pc:chgData name="Kümmerle, Markus" userId="edb588ad-b118-44cb-93b6-335b967c9009" providerId="ADAL" clId="{554DEC17-E8D2-4F38-A28A-51E6DB201773}" dt="2025-02-22T14:51:24.388" v="15" actId="1076"/>
+        <pc:chgData name="Kümmerle, Markus" userId="edb588ad-b118-44cb-93b6-335b967c9009" providerId="ADAL" clId="{554DEC17-E8D2-4F38-A28A-51E6DB201773}" dt="2025-02-28T09:44:42.540" v="88" actId="1035"/>
         <pc:sldMkLst>
           <pc:docMk/>
           <pc:sldMk cId="753175953" sldId="2056"/>
         </pc:sldMkLst>
         <pc:spChg chg="mod">
-          <ac:chgData name="Kümmerle, Markus" userId="edb588ad-b118-44cb-93b6-335b967c9009" providerId="ADAL" clId="{554DEC17-E8D2-4F38-A28A-51E6DB201773}" dt="2025-02-22T14:46:50.672" v="5" actId="20577"/>
+          <ac:chgData name="Kümmerle, Markus" userId="edb588ad-b118-44cb-93b6-335b967c9009" providerId="ADAL" clId="{554DEC17-E8D2-4F38-A28A-51E6DB201773}" dt="2025-02-28T09:42:09.302" v="17" actId="20577"/>
           <ac:spMkLst>
             <pc:docMk/>
             <pc:sldMk cId="753175953" sldId="2056"/>
@@ -584,6 +584,14 @@
             <ac:picMk id="2" creationId="{1B28B980-C589-EC84-1FAA-EA3635B4268C}"/>
           </ac:picMkLst>
         </pc:picChg>
+        <pc:picChg chg="add mod">
+          <ac:chgData name="Kümmerle, Markus" userId="edb588ad-b118-44cb-93b6-335b967c9009" providerId="ADAL" clId="{554DEC17-E8D2-4F38-A28A-51E6DB201773}" dt="2025-02-28T09:44:42.540" v="88" actId="1035"/>
+          <ac:picMkLst>
+            <pc:docMk/>
+            <pc:sldMk cId="753175953" sldId="2056"/>
+            <ac:picMk id="3" creationId="{CE02CC16-45F3-9610-EC2D-1BB0150DB6A7}"/>
+          </ac:picMkLst>
+        </pc:picChg>
         <pc:picChg chg="del">
           <ac:chgData name="Kümmerle, Markus" userId="edb588ad-b118-44cb-93b6-335b967c9009" providerId="ADAL" clId="{554DEC17-E8D2-4F38-A28A-51E6DB201773}" dt="2025-02-22T14:51:20.249" v="14" actId="478"/>
           <ac:picMkLst>
@@ -592,8 +600,8 @@
             <ac:picMk id="3" creationId="{F44F88F7-81A7-8F22-8638-21ACDF9A0CB2}"/>
           </ac:picMkLst>
         </pc:picChg>
-        <pc:picChg chg="add mod">
-          <ac:chgData name="Kümmerle, Markus" userId="edb588ad-b118-44cb-93b6-335b967c9009" providerId="ADAL" clId="{554DEC17-E8D2-4F38-A28A-51E6DB201773}" dt="2025-02-22T14:51:24.388" v="15" actId="1076"/>
+        <pc:picChg chg="add del mod">
+          <ac:chgData name="Kümmerle, Markus" userId="edb588ad-b118-44cb-93b6-335b967c9009" providerId="ADAL" clId="{554DEC17-E8D2-4F38-A28A-51E6DB201773}" dt="2025-02-28T09:44:33.526" v="18" actId="478"/>
           <ac:picMkLst>
             <pc:docMk/>
             <pc:sldMk cId="753175953" sldId="2056"/>
@@ -729,7 +737,7 @@
             <a:fld id="{9847C1C0-7CF7-4E43-8415-72BC7E37BCB3}" type="datetimeFigureOut">
               <a:rPr lang="de-DE" smtClean="0"/>
               <a:pPr/>
-              <a:t>22.02.2025</a:t>
+              <a:t>28.02.2025</a:t>
             </a:fld>
             <a:endParaRPr lang="de-DE"/>
           </a:p>
@@ -5024,7 +5032,7 @@
         <p:spPr>
           <a:xfrm>
             <a:off x="370278" y="251736"/>
-            <a:ext cx="707245" cy="215444"/>
+            <a:ext cx="713657" cy="215444"/>
           </a:xfrm>
           <a:prstGeom prst="rect">
             <a:avLst/>
@@ -5041,7 +5049,7 @@
               <a:rPr lang="de-DE" sz="800" dirty="0">
                 <a:latin typeface="Montserrat Light" panose="00000400000000000000" pitchFamily="2" charset="0"/>
               </a:rPr>
-              <a:t>22.02.2025</a:t>
+              <a:t>28.02.2025</a:t>
             </a:r>
           </a:p>
         </p:txBody>
@@ -5113,10 +5121,10 @@
       </p:pic>
       <p:pic>
         <p:nvPicPr>
-          <p:cNvPr id="15" name="Grafik 14">
+          <p:cNvPr id="3" name="Grafik 2">
             <a:extLst>
               <a:ext uri="{FF2B5EF4-FFF2-40B4-BE49-F238E27FC236}">
-                <a16:creationId xmlns:a16="http://schemas.microsoft.com/office/drawing/2014/main" id="{CA90E277-F6CB-1BFD-13B0-04AC28A8AFC0}"/>
+                <a16:creationId xmlns:a16="http://schemas.microsoft.com/office/drawing/2014/main" id="{CE02CC16-45F3-9610-EC2D-1BB0150DB6A7}"/>
               </a:ext>
             </a:extLst>
           </p:cNvPr>
@@ -5133,8 +5141,8 @@
         </p:blipFill>
         <p:spPr>
           <a:xfrm>
-            <a:off x="0" y="7629806"/>
-            <a:ext cx="6858000" cy="2180376"/>
+            <a:off x="0" y="7640190"/>
+            <a:ext cx="6858000" cy="2172644"/>
           </a:xfrm>
           <a:prstGeom prst="rect">
             <a:avLst/>
@@ -5800,15 +5808,6 @@
 </file>
 
 <file path=customXml/item1.xml><?xml version="1.0" encoding="utf-8"?>
-<?mso-contentType ?>
-<FormTemplates xmlns="http://schemas.microsoft.com/sharepoint/v3/contenttype/forms">
-  <Display>DocumentLibraryForm</Display>
-  <Edit>DocumentLibraryForm</Edit>
-  <New>DocumentLibraryForm</New>
-</FormTemplates>
-</file>
-
-<file path=customXml/item2.xml><?xml version="1.0" encoding="utf-8"?>
 <p:properties xmlns:p="http://schemas.microsoft.com/office/2006/metadata/properties" xmlns:xsi="http://www.w3.org/2001/XMLSchema-instance" xmlns:pc="http://schemas.microsoft.com/office/infopath/2007/PartnerControls">
   <documentManagement>
     <SharedWithUsers xmlns="97396690-0b91-46d2-ad5a-06f45914e19c">
@@ -5824,6 +5823,15 @@
     <TaxCatchAll xmlns="97396690-0b91-46d2-ad5a-06f45914e19c" xsi:nil="true"/>
   </documentManagement>
 </p:properties>
+</file>
+
+<file path=customXml/item2.xml><?xml version="1.0" encoding="utf-8"?>
+<?mso-contentType ?>
+<FormTemplates xmlns="http://schemas.microsoft.com/sharepoint/v3/contenttype/forms">
+  <Display>DocumentLibraryForm</Display>
+  <Edit>DocumentLibraryForm</Edit>
+  <New>DocumentLibraryForm</New>
+</FormTemplates>
 </file>
 
 <file path=customXml/item3.xml><?xml version="1.0" encoding="utf-8"?>
@@ -6082,14 +6090,6 @@
 </file>
 
 <file path=customXml/itemProps1.xml><?xml version="1.0" encoding="utf-8"?>
-<ds:datastoreItem xmlns:ds="http://schemas.openxmlformats.org/officeDocument/2006/customXml" ds:itemID="{61F0326B-7C1A-45A3-8DA0-69177D7DF157}">
-  <ds:schemaRefs>
-    <ds:schemaRef ds:uri="http://schemas.microsoft.com/sharepoint/v3/contenttype/forms"/>
-  </ds:schemaRefs>
-</ds:datastoreItem>
-</file>
-
-<file path=customXml/itemProps2.xml><?xml version="1.0" encoding="utf-8"?>
 <ds:datastoreItem xmlns:ds="http://schemas.openxmlformats.org/officeDocument/2006/customXml" ds:itemID="{96FB6EF1-0BB7-4926-9DDA-55BF1304A87D}">
   <ds:schemaRefs>
     <ds:schemaRef ds:uri="http://purl.org/dc/elements/1.1/"/>
@@ -6102,6 +6102,14 @@
     <ds:schemaRef ds:uri="97396690-0b91-46d2-ad5a-06f45914e19c"/>
     <ds:schemaRef ds:uri="http://schemas.microsoft.com/office/infopath/2007/PartnerControls"/>
     <ds:schemaRef ds:uri="http://schemas.microsoft.com/office/2006/metadata/properties"/>
+  </ds:schemaRefs>
+</ds:datastoreItem>
+</file>
+
+<file path=customXml/itemProps2.xml><?xml version="1.0" encoding="utf-8"?>
+<ds:datastoreItem xmlns:ds="http://schemas.openxmlformats.org/officeDocument/2006/customXml" ds:itemID="{61F0326B-7C1A-45A3-8DA0-69177D7DF157}">
+  <ds:schemaRefs>
+    <ds:schemaRef ds:uri="http://schemas.microsoft.com/sharepoint/v3/contenttype/forms"/>
   </ds:schemaRefs>
 </ds:datastoreItem>
 </file>

--- a/documentation/MarketingMaterial/CAMARA Onepager.pptx
+++ b/documentation/MarketingMaterial/CAMARA Onepager.pptx
@@ -247,14 +247,6 @@
 <p:cmAuthorLst xmlns:a="http://schemas.openxmlformats.org/drawingml/2006/main" xmlns:r="http://schemas.openxmlformats.org/officeDocument/2006/relationships" xmlns:p="http://schemas.openxmlformats.org/presentationml/2006/main">
   <p:cmAuthor id="11" name="Autor" initials="A" lastIdx="0" clrIdx="10"/>
 </p:cmAuthorLst>
-</file>
-
-<file path=ppt/revisionInfo.xml><?xml version="1.0" encoding="utf-8"?>
-<p1510:revInfo xmlns:a="http://schemas.openxmlformats.org/drawingml/2006/main" xmlns:r="http://schemas.openxmlformats.org/officeDocument/2006/relationships" xmlns:p1510="http://schemas.microsoft.com/office/powerpoint/2015/10/main">
-  <p1510:revLst>
-    <p1510:client id="{554DEC17-E8D2-4F38-A28A-51E6DB201773}" v="1" dt="2025-02-22T14:50:35.085"/>
-  </p1510:revLst>
-</p1510:revInfo>
 </file>
 
 <file path=ppt/changesInfos/changesInfo1.xml><?xml version="1.0" encoding="utf-8"?>
@@ -556,6 +548,46 @@
     </pc:docChg>
   </pc:docChgLst>
   <pc:docChgLst>
+    <pc:chgData name="Kümmerle, Markus" userId="edb588ad-b118-44cb-93b6-335b967c9009" providerId="ADAL" clId="{686B896C-B9EC-4A9F-AB99-3B22A7E9F104}"/>
+    <pc:docChg chg="custSel modSld">
+      <pc:chgData name="Kümmerle, Markus" userId="edb588ad-b118-44cb-93b6-335b967c9009" providerId="ADAL" clId="{686B896C-B9EC-4A9F-AB99-3B22A7E9F104}" dt="2025-03-28T12:18:33.371" v="66" actId="20577"/>
+      <pc:docMkLst>
+        <pc:docMk/>
+      </pc:docMkLst>
+      <pc:sldChg chg="addSp delSp modSp mod">
+        <pc:chgData name="Kümmerle, Markus" userId="edb588ad-b118-44cb-93b6-335b967c9009" providerId="ADAL" clId="{686B896C-B9EC-4A9F-AB99-3B22A7E9F104}" dt="2025-03-28T12:18:33.371" v="66" actId="20577"/>
+        <pc:sldMkLst>
+          <pc:docMk/>
+          <pc:sldMk cId="753175953" sldId="2056"/>
+        </pc:sldMkLst>
+        <pc:spChg chg="mod">
+          <ac:chgData name="Kümmerle, Markus" userId="edb588ad-b118-44cb-93b6-335b967c9009" providerId="ADAL" clId="{686B896C-B9EC-4A9F-AB99-3B22A7E9F104}" dt="2025-03-28T12:18:33.371" v="66" actId="20577"/>
+          <ac:spMkLst>
+            <pc:docMk/>
+            <pc:sldMk cId="753175953" sldId="2056"/>
+            <ac:spMk id="12" creationId="{70463976-1354-BDDA-18A9-EEFA0BB1625A}"/>
+          </ac:spMkLst>
+        </pc:spChg>
+        <pc:picChg chg="del">
+          <ac:chgData name="Kümmerle, Markus" userId="edb588ad-b118-44cb-93b6-335b967c9009" providerId="ADAL" clId="{686B896C-B9EC-4A9F-AB99-3B22A7E9F104}" dt="2025-03-28T12:17:42.163" v="0" actId="478"/>
+          <ac:picMkLst>
+            <pc:docMk/>
+            <pc:sldMk cId="753175953" sldId="2056"/>
+            <ac:picMk id="3" creationId="{CE02CC16-45F3-9610-EC2D-1BB0150DB6A7}"/>
+          </ac:picMkLst>
+        </pc:picChg>
+        <pc:picChg chg="add mod">
+          <ac:chgData name="Kümmerle, Markus" userId="edb588ad-b118-44cb-93b6-335b967c9009" providerId="ADAL" clId="{686B896C-B9EC-4A9F-AB99-3B22A7E9F104}" dt="2025-03-28T12:18:14.358" v="62" actId="1035"/>
+          <ac:picMkLst>
+            <pc:docMk/>
+            <pc:sldMk cId="753175953" sldId="2056"/>
+            <ac:picMk id="4" creationId="{7C05E50E-267E-7B2E-C99A-A5934E1C5E84}"/>
+          </ac:picMkLst>
+        </pc:picChg>
+      </pc:sldChg>
+    </pc:docChg>
+  </pc:docChgLst>
+  <pc:docChgLst>
     <pc:chgData name="Kümmerle, Markus" userId="edb588ad-b118-44cb-93b6-335b967c9009" providerId="ADAL" clId="{554DEC17-E8D2-4F38-A28A-51E6DB201773}"/>
     <pc:docChg chg="custSel modSld">
       <pc:chgData name="Kümmerle, Markus" userId="edb588ad-b118-44cb-93b6-335b967c9009" providerId="ADAL" clId="{554DEC17-E8D2-4F38-A28A-51E6DB201773}" dt="2025-02-28T09:44:42.540" v="88" actId="1035"/>
@@ -737,7 +769,7 @@
             <a:fld id="{9847C1C0-7CF7-4E43-8415-72BC7E37BCB3}" type="datetimeFigureOut">
               <a:rPr lang="de-DE" smtClean="0"/>
               <a:pPr/>
-              <a:t>28.02.2025</a:t>
+              <a:t>28.03.2025</a:t>
             </a:fld>
             <a:endParaRPr lang="de-DE"/>
           </a:p>
@@ -5032,7 +5064,7 @@
         <p:spPr>
           <a:xfrm>
             <a:off x="370278" y="251736"/>
-            <a:ext cx="713657" cy="215444"/>
+            <a:ext cx="708848" cy="215444"/>
           </a:xfrm>
           <a:prstGeom prst="rect">
             <a:avLst/>
@@ -5046,11 +5078,14 @@
           <a:lstStyle/>
           <a:p>
             <a:r>
-              <a:rPr lang="de-DE" sz="800" dirty="0">
+              <a:rPr lang="de-DE" sz="800">
                 <a:latin typeface="Montserrat Light" panose="00000400000000000000" pitchFamily="2" charset="0"/>
               </a:rPr>
-              <a:t>28.02.2025</a:t>
-            </a:r>
+              <a:t>27.03.2025</a:t>
+            </a:r>
+            <a:endParaRPr lang="de-DE" sz="800" dirty="0">
+              <a:latin typeface="Montserrat Light" panose="00000400000000000000" pitchFamily="2" charset="0"/>
+            </a:endParaRPr>
           </a:p>
         </p:txBody>
       </p:sp>
@@ -5121,10 +5156,10 @@
       </p:pic>
       <p:pic>
         <p:nvPicPr>
-          <p:cNvPr id="3" name="Grafik 2">
+          <p:cNvPr id="4" name="Grafik 3">
             <a:extLst>
               <a:ext uri="{FF2B5EF4-FFF2-40B4-BE49-F238E27FC236}">
-                <a16:creationId xmlns:a16="http://schemas.microsoft.com/office/drawing/2014/main" id="{CE02CC16-45F3-9610-EC2D-1BB0150DB6A7}"/>
+                <a16:creationId xmlns:a16="http://schemas.microsoft.com/office/drawing/2014/main" id="{7C05E50E-267E-7B2E-C99A-A5934E1C5E84}"/>
               </a:ext>
             </a:extLst>
           </p:cNvPr>
@@ -5141,8 +5176,8 @@
         </p:blipFill>
         <p:spPr>
           <a:xfrm>
-            <a:off x="0" y="7640190"/>
-            <a:ext cx="6858000" cy="2172644"/>
+            <a:off x="0" y="7640432"/>
+            <a:ext cx="6858000" cy="2194259"/>
           </a:xfrm>
           <a:prstGeom prst="rect">
             <a:avLst/>
@@ -5808,35 +5843,8 @@
 </file>
 
 <file path=customXml/item1.xml><?xml version="1.0" encoding="utf-8"?>
-<p:properties xmlns:p="http://schemas.microsoft.com/office/2006/metadata/properties" xmlns:xsi="http://www.w3.org/2001/XMLSchema-instance" xmlns:pc="http://schemas.microsoft.com/office/infopath/2007/PartnerControls">
-  <documentManagement>
-    <SharedWithUsers xmlns="97396690-0b91-46d2-ad5a-06f45914e19c">
-      <UserInfo>
-        <DisplayName/>
-        <AccountId xsi:nil="true"/>
-        <AccountType/>
-      </UserInfo>
-    </SharedWithUsers>
-    <lcf76f155ced4ddcb4097134ff3c332f xmlns="6126070c-0864-4b03-b2dc-aab5d8c39348">
-      <Terms xmlns="http://schemas.microsoft.com/office/infopath/2007/PartnerControls"/>
-    </lcf76f155ced4ddcb4097134ff3c332f>
-    <TaxCatchAll xmlns="97396690-0b91-46d2-ad5a-06f45914e19c" xsi:nil="true"/>
-  </documentManagement>
-</p:properties>
-</file>
-
-<file path=customXml/item2.xml><?xml version="1.0" encoding="utf-8"?>
-<?mso-contentType ?>
-<FormTemplates xmlns="http://schemas.microsoft.com/sharepoint/v3/contenttype/forms">
-  <Display>DocumentLibraryForm</Display>
-  <Edit>DocumentLibraryForm</Edit>
-  <New>DocumentLibraryForm</New>
-</FormTemplates>
-</file>
-
-<file path=customXml/item3.xml><?xml version="1.0" encoding="utf-8"?>
-<ct:contentTypeSchema xmlns:ct="http://schemas.microsoft.com/office/2006/metadata/contentType" xmlns:ma="http://schemas.microsoft.com/office/2006/metadata/properties/metaAttributes" ct:_="" ma:_="" ma:contentTypeName="Dokument" ma:contentTypeID="0x010100044AD662EB7A25499208DD4235E5F8D6" ma:contentTypeVersion="18" ma:contentTypeDescription="Ein neues Dokument erstellen." ma:contentTypeScope="" ma:versionID="6743b63c00ca1b836503a1e7d79de5f6">
-  <xsd:schema xmlns:xsd="http://www.w3.org/2001/XMLSchema" xmlns:xs="http://www.w3.org/2001/XMLSchema" xmlns:p="http://schemas.microsoft.com/office/2006/metadata/properties" xmlns:ns2="6126070c-0864-4b03-b2dc-aab5d8c39348" xmlns:ns3="97396690-0b91-46d2-ad5a-06f45914e19c" targetNamespace="http://schemas.microsoft.com/office/2006/metadata/properties" ma:root="true" ma:fieldsID="7df0be0bc9a5654e75e7c5b6be00286d" ns2:_="" ns3:_="">
+<ct:contentTypeSchema xmlns:ct="http://schemas.microsoft.com/office/2006/metadata/contentType" xmlns:ma="http://schemas.microsoft.com/office/2006/metadata/properties/metaAttributes" ct:_="" ma:_="" ma:contentTypeName="Dokument" ma:contentTypeID="0x010100044AD662EB7A25499208DD4235E5F8D6" ma:contentTypeVersion="19" ma:contentTypeDescription="Ein neues Dokument erstellen." ma:contentTypeScope="" ma:versionID="13ad816330f46bab1ab8587ed50d3990">
+  <xsd:schema xmlns:xsd="http://www.w3.org/2001/XMLSchema" xmlns:xs="http://www.w3.org/2001/XMLSchema" xmlns:p="http://schemas.microsoft.com/office/2006/metadata/properties" xmlns:ns2="6126070c-0864-4b03-b2dc-aab5d8c39348" xmlns:ns3="97396690-0b91-46d2-ad5a-06f45914e19c" targetNamespace="http://schemas.microsoft.com/office/2006/metadata/properties" ma:root="true" ma:fieldsID="8882ae1798fdd31abf262c7e01bcc7bd" ns2:_="" ns3:_="">
     <xsd:import namespace="6126070c-0864-4b03-b2dc-aab5d8c39348"/>
     <xsd:import namespace="97396690-0b91-46d2-ad5a-06f45914e19c"/>
     <xsd:element name="properties">
@@ -5862,6 +5870,7 @@
                 <xsd:element ref="ns3:TaxCatchAll" minOccurs="0"/>
                 <xsd:element ref="ns2:MediaServiceObjectDetectorVersions" minOccurs="0"/>
                 <xsd:element ref="ns2:MediaServiceSearchProperties" minOccurs="0"/>
+                <xsd:element ref="ns2:MediaServiceBillingMetadata" minOccurs="0"/>
               </xsd:all>
             </xsd:complexType>
           </xsd:element>
@@ -5944,6 +5953,11 @@
       </xsd:simpleType>
     </xsd:element>
     <xsd:element name="MediaServiceSearchProperties" ma:index="25" nillable="true" ma:displayName="MediaServiceSearchProperties" ma:hidden="true" ma:internalName="MediaServiceSearchProperties" ma:readOnly="true">
+      <xsd:simpleType>
+        <xsd:restriction base="dms:Note"/>
+      </xsd:simpleType>
+    </xsd:element>
+    <xsd:element name="MediaServiceBillingMetadata" ma:index="26" nillable="true" ma:displayName="MediaServiceBillingMetadata" ma:hidden="true" ma:internalName="MediaServiceBillingMetadata" ma:readOnly="true">
       <xsd:simpleType>
         <xsd:restriction base="dms:Note"/>
       </xsd:simpleType>
@@ -6089,7 +6103,46 @@
 </ct:contentTypeSchema>
 </file>
 
+<file path=customXml/item2.xml><?xml version="1.0" encoding="utf-8"?>
+<?mso-contentType ?>
+<FormTemplates xmlns="http://schemas.microsoft.com/sharepoint/v3/contenttype/forms">
+  <Display>DocumentLibraryForm</Display>
+  <Edit>DocumentLibraryForm</Edit>
+  <New>DocumentLibraryForm</New>
+</FormTemplates>
+</file>
+
+<file path=customXml/item3.xml><?xml version="1.0" encoding="utf-8"?>
+<p:properties xmlns:p="http://schemas.microsoft.com/office/2006/metadata/properties" xmlns:xsi="http://www.w3.org/2001/XMLSchema-instance" xmlns:pc="http://schemas.microsoft.com/office/infopath/2007/PartnerControls">
+  <documentManagement>
+    <SharedWithUsers xmlns="97396690-0b91-46d2-ad5a-06f45914e19c">
+      <UserInfo>
+        <DisplayName/>
+        <AccountId xsi:nil="true"/>
+        <AccountType/>
+      </UserInfo>
+    </SharedWithUsers>
+    <lcf76f155ced4ddcb4097134ff3c332f xmlns="6126070c-0864-4b03-b2dc-aab5d8c39348">
+      <Terms xmlns="http://schemas.microsoft.com/office/infopath/2007/PartnerControls"/>
+    </lcf76f155ced4ddcb4097134ff3c332f>
+    <TaxCatchAll xmlns="97396690-0b91-46d2-ad5a-06f45914e19c" xsi:nil="true"/>
+  </documentManagement>
+</p:properties>
+</file>
+
 <file path=customXml/itemProps1.xml><?xml version="1.0" encoding="utf-8"?>
+<ds:datastoreItem xmlns:ds="http://schemas.openxmlformats.org/officeDocument/2006/customXml" ds:itemID="{5452D58F-233A-42AE-B2B3-28FCE2B5A758}"/>
+</file>
+
+<file path=customXml/itemProps2.xml><?xml version="1.0" encoding="utf-8"?>
+<ds:datastoreItem xmlns:ds="http://schemas.openxmlformats.org/officeDocument/2006/customXml" ds:itemID="{61F0326B-7C1A-45A3-8DA0-69177D7DF157}">
+  <ds:schemaRefs>
+    <ds:schemaRef ds:uri="http://schemas.microsoft.com/sharepoint/v3/contenttype/forms"/>
+  </ds:schemaRefs>
+</ds:datastoreItem>
+</file>
+
+<file path=customXml/itemProps3.xml><?xml version="1.0" encoding="utf-8"?>
 <ds:datastoreItem xmlns:ds="http://schemas.openxmlformats.org/officeDocument/2006/customXml" ds:itemID="{96FB6EF1-0BB7-4926-9DDA-55BF1304A87D}">
   <ds:schemaRefs>
     <ds:schemaRef ds:uri="http://purl.org/dc/elements/1.1/"/>
@@ -6106,33 +6159,6 @@
 </ds:datastoreItem>
 </file>
 
-<file path=customXml/itemProps2.xml><?xml version="1.0" encoding="utf-8"?>
-<ds:datastoreItem xmlns:ds="http://schemas.openxmlformats.org/officeDocument/2006/customXml" ds:itemID="{61F0326B-7C1A-45A3-8DA0-69177D7DF157}">
-  <ds:schemaRefs>
-    <ds:schemaRef ds:uri="http://schemas.microsoft.com/sharepoint/v3/contenttype/forms"/>
-  </ds:schemaRefs>
-</ds:datastoreItem>
-</file>
-
-<file path=customXml/itemProps3.xml><?xml version="1.0" encoding="utf-8"?>
-<ds:datastoreItem xmlns:ds="http://schemas.openxmlformats.org/officeDocument/2006/customXml" ds:itemID="{3E09281D-64EC-4B41-BF41-414128D81736}">
-  <ds:schemaRefs>
-    <ds:schemaRef ds:uri="http://schemas.microsoft.com/office/2006/metadata/contentType"/>
-    <ds:schemaRef ds:uri="http://schemas.microsoft.com/office/2006/metadata/properties/metaAttributes"/>
-    <ds:schemaRef ds:uri="http://www.w3.org/2001/XMLSchema"/>
-    <ds:schemaRef ds:uri="http://schemas.microsoft.com/office/2006/metadata/properties"/>
-    <ds:schemaRef ds:uri="6126070c-0864-4b03-b2dc-aab5d8c39348"/>
-    <ds:schemaRef ds:uri="97396690-0b91-46d2-ad5a-06f45914e19c"/>
-    <ds:schemaRef ds:uri="http://schemas.microsoft.com/office/2006/documentManagement/types"/>
-    <ds:schemaRef ds:uri="http://schemas.microsoft.com/office/infopath/2007/PartnerControls"/>
-    <ds:schemaRef ds:uri="http://schemas.openxmlformats.org/package/2006/metadata/core-properties"/>
-    <ds:schemaRef ds:uri="http://purl.org/dc/elements/1.1/"/>
-    <ds:schemaRef ds:uri="http://purl.org/dc/terms/"/>
-    <ds:schemaRef ds:uri="http://schemas.microsoft.com/internal/obd"/>
-  </ds:schemaRefs>
-</ds:datastoreItem>
-</file>
-
 <file path=docMetadata/LabelInfo.xml><?xml version="1.0" encoding="utf-8"?>
 <clbl:labelList xmlns:clbl="http://schemas.microsoft.com/office/2020/mipLabelMetadata">
   <clbl:label id="{bde4dffc-4b60-4cf6-8b04-a5eeb25f5c4f}" enabled="0" method="" siteId="{bde4dffc-4b60-4cf6-8b04-a5eeb25f5c4f}" removed="1"/>

--- a/documentation/MarketingMaterial/CAMARA Onepager.pptx
+++ b/documentation/MarketingMaterial/CAMARA Onepager.pptx
@@ -550,24 +550,48 @@
   <pc:docChgLst>
     <pc:chgData name="Kümmerle, Markus" userId="edb588ad-b118-44cb-93b6-335b967c9009" providerId="ADAL" clId="{686B896C-B9EC-4A9F-AB99-3B22A7E9F104}"/>
     <pc:docChg chg="custSel modSld">
-      <pc:chgData name="Kümmerle, Markus" userId="edb588ad-b118-44cb-93b6-335b967c9009" providerId="ADAL" clId="{686B896C-B9EC-4A9F-AB99-3B22A7E9F104}" dt="2025-03-28T12:18:33.371" v="66" actId="20577"/>
+      <pc:chgData name="Kümmerle, Markus" userId="edb588ad-b118-44cb-93b6-335b967c9009" providerId="ADAL" clId="{686B896C-B9EC-4A9F-AB99-3B22A7E9F104}" dt="2025-06-05T11:31:04.639" v="120" actId="20577"/>
       <pc:docMkLst>
         <pc:docMk/>
       </pc:docMkLst>
       <pc:sldChg chg="addSp delSp modSp mod">
-        <pc:chgData name="Kümmerle, Markus" userId="edb588ad-b118-44cb-93b6-335b967c9009" providerId="ADAL" clId="{686B896C-B9EC-4A9F-AB99-3B22A7E9F104}" dt="2025-03-28T12:18:33.371" v="66" actId="20577"/>
+        <pc:chgData name="Kümmerle, Markus" userId="edb588ad-b118-44cb-93b6-335b967c9009" providerId="ADAL" clId="{686B896C-B9EC-4A9F-AB99-3B22A7E9F104}" dt="2025-06-05T11:31:04.639" v="120" actId="20577"/>
         <pc:sldMkLst>
           <pc:docMk/>
           <pc:sldMk cId="753175953" sldId="2056"/>
         </pc:sldMkLst>
         <pc:spChg chg="mod">
-          <ac:chgData name="Kümmerle, Markus" userId="edb588ad-b118-44cb-93b6-335b967c9009" providerId="ADAL" clId="{686B896C-B9EC-4A9F-AB99-3B22A7E9F104}" dt="2025-03-28T12:18:33.371" v="66" actId="20577"/>
+          <ac:chgData name="Kümmerle, Markus" userId="edb588ad-b118-44cb-93b6-335b967c9009" providerId="ADAL" clId="{686B896C-B9EC-4A9F-AB99-3B22A7E9F104}" dt="2025-05-16T13:55:22.506" v="107" actId="20577"/>
+          <ac:spMkLst>
+            <pc:docMk/>
+            <pc:sldMk cId="753175953" sldId="2056"/>
+            <ac:spMk id="9" creationId="{9B7F815F-F157-D898-F728-AF8ED6826551}"/>
+          </ac:spMkLst>
+        </pc:spChg>
+        <pc:spChg chg="mod">
+          <ac:chgData name="Kümmerle, Markus" userId="edb588ad-b118-44cb-93b6-335b967c9009" providerId="ADAL" clId="{686B896C-B9EC-4A9F-AB99-3B22A7E9F104}" dt="2025-05-16T13:54:43.148" v="98" actId="20577"/>
+          <ac:spMkLst>
+            <pc:docMk/>
+            <pc:sldMk cId="753175953" sldId="2056"/>
+            <ac:spMk id="10" creationId="{4B51F363-6035-3F4A-DC3D-A1E415C7B293}"/>
+          </ac:spMkLst>
+        </pc:spChg>
+        <pc:spChg chg="mod">
+          <ac:chgData name="Kümmerle, Markus" userId="edb588ad-b118-44cb-93b6-335b967c9009" providerId="ADAL" clId="{686B896C-B9EC-4A9F-AB99-3B22A7E9F104}" dt="2025-06-05T11:31:04.639" v="120" actId="20577"/>
           <ac:spMkLst>
             <pc:docMk/>
             <pc:sldMk cId="753175953" sldId="2056"/>
             <ac:spMk id="12" creationId="{70463976-1354-BDDA-18A9-EEFA0BB1625A}"/>
           </ac:spMkLst>
         </pc:spChg>
+        <pc:picChg chg="add del mod">
+          <ac:chgData name="Kümmerle, Markus" userId="edb588ad-b118-44cb-93b6-335b967c9009" providerId="ADAL" clId="{686B896C-B9EC-4A9F-AB99-3B22A7E9F104}" dt="2025-06-05T11:26:16.225" v="111" actId="478"/>
+          <ac:picMkLst>
+            <pc:docMk/>
+            <pc:sldMk cId="753175953" sldId="2056"/>
+            <ac:picMk id="3" creationId="{3930B055-CBAA-10E1-EC69-C82DA15980F9}"/>
+          </ac:picMkLst>
+        </pc:picChg>
         <pc:picChg chg="del">
           <ac:chgData name="Kümmerle, Markus" userId="edb588ad-b118-44cb-93b6-335b967c9009" providerId="ADAL" clId="{686B896C-B9EC-4A9F-AB99-3B22A7E9F104}" dt="2025-03-28T12:17:42.163" v="0" actId="478"/>
           <ac:picMkLst>
@@ -576,12 +600,20 @@
             <ac:picMk id="3" creationId="{CE02CC16-45F3-9610-EC2D-1BB0150DB6A7}"/>
           </ac:picMkLst>
         </pc:picChg>
-        <pc:picChg chg="add mod">
-          <ac:chgData name="Kümmerle, Markus" userId="edb588ad-b118-44cb-93b6-335b967c9009" providerId="ADAL" clId="{686B896C-B9EC-4A9F-AB99-3B22A7E9F104}" dt="2025-03-28T12:18:14.358" v="62" actId="1035"/>
+        <pc:picChg chg="add del mod">
+          <ac:chgData name="Kümmerle, Markus" userId="edb588ad-b118-44cb-93b6-335b967c9009" providerId="ADAL" clId="{686B896C-B9EC-4A9F-AB99-3B22A7E9F104}" dt="2025-06-05T11:26:06.191" v="108" actId="478"/>
           <ac:picMkLst>
             <pc:docMk/>
             <pc:sldMk cId="753175953" sldId="2056"/>
             <ac:picMk id="4" creationId="{7C05E50E-267E-7B2E-C99A-A5934E1C5E84}"/>
+          </ac:picMkLst>
+        </pc:picChg>
+        <pc:picChg chg="add mod">
+          <ac:chgData name="Kümmerle, Markus" userId="edb588ad-b118-44cb-93b6-335b967c9009" providerId="ADAL" clId="{686B896C-B9EC-4A9F-AB99-3B22A7E9F104}" dt="2025-06-05T11:27:06.685" v="115" actId="1076"/>
+          <ac:picMkLst>
+            <pc:docMk/>
+            <pc:sldMk cId="753175953" sldId="2056"/>
+            <ac:picMk id="16" creationId="{38740FBA-B935-A15D-1249-C47EB8FD8BD3}"/>
           </ac:picMkLst>
         </pc:picChg>
       </pc:sldChg>
@@ -769,7 +801,7 @@
             <a:fld id="{9847C1C0-7CF7-4E43-8415-72BC7E37BCB3}" type="datetimeFigureOut">
               <a:rPr lang="de-DE" smtClean="0"/>
               <a:pPr/>
-              <a:t>28.03.2025</a:t>
+              <a:t>05.06.2025</a:t>
             </a:fld>
             <a:endParaRPr lang="de-DE"/>
           </a:p>
@@ -4625,246 +4657,234 @@
           <a:lstStyle/>
           <a:p>
             <a:r>
-              <a:rPr lang="de-DE" sz="1000">
+              <a:rPr lang="de-DE" sz="1000" dirty="0">
                 <a:latin typeface="Montserrat Light" panose="00000400000000000000" pitchFamily="2" charset="0"/>
               </a:rPr>
               <a:t>CAMARA </a:t>
             </a:r>
             <a:r>
-              <a:rPr lang="de-DE" sz="1000" err="1">
+              <a:rPr lang="de-DE" sz="1000" dirty="0" err="1">
                 <a:latin typeface="Montserrat Light" panose="00000400000000000000" pitchFamily="2" charset="0"/>
               </a:rPr>
               <a:t>is</a:t>
             </a:r>
             <a:r>
-              <a:rPr lang="de-DE" sz="1000">
+              <a:rPr lang="de-DE" sz="1000" dirty="0">
                 <a:latin typeface="Montserrat Light" panose="00000400000000000000" pitchFamily="2" charset="0"/>
               </a:rPr>
               <a:t> an open source </a:t>
             </a:r>
             <a:r>
-              <a:rPr lang="de-DE" sz="1000" err="1">
+              <a:rPr lang="de-DE" sz="1000" dirty="0" err="1">
                 <a:latin typeface="Montserrat Light" panose="00000400000000000000" pitchFamily="2" charset="0"/>
               </a:rPr>
               <a:t>project</a:t>
             </a:r>
             <a:r>
-              <a:rPr lang="de-DE" sz="1000">
+              <a:rPr lang="de-DE" sz="1000" dirty="0">
                 <a:latin typeface="Montserrat Light" panose="00000400000000000000" pitchFamily="2" charset="0"/>
               </a:rPr>
               <a:t> </a:t>
             </a:r>
             <a:r>
-              <a:rPr lang="de-DE" sz="1000" err="1">
+              <a:rPr lang="de-DE" sz="1000" dirty="0" err="1">
                 <a:latin typeface="Montserrat Light" panose="00000400000000000000" pitchFamily="2" charset="0"/>
               </a:rPr>
               <a:t>within</a:t>
             </a:r>
             <a:r>
-              <a:rPr lang="de-DE" sz="1000">
+              <a:rPr lang="de-DE" sz="1000" dirty="0">
                 <a:latin typeface="Montserrat Light" panose="00000400000000000000" pitchFamily="2" charset="0"/>
               </a:rPr>
-              <a:t> Linux </a:t>
-            </a:r>
-            <a:r>
-              <a:rPr lang="de-DE" sz="1000" err="1">
+              <a:t> Linux Foundation </a:t>
+            </a:r>
+            <a:r>
+              <a:rPr lang="de-DE" sz="1000" dirty="0" err="1">
                 <a:latin typeface="Montserrat Light" panose="00000400000000000000" pitchFamily="2" charset="0"/>
               </a:rPr>
-              <a:t>Foundation</a:t>
-            </a:r>
-            <a:r>
-              <a:rPr lang="de-DE" sz="1000">
+              <a:t>to</a:t>
+            </a:r>
+            <a:r>
+              <a:rPr lang="de-DE" sz="1000" dirty="0">
                 <a:latin typeface="Montserrat Light" panose="00000400000000000000" pitchFamily="2" charset="0"/>
               </a:rPr>
               <a:t> </a:t>
             </a:r>
             <a:r>
-              <a:rPr lang="de-DE" sz="1000" err="1">
+              <a:rPr lang="de-DE" sz="1000" dirty="0" err="1">
+                <a:latin typeface="Montserrat Light" panose="00000400000000000000" pitchFamily="2" charset="0"/>
+              </a:rPr>
+              <a:t>define</a:t>
+            </a:r>
+            <a:r>
+              <a:rPr lang="de-DE" sz="1000" dirty="0">
+                <a:latin typeface="Montserrat Light" panose="00000400000000000000" pitchFamily="2" charset="0"/>
+              </a:rPr>
+              <a:t>, </a:t>
+            </a:r>
+            <a:r>
+              <a:rPr lang="de-DE" sz="1000" dirty="0" err="1">
+                <a:latin typeface="Montserrat Light" panose="00000400000000000000" pitchFamily="2" charset="0"/>
+              </a:rPr>
+              <a:t>develop</a:t>
+            </a:r>
+            <a:r>
+              <a:rPr lang="de-DE" sz="1000" dirty="0">
+                <a:latin typeface="Montserrat Light" panose="00000400000000000000" pitchFamily="2" charset="0"/>
+              </a:rPr>
+              <a:t> and </a:t>
+            </a:r>
+            <a:r>
+              <a:rPr lang="de-DE" sz="1000" dirty="0" err="1">
+                <a:latin typeface="Montserrat Light" panose="00000400000000000000" pitchFamily="2" charset="0"/>
+              </a:rPr>
+              <a:t>test</a:t>
+            </a:r>
+            <a:r>
+              <a:rPr lang="de-DE" sz="1000" dirty="0">
+                <a:latin typeface="Montserrat Light" panose="00000400000000000000" pitchFamily="2" charset="0"/>
+              </a:rPr>
+              <a:t> </a:t>
+            </a:r>
+            <a:r>
+              <a:rPr lang="de-DE" sz="1000" dirty="0" err="1">
+                <a:latin typeface="Montserrat Light" panose="00000400000000000000" pitchFamily="2" charset="0"/>
+              </a:rPr>
+              <a:t>the</a:t>
+            </a:r>
+            <a:r>
+              <a:rPr lang="de-DE" sz="1000" dirty="0">
+                <a:latin typeface="Montserrat Light" panose="00000400000000000000" pitchFamily="2" charset="0"/>
+              </a:rPr>
+              <a:t> APIs. CAMARA </a:t>
+            </a:r>
+            <a:r>
+              <a:rPr lang="de-DE" sz="1000" dirty="0" err="1">
+                <a:latin typeface="Montserrat Light" panose="00000400000000000000" pitchFamily="2" charset="0"/>
+              </a:rPr>
+              <a:t>works</a:t>
+            </a:r>
+            <a:r>
+              <a:rPr lang="de-DE" sz="1000" dirty="0">
+                <a:latin typeface="Montserrat Light" panose="00000400000000000000" pitchFamily="2" charset="0"/>
+              </a:rPr>
+              <a:t> in </a:t>
+            </a:r>
+            <a:r>
+              <a:rPr lang="de-DE" sz="1000" dirty="0" err="1">
+                <a:latin typeface="Montserrat Light" panose="00000400000000000000" pitchFamily="2" charset="0"/>
+              </a:rPr>
+              <a:t>close</a:t>
+            </a:r>
+            <a:r>
+              <a:rPr lang="de-DE" sz="1000" dirty="0">
+                <a:latin typeface="Montserrat Light" panose="00000400000000000000" pitchFamily="2" charset="0"/>
+              </a:rPr>
+              <a:t> </a:t>
+            </a:r>
+            <a:r>
+              <a:rPr lang="de-DE" sz="1000" dirty="0" err="1">
+                <a:latin typeface="Montserrat Light" panose="00000400000000000000" pitchFamily="2" charset="0"/>
+              </a:rPr>
+              <a:t>collaboration</a:t>
+            </a:r>
+            <a:r>
+              <a:rPr lang="de-DE" sz="1000" dirty="0">
+                <a:latin typeface="Montserrat Light" panose="00000400000000000000" pitchFamily="2" charset="0"/>
+              </a:rPr>
+              <a:t> </a:t>
+            </a:r>
+            <a:r>
+              <a:rPr lang="de-DE" sz="1000" dirty="0" err="1">
+                <a:latin typeface="Montserrat Light" panose="00000400000000000000" pitchFamily="2" charset="0"/>
+              </a:rPr>
+              <a:t>with</a:t>
+            </a:r>
+            <a:r>
+              <a:rPr lang="de-DE" sz="1000" dirty="0">
+                <a:latin typeface="Montserrat Light" panose="00000400000000000000" pitchFamily="2" charset="0"/>
+              </a:rPr>
+              <a:t> </a:t>
+            </a:r>
+            <a:r>
+              <a:rPr lang="de-DE" sz="1000" dirty="0" err="1">
+                <a:latin typeface="Montserrat Light" panose="00000400000000000000" pitchFamily="2" charset="0"/>
+              </a:rPr>
+              <a:t>the</a:t>
+            </a:r>
+            <a:r>
+              <a:rPr lang="de-DE" sz="1000" dirty="0">
+                <a:latin typeface="Montserrat Light" panose="00000400000000000000" pitchFamily="2" charset="0"/>
+              </a:rPr>
+              <a:t> GSMA Operator </a:t>
+            </a:r>
+            <a:r>
+              <a:rPr lang="de-DE" sz="1000" dirty="0" err="1">
+                <a:latin typeface="Montserrat Light" panose="00000400000000000000" pitchFamily="2" charset="0"/>
+              </a:rPr>
+              <a:t>Platform</a:t>
+            </a:r>
+            <a:r>
+              <a:rPr lang="de-DE" sz="1000" dirty="0">
+                <a:latin typeface="Montserrat Light" panose="00000400000000000000" pitchFamily="2" charset="0"/>
+              </a:rPr>
+              <a:t> Group </a:t>
+            </a:r>
+            <a:r>
+              <a:rPr lang="de-DE" sz="1000" dirty="0" err="1">
                 <a:latin typeface="Montserrat Light" panose="00000400000000000000" pitchFamily="2" charset="0"/>
               </a:rPr>
               <a:t>to</a:t>
             </a:r>
             <a:r>
-              <a:rPr lang="de-DE" sz="1000">
+              <a:rPr lang="de-DE" sz="1000" dirty="0">
                 <a:latin typeface="Montserrat Light" panose="00000400000000000000" pitchFamily="2" charset="0"/>
               </a:rPr>
               <a:t> </a:t>
             </a:r>
             <a:r>
-              <a:rPr lang="de-DE" sz="1000" err="1">
-                <a:latin typeface="Montserrat Light" panose="00000400000000000000" pitchFamily="2" charset="0"/>
-              </a:rPr>
-              <a:t>define</a:t>
-            </a:r>
-            <a:r>
-              <a:rPr lang="de-DE" sz="1000">
-                <a:latin typeface="Montserrat Light" panose="00000400000000000000" pitchFamily="2" charset="0"/>
-              </a:rPr>
-              <a:t>, </a:t>
-            </a:r>
-            <a:r>
-              <a:rPr lang="de-DE" sz="1000" err="1">
-                <a:latin typeface="Montserrat Light" panose="00000400000000000000" pitchFamily="2" charset="0"/>
-              </a:rPr>
-              <a:t>develop</a:t>
-            </a:r>
-            <a:r>
-              <a:rPr lang="de-DE" sz="1000">
-                <a:latin typeface="Montserrat Light" panose="00000400000000000000" pitchFamily="2" charset="0"/>
-              </a:rPr>
-              <a:t> and </a:t>
-            </a:r>
-            <a:r>
-              <a:rPr lang="de-DE" sz="1000" err="1">
-                <a:latin typeface="Montserrat Light" panose="00000400000000000000" pitchFamily="2" charset="0"/>
-              </a:rPr>
-              <a:t>test</a:t>
-            </a:r>
-            <a:r>
-              <a:rPr lang="de-DE" sz="1000">
-                <a:latin typeface="Montserrat Light" panose="00000400000000000000" pitchFamily="2" charset="0"/>
-              </a:rPr>
-              <a:t> </a:t>
-            </a:r>
-            <a:r>
-              <a:rPr lang="de-DE" sz="1000" err="1">
-                <a:latin typeface="Montserrat Light" panose="00000400000000000000" pitchFamily="2" charset="0"/>
-              </a:rPr>
-              <a:t>the</a:t>
-            </a:r>
-            <a:r>
-              <a:rPr lang="de-DE" sz="1000">
-                <a:latin typeface="Montserrat Light" panose="00000400000000000000" pitchFamily="2" charset="0"/>
-              </a:rPr>
-              <a:t> APIs. CAMARA </a:t>
-            </a:r>
-            <a:r>
-              <a:rPr lang="de-DE" sz="1000" err="1">
-                <a:latin typeface="Montserrat Light" panose="00000400000000000000" pitchFamily="2" charset="0"/>
-              </a:rPr>
-              <a:t>works</a:t>
-            </a:r>
-            <a:r>
-              <a:rPr lang="de-DE" sz="1000">
-                <a:latin typeface="Montserrat Light" panose="00000400000000000000" pitchFamily="2" charset="0"/>
-              </a:rPr>
-              <a:t> in </a:t>
-            </a:r>
-            <a:r>
-              <a:rPr lang="de-DE" sz="1000" err="1">
-                <a:latin typeface="Montserrat Light" panose="00000400000000000000" pitchFamily="2" charset="0"/>
-              </a:rPr>
-              <a:t>close</a:t>
-            </a:r>
-            <a:r>
-              <a:rPr lang="de-DE" sz="1000">
-                <a:latin typeface="Montserrat Light" panose="00000400000000000000" pitchFamily="2" charset="0"/>
-              </a:rPr>
-              <a:t> </a:t>
-            </a:r>
-            <a:r>
-              <a:rPr lang="de-DE" sz="1000" err="1">
-                <a:latin typeface="Montserrat Light" panose="00000400000000000000" pitchFamily="2" charset="0"/>
-              </a:rPr>
-              <a:t>collaboration</a:t>
-            </a:r>
-            <a:r>
-              <a:rPr lang="de-DE" sz="1000">
-                <a:latin typeface="Montserrat Light" panose="00000400000000000000" pitchFamily="2" charset="0"/>
-              </a:rPr>
-              <a:t> </a:t>
-            </a:r>
-            <a:r>
-              <a:rPr lang="de-DE" sz="1000" err="1">
-                <a:latin typeface="Montserrat Light" panose="00000400000000000000" pitchFamily="2" charset="0"/>
-              </a:rPr>
-              <a:t>with</a:t>
-            </a:r>
-            <a:r>
-              <a:rPr lang="de-DE" sz="1000">
-                <a:latin typeface="Montserrat Light" panose="00000400000000000000" pitchFamily="2" charset="0"/>
-              </a:rPr>
-              <a:t> </a:t>
-            </a:r>
-            <a:r>
-              <a:rPr lang="de-DE" sz="1000" err="1">
-                <a:latin typeface="Montserrat Light" panose="00000400000000000000" pitchFamily="2" charset="0"/>
-              </a:rPr>
-              <a:t>the</a:t>
-            </a:r>
-            <a:r>
-              <a:rPr lang="de-DE" sz="1000">
-                <a:latin typeface="Montserrat Light" panose="00000400000000000000" pitchFamily="2" charset="0"/>
-              </a:rPr>
-              <a:t> GSMA Operator </a:t>
-            </a:r>
-            <a:r>
-              <a:rPr lang="de-DE" sz="1000" err="1">
-                <a:latin typeface="Montserrat Light" panose="00000400000000000000" pitchFamily="2" charset="0"/>
-              </a:rPr>
-              <a:t>Platform</a:t>
-            </a:r>
-            <a:r>
-              <a:rPr lang="de-DE" sz="1000">
-                <a:latin typeface="Montserrat Light" panose="00000400000000000000" pitchFamily="2" charset="0"/>
-              </a:rPr>
-              <a:t> Group </a:t>
-            </a:r>
-            <a:r>
-              <a:rPr lang="de-DE" sz="1000" err="1">
-                <a:latin typeface="Montserrat Light" panose="00000400000000000000" pitchFamily="2" charset="0"/>
-              </a:rPr>
-              <a:t>to</a:t>
-            </a:r>
-            <a:r>
-              <a:rPr lang="de-DE" sz="1000">
-                <a:latin typeface="Montserrat Light" panose="00000400000000000000" pitchFamily="2" charset="0"/>
-              </a:rPr>
-              <a:t> </a:t>
-            </a:r>
-            <a:r>
-              <a:rPr lang="de-DE" sz="1000" err="1">
+              <a:rPr lang="de-DE" sz="1000" dirty="0" err="1">
                 <a:latin typeface="Montserrat Light" panose="00000400000000000000" pitchFamily="2" charset="0"/>
               </a:rPr>
               <a:t>align</a:t>
             </a:r>
             <a:r>
-              <a:rPr lang="de-DE" sz="1000">
+              <a:rPr lang="de-DE" sz="1000" dirty="0">
                 <a:latin typeface="Montserrat Light" panose="00000400000000000000" pitchFamily="2" charset="0"/>
               </a:rPr>
               <a:t> API </a:t>
             </a:r>
             <a:r>
-              <a:rPr lang="de-DE" sz="1000" err="1">
+              <a:rPr lang="de-DE" sz="1000" dirty="0" err="1">
                 <a:latin typeface="Montserrat Light" panose="00000400000000000000" pitchFamily="2" charset="0"/>
               </a:rPr>
               <a:t>requirements</a:t>
             </a:r>
             <a:r>
-              <a:rPr lang="de-DE" sz="1000">
+              <a:rPr lang="de-DE" sz="1000" dirty="0">
                 <a:latin typeface="Montserrat Light" panose="00000400000000000000" pitchFamily="2" charset="0"/>
               </a:rPr>
               <a:t> and publish API </a:t>
             </a:r>
             <a:r>
-              <a:rPr lang="de-DE" sz="1000" err="1">
+              <a:rPr lang="de-DE" sz="1000" dirty="0" err="1">
                 <a:latin typeface="Montserrat Light" panose="00000400000000000000" pitchFamily="2" charset="0"/>
               </a:rPr>
               <a:t>definitions</a:t>
             </a:r>
             <a:r>
-              <a:rPr lang="de-DE" sz="1000">
+              <a:rPr lang="de-DE" sz="1000" dirty="0">
                 <a:latin typeface="Montserrat Light" panose="00000400000000000000" pitchFamily="2" charset="0"/>
               </a:rPr>
-              <a:t> and APIs.</a:t>
-            </a:r>
-            <a:r>
-              <a:rPr lang="en-US" sz="1000">
+              <a:t>.</a:t>
+            </a:r>
+            <a:r>
+              <a:rPr lang="en-US" sz="1000" dirty="0">
                 <a:latin typeface="Montserrat Light" panose="00000400000000000000" pitchFamily="2" charset="0"/>
               </a:rPr>
               <a:t> Harmonization of APIs is achieved through fast and agile created working code with developer-friendly documentation. API definitions and reference implementations are free to use (Apache2.0 license).</a:t>
             </a:r>
-            <a:endParaRPr lang="de-DE" sz="1000">
+            <a:endParaRPr lang="de-DE" sz="1000" dirty="0">
               <a:latin typeface="Montserrat Light" panose="00000400000000000000" pitchFamily="2" charset="0"/>
             </a:endParaRPr>
           </a:p>
@@ -4885,7 +4905,7 @@
         <p:spPr>
           <a:xfrm>
             <a:off x="365392" y="5838350"/>
-            <a:ext cx="2880000" cy="1631216"/>
+            <a:ext cx="2880000" cy="1785104"/>
           </a:xfrm>
           <a:prstGeom prst="rect">
             <a:avLst/>
@@ -4902,7 +4922,7 @@
               <a:rPr lang="en-US" sz="1000" dirty="0">
                 <a:latin typeface="Montserrat Light" panose="00000400000000000000" pitchFamily="2" charset="0"/>
               </a:rPr>
-              <a:t>Abstraction from Network APIs to Service APIs is necessary:</a:t>
+              <a:t>Abstraction by transformation from network capabilities to Service APIs is necessary:</a:t>
             </a:r>
           </a:p>
           <a:p>
@@ -5064,7 +5084,7 @@
         <p:spPr>
           <a:xfrm>
             <a:off x="370278" y="251736"/>
-            <a:ext cx="708848" cy="215444"/>
+            <a:ext cx="721672" cy="215444"/>
           </a:xfrm>
           <a:prstGeom prst="rect">
             <a:avLst/>
@@ -5078,14 +5098,11 @@
           <a:lstStyle/>
           <a:p>
             <a:r>
-              <a:rPr lang="de-DE" sz="800">
+              <a:rPr lang="de-DE" sz="800" dirty="0">
                 <a:latin typeface="Montserrat Light" panose="00000400000000000000" pitchFamily="2" charset="0"/>
               </a:rPr>
-              <a:t>27.03.2025</a:t>
-            </a:r>
-            <a:endParaRPr lang="de-DE" sz="800" dirty="0">
-              <a:latin typeface="Montserrat Light" panose="00000400000000000000" pitchFamily="2" charset="0"/>
-            </a:endParaRPr>
+              <a:t>05.06.2025</a:t>
+            </a:r>
           </a:p>
         </p:txBody>
       </p:sp>
@@ -5156,10 +5173,10 @@
       </p:pic>
       <p:pic>
         <p:nvPicPr>
-          <p:cNvPr id="4" name="Grafik 3">
+          <p:cNvPr id="16" name="Grafik 15">
             <a:extLst>
               <a:ext uri="{FF2B5EF4-FFF2-40B4-BE49-F238E27FC236}">
-                <a16:creationId xmlns:a16="http://schemas.microsoft.com/office/drawing/2014/main" id="{7C05E50E-267E-7B2E-C99A-A5934E1C5E84}"/>
+                <a16:creationId xmlns:a16="http://schemas.microsoft.com/office/drawing/2014/main" id="{38740FBA-B935-A15D-1249-C47EB8FD8BD3}"/>
               </a:ext>
             </a:extLst>
           </p:cNvPr>
@@ -5176,8 +5193,8 @@
         </p:blipFill>
         <p:spPr>
           <a:xfrm>
-            <a:off x="0" y="7640432"/>
-            <a:ext cx="6858000" cy="2194259"/>
+            <a:off x="141941" y="7566121"/>
+            <a:ext cx="6574118" cy="2339879"/>
           </a:xfrm>
           <a:prstGeom prst="rect">
             <a:avLst/>
@@ -5843,6 +5860,33 @@
 </file>
 
 <file path=customXml/item1.xml><?xml version="1.0" encoding="utf-8"?>
+<?mso-contentType ?>
+<FormTemplates xmlns="http://schemas.microsoft.com/sharepoint/v3/contenttype/forms">
+  <Display>DocumentLibraryForm</Display>
+  <Edit>DocumentLibraryForm</Edit>
+  <New>DocumentLibraryForm</New>
+</FormTemplates>
+</file>
+
+<file path=customXml/item2.xml><?xml version="1.0" encoding="utf-8"?>
+<p:properties xmlns:p="http://schemas.microsoft.com/office/2006/metadata/properties" xmlns:xsi="http://www.w3.org/2001/XMLSchema-instance" xmlns:pc="http://schemas.microsoft.com/office/infopath/2007/PartnerControls">
+  <documentManagement>
+    <SharedWithUsers xmlns="97396690-0b91-46d2-ad5a-06f45914e19c">
+      <UserInfo>
+        <DisplayName/>
+        <AccountId xsi:nil="true"/>
+        <AccountType/>
+      </UserInfo>
+    </SharedWithUsers>
+    <lcf76f155ced4ddcb4097134ff3c332f xmlns="6126070c-0864-4b03-b2dc-aab5d8c39348">
+      <Terms xmlns="http://schemas.microsoft.com/office/infopath/2007/PartnerControls"/>
+    </lcf76f155ced4ddcb4097134ff3c332f>
+    <TaxCatchAll xmlns="97396690-0b91-46d2-ad5a-06f45914e19c" xsi:nil="true"/>
+  </documentManagement>
+</p:properties>
+</file>
+
+<file path=customXml/item3.xml><?xml version="1.0" encoding="utf-8"?>
 <ct:contentTypeSchema xmlns:ct="http://schemas.microsoft.com/office/2006/metadata/contentType" xmlns:ma="http://schemas.microsoft.com/office/2006/metadata/properties/metaAttributes" ct:_="" ma:_="" ma:contentTypeName="Dokument" ma:contentTypeID="0x010100044AD662EB7A25499208DD4235E5F8D6" ma:contentTypeVersion="19" ma:contentTypeDescription="Ein neues Dokument erstellen." ma:contentTypeScope="" ma:versionID="13ad816330f46bab1ab8587ed50d3990">
   <xsd:schema xmlns:xsd="http://www.w3.org/2001/XMLSchema" xmlns:xs="http://www.w3.org/2001/XMLSchema" xmlns:p="http://schemas.microsoft.com/office/2006/metadata/properties" xmlns:ns2="6126070c-0864-4b03-b2dc-aab5d8c39348" xmlns:ns3="97396690-0b91-46d2-ad5a-06f45914e19c" targetNamespace="http://schemas.microsoft.com/office/2006/metadata/properties" ma:root="true" ma:fieldsID="8882ae1798fdd31abf262c7e01bcc7bd" ns2:_="" ns3:_="">
     <xsd:import namespace="6126070c-0864-4b03-b2dc-aab5d8c39348"/>
@@ -6103,38 +6147,7 @@
 </ct:contentTypeSchema>
 </file>
 
-<file path=customXml/item2.xml><?xml version="1.0" encoding="utf-8"?>
-<?mso-contentType ?>
-<FormTemplates xmlns="http://schemas.microsoft.com/sharepoint/v3/contenttype/forms">
-  <Display>DocumentLibraryForm</Display>
-  <Edit>DocumentLibraryForm</Edit>
-  <New>DocumentLibraryForm</New>
-</FormTemplates>
-</file>
-
-<file path=customXml/item3.xml><?xml version="1.0" encoding="utf-8"?>
-<p:properties xmlns:p="http://schemas.microsoft.com/office/2006/metadata/properties" xmlns:xsi="http://www.w3.org/2001/XMLSchema-instance" xmlns:pc="http://schemas.microsoft.com/office/infopath/2007/PartnerControls">
-  <documentManagement>
-    <SharedWithUsers xmlns="97396690-0b91-46d2-ad5a-06f45914e19c">
-      <UserInfo>
-        <DisplayName/>
-        <AccountId xsi:nil="true"/>
-        <AccountType/>
-      </UserInfo>
-    </SharedWithUsers>
-    <lcf76f155ced4ddcb4097134ff3c332f xmlns="6126070c-0864-4b03-b2dc-aab5d8c39348">
-      <Terms xmlns="http://schemas.microsoft.com/office/infopath/2007/PartnerControls"/>
-    </lcf76f155ced4ddcb4097134ff3c332f>
-    <TaxCatchAll xmlns="97396690-0b91-46d2-ad5a-06f45914e19c" xsi:nil="true"/>
-  </documentManagement>
-</p:properties>
-</file>
-
 <file path=customXml/itemProps1.xml><?xml version="1.0" encoding="utf-8"?>
-<ds:datastoreItem xmlns:ds="http://schemas.openxmlformats.org/officeDocument/2006/customXml" ds:itemID="{5452D58F-233A-42AE-B2B3-28FCE2B5A758}"/>
-</file>
-
-<file path=customXml/itemProps2.xml><?xml version="1.0" encoding="utf-8"?>
 <ds:datastoreItem xmlns:ds="http://schemas.openxmlformats.org/officeDocument/2006/customXml" ds:itemID="{61F0326B-7C1A-45A3-8DA0-69177D7DF157}">
   <ds:schemaRefs>
     <ds:schemaRef ds:uri="http://schemas.microsoft.com/sharepoint/v3/contenttype/forms"/>
@@ -6142,7 +6155,7 @@
 </ds:datastoreItem>
 </file>
 
-<file path=customXml/itemProps3.xml><?xml version="1.0" encoding="utf-8"?>
+<file path=customXml/itemProps2.xml><?xml version="1.0" encoding="utf-8"?>
 <ds:datastoreItem xmlns:ds="http://schemas.openxmlformats.org/officeDocument/2006/customXml" ds:itemID="{96FB6EF1-0BB7-4926-9DDA-55BF1304A87D}">
   <ds:schemaRefs>
     <ds:schemaRef ds:uri="http://purl.org/dc/elements/1.1/"/>
@@ -6159,6 +6172,25 @@
 </ds:datastoreItem>
 </file>
 
+<file path=customXml/itemProps3.xml><?xml version="1.0" encoding="utf-8"?>
+<ds:datastoreItem xmlns:ds="http://schemas.openxmlformats.org/officeDocument/2006/customXml" ds:itemID="{5452D58F-233A-42AE-B2B3-28FCE2B5A758}">
+  <ds:schemaRefs>
+    <ds:schemaRef ds:uri="http://schemas.microsoft.com/office/2006/metadata/contentType"/>
+    <ds:schemaRef ds:uri="http://schemas.microsoft.com/office/2006/metadata/properties/metaAttributes"/>
+    <ds:schemaRef ds:uri="http://www.w3.org/2001/XMLSchema"/>
+    <ds:schemaRef ds:uri="http://schemas.microsoft.com/office/2006/metadata/properties"/>
+    <ds:schemaRef ds:uri="6126070c-0864-4b03-b2dc-aab5d8c39348"/>
+    <ds:schemaRef ds:uri="97396690-0b91-46d2-ad5a-06f45914e19c"/>
+    <ds:schemaRef ds:uri="http://schemas.microsoft.com/office/2006/documentManagement/types"/>
+    <ds:schemaRef ds:uri="http://schemas.microsoft.com/office/infopath/2007/PartnerControls"/>
+    <ds:schemaRef ds:uri="http://schemas.openxmlformats.org/package/2006/metadata/core-properties"/>
+    <ds:schemaRef ds:uri="http://purl.org/dc/elements/1.1/"/>
+    <ds:schemaRef ds:uri="http://purl.org/dc/terms/"/>
+    <ds:schemaRef ds:uri="http://schemas.microsoft.com/internal/obd"/>
+  </ds:schemaRefs>
+</ds:datastoreItem>
+</file>
+
 <file path=docMetadata/LabelInfo.xml><?xml version="1.0" encoding="utf-8"?>
 <clbl:labelList xmlns:clbl="http://schemas.microsoft.com/office/2020/mipLabelMetadata">
   <clbl:label id="{bde4dffc-4b60-4cf6-8b04-a5eeb25f5c4f}" enabled="0" method="" siteId="{bde4dffc-4b60-4cf6-8b04-a5eeb25f5c4f}" removed="1"/>

--- a/documentation/MarketingMaterial/CAMARA Onepager.pptx
+++ b/documentation/MarketingMaterial/CAMARA Onepager.pptx
@@ -249,6 +249,14 @@
 </p:cmAuthorLst>
 </file>
 
+<file path=ppt/revisionInfo.xml><?xml version="1.0" encoding="utf-8"?>
+<p1510:revInfo xmlns:a="http://schemas.openxmlformats.org/drawingml/2006/main" xmlns:r="http://schemas.openxmlformats.org/officeDocument/2006/relationships" xmlns:p1510="http://schemas.microsoft.com/office/powerpoint/2015/10/main">
+  <p1510:revLst>
+    <p1510:client id="{686B896C-B9EC-4A9F-AB99-3B22A7E9F104}" v="1" dt="2025-08-05T13:02:10.455"/>
+  </p1510:revLst>
+</p1510:revInfo>
+</file>
+
 <file path=ppt/changesInfos/changesInfo1.xml><?xml version="1.0" encoding="utf-8"?>
 <pc:chgInfo xmlns:a="http://schemas.openxmlformats.org/drawingml/2006/main" xmlns:r="http://schemas.openxmlformats.org/officeDocument/2006/relationships" xmlns:ac="http://schemas.microsoft.com/office/drawing/2013/main/command" xmlns:pc="http://schemas.microsoft.com/office/powerpoint/2013/main/command">
   <pc:docChgLst>
@@ -264,30 +272,6 @@
           <pc:docMk/>
           <pc:sldMk cId="753175953" sldId="2056"/>
         </pc:sldMkLst>
-        <pc:spChg chg="mod">
-          <ac:chgData name="Markus Kümmerle" userId="edb588ad-b118-44cb-93b6-335b967c9009" providerId="ADAL" clId="{6055671A-50BB-43B1-8535-2336391658ED}" dt="2025-01-24T09:17:48.040" v="9" actId="20577"/>
-          <ac:spMkLst>
-            <pc:docMk/>
-            <pc:sldMk cId="753175953" sldId="2056"/>
-            <ac:spMk id="12" creationId="{70463976-1354-BDDA-18A9-EEFA0BB1625A}"/>
-          </ac:spMkLst>
-        </pc:spChg>
-        <pc:picChg chg="del">
-          <ac:chgData name="Markus Kümmerle" userId="edb588ad-b118-44cb-93b6-335b967c9009" providerId="ADAL" clId="{6055671A-50BB-43B1-8535-2336391658ED}" dt="2025-01-24T09:23:39.946" v="10" actId="478"/>
-          <ac:picMkLst>
-            <pc:docMk/>
-            <pc:sldMk cId="753175953" sldId="2056"/>
-            <ac:picMk id="2" creationId="{DECCF92E-6CAB-DF67-8467-3A9F4FE01129}"/>
-          </ac:picMkLst>
-        </pc:picChg>
-        <pc:picChg chg="add mod">
-          <ac:chgData name="Markus Kümmerle" userId="edb588ad-b118-44cb-93b6-335b967c9009" providerId="ADAL" clId="{6055671A-50BB-43B1-8535-2336391658ED}" dt="2025-01-24T09:24:11.880" v="16" actId="1076"/>
-          <ac:picMkLst>
-            <pc:docMk/>
-            <pc:sldMk cId="753175953" sldId="2056"/>
-            <ac:picMk id="3" creationId="{F44F88F7-81A7-8F22-8638-21ACDF9A0CB2}"/>
-          </ac:picMkLst>
-        </pc:picChg>
       </pc:sldChg>
     </pc:docChg>
   </pc:docChgLst>
@@ -304,38 +288,6 @@
           <pc:docMk/>
           <pc:sldMk cId="753175953" sldId="2056"/>
         </pc:sldMkLst>
-        <pc:spChg chg="mod">
-          <ac:chgData name="Kümmerle, Markus" userId="edb588ad-b118-44cb-93b6-335b967c9009" providerId="ADAL" clId="{E7E46156-6837-4F04-A185-356A0A7796C6}" dt="2023-06-29T13:00:22.997" v="47" actId="20577"/>
-          <ac:spMkLst>
-            <pc:docMk/>
-            <pc:sldMk cId="753175953" sldId="2056"/>
-            <ac:spMk id="12" creationId="{70463976-1354-BDDA-18A9-EEFA0BB1625A}"/>
-          </ac:spMkLst>
-        </pc:spChg>
-        <pc:picChg chg="add del mod">
-          <ac:chgData name="Kümmerle, Markus" userId="edb588ad-b118-44cb-93b6-335b967c9009" providerId="ADAL" clId="{E7E46156-6837-4F04-A185-356A0A7796C6}" dt="2023-06-29T13:00:00.568" v="38" actId="478"/>
-          <ac:picMkLst>
-            <pc:docMk/>
-            <pc:sldMk cId="753175953" sldId="2056"/>
-            <ac:picMk id="3" creationId="{34C3BFD7-5E7C-A945-4430-9DE9B020B165}"/>
-          </ac:picMkLst>
-        </pc:picChg>
-        <pc:picChg chg="add mod">
-          <ac:chgData name="Kümmerle, Markus" userId="edb588ad-b118-44cb-93b6-335b967c9009" providerId="ADAL" clId="{E7E46156-6837-4F04-A185-356A0A7796C6}" dt="2023-06-29T13:00:16.638" v="43" actId="1076"/>
-          <ac:picMkLst>
-            <pc:docMk/>
-            <pc:sldMk cId="753175953" sldId="2056"/>
-            <ac:picMk id="4" creationId="{2435F677-751A-4227-1615-7D318BF161AA}"/>
-          </ac:picMkLst>
-        </pc:picChg>
-        <pc:picChg chg="del">
-          <ac:chgData name="Kümmerle, Markus" userId="edb588ad-b118-44cb-93b6-335b967c9009" providerId="ADAL" clId="{E7E46156-6837-4F04-A185-356A0A7796C6}" dt="2023-06-15T11:13:12.911" v="0" actId="478"/>
-          <ac:picMkLst>
-            <pc:docMk/>
-            <pc:sldMk cId="753175953" sldId="2056"/>
-            <ac:picMk id="4" creationId="{47123469-64DD-1633-9C1E-B92B7A8FA5A7}"/>
-          </ac:picMkLst>
-        </pc:picChg>
       </pc:sldChg>
     </pc:docChg>
   </pc:docChgLst>
@@ -352,78 +304,6 @@
           <pc:docMk/>
           <pc:sldMk cId="753175953" sldId="2056"/>
         </pc:sldMkLst>
-        <pc:spChg chg="mod">
-          <ac:chgData name="Kümmerle, Markus" userId="edb588ad-b118-44cb-93b6-335b967c9009" providerId="ADAL" clId="{FC68628B-62B9-4961-8677-68E52A74A40B}" dt="2023-04-15T16:56:14.477" v="40" actId="20577"/>
-          <ac:spMkLst>
-            <pc:docMk/>
-            <pc:sldMk cId="753175953" sldId="2056"/>
-            <ac:spMk id="12" creationId="{70463976-1354-BDDA-18A9-EEFA0BB1625A}"/>
-          </ac:spMkLst>
-        </pc:spChg>
-        <pc:grpChg chg="del">
-          <ac:chgData name="Kümmerle, Markus" userId="edb588ad-b118-44cb-93b6-335b967c9009" providerId="ADAL" clId="{FC68628B-62B9-4961-8677-68E52A74A40B}" dt="2023-04-15T16:54:10.085" v="0" actId="478"/>
-          <ac:grpSpMkLst>
-            <pc:docMk/>
-            <pc:sldMk cId="753175953" sldId="2056"/>
-            <ac:grpSpMk id="15" creationId="{BD40C319-4576-1EB7-330E-940110925E02}"/>
-          </ac:grpSpMkLst>
-        </pc:grpChg>
-        <pc:grpChg chg="del">
-          <ac:chgData name="Kümmerle, Markus" userId="edb588ad-b118-44cb-93b6-335b967c9009" providerId="ADAL" clId="{FC68628B-62B9-4961-8677-68E52A74A40B}" dt="2023-04-15T16:54:10.085" v="0" actId="478"/>
-          <ac:grpSpMkLst>
-            <pc:docMk/>
-            <pc:sldMk cId="753175953" sldId="2056"/>
-            <ac:grpSpMk id="25" creationId="{2F5F4159-2952-5418-6423-1914F826DEE7}"/>
-          </ac:grpSpMkLst>
-        </pc:grpChg>
-        <pc:grpChg chg="del">
-          <ac:chgData name="Kümmerle, Markus" userId="edb588ad-b118-44cb-93b6-335b967c9009" providerId="ADAL" clId="{FC68628B-62B9-4961-8677-68E52A74A40B}" dt="2023-04-15T16:54:10.085" v="0" actId="478"/>
-          <ac:grpSpMkLst>
-            <pc:docMk/>
-            <pc:sldMk cId="753175953" sldId="2056"/>
-            <ac:grpSpMk id="43" creationId="{66E6B3DC-A772-222F-9497-94DEB6CA970D}"/>
-          </ac:grpSpMkLst>
-        </pc:grpChg>
-        <pc:grpChg chg="del">
-          <ac:chgData name="Kümmerle, Markus" userId="edb588ad-b118-44cb-93b6-335b967c9009" providerId="ADAL" clId="{FC68628B-62B9-4961-8677-68E52A74A40B}" dt="2023-04-15T16:54:10.085" v="0" actId="478"/>
-          <ac:grpSpMkLst>
-            <pc:docMk/>
-            <pc:sldMk cId="753175953" sldId="2056"/>
-            <ac:grpSpMk id="54" creationId="{90CDDFD8-A635-99B2-B5A1-28A9351081A6}"/>
-          </ac:grpSpMkLst>
-        </pc:grpChg>
-        <pc:grpChg chg="del">
-          <ac:chgData name="Kümmerle, Markus" userId="edb588ad-b118-44cb-93b6-335b967c9009" providerId="ADAL" clId="{FC68628B-62B9-4961-8677-68E52A74A40B}" dt="2023-04-15T16:54:10.085" v="0" actId="478"/>
-          <ac:grpSpMkLst>
-            <pc:docMk/>
-            <pc:sldMk cId="753175953" sldId="2056"/>
-            <ac:grpSpMk id="65" creationId="{1275AAD3-369C-F8EA-508D-2F7C139D0BA5}"/>
-          </ac:grpSpMkLst>
-        </pc:grpChg>
-        <pc:grpChg chg="del">
-          <ac:chgData name="Kümmerle, Markus" userId="edb588ad-b118-44cb-93b6-335b967c9009" providerId="ADAL" clId="{FC68628B-62B9-4961-8677-68E52A74A40B}" dt="2023-04-15T16:54:10.085" v="0" actId="478"/>
-          <ac:grpSpMkLst>
-            <pc:docMk/>
-            <pc:sldMk cId="753175953" sldId="2056"/>
-            <ac:grpSpMk id="75" creationId="{43CA3EA6-6B46-E22E-7039-75C75AAA3FB4}"/>
-          </ac:grpSpMkLst>
-        </pc:grpChg>
-        <pc:grpChg chg="del">
-          <ac:chgData name="Kümmerle, Markus" userId="edb588ad-b118-44cb-93b6-335b967c9009" providerId="ADAL" clId="{FC68628B-62B9-4961-8677-68E52A74A40B}" dt="2023-04-15T16:54:10.085" v="0" actId="478"/>
-          <ac:grpSpMkLst>
-            <pc:docMk/>
-            <pc:sldMk cId="753175953" sldId="2056"/>
-            <ac:grpSpMk id="85" creationId="{A52B32B0-7FD0-B800-6BFC-6377A01C4E27}"/>
-          </ac:grpSpMkLst>
-        </pc:grpChg>
-        <pc:picChg chg="add mod">
-          <ac:chgData name="Kümmerle, Markus" userId="edb588ad-b118-44cb-93b6-335b967c9009" providerId="ADAL" clId="{FC68628B-62B9-4961-8677-68E52A74A40B}" dt="2023-04-15T16:56:02.002" v="35" actId="14100"/>
-          <ac:picMkLst>
-            <pc:docMk/>
-            <pc:sldMk cId="753175953" sldId="2056"/>
-            <ac:picMk id="3" creationId="{B1FDFB85-D31F-BB59-08AC-AAC44732343C}"/>
-          </ac:picMkLst>
-        </pc:picChg>
       </pc:sldChg>
     </pc:docChg>
   </pc:docChgLst>
@@ -440,38 +320,6 @@
           <pc:docMk/>
           <pc:sldMk cId="753175953" sldId="2056"/>
         </pc:sldMkLst>
-        <pc:spChg chg="mod">
-          <ac:chgData name="Kümmerle, Markus" userId="edb588ad-b118-44cb-93b6-335b967c9009" providerId="ADAL" clId="{34666427-7FCB-4FA7-A3B4-9E6503AF3227}" dt="2024-09-11T13:28:03.117" v="26" actId="20577"/>
-          <ac:spMkLst>
-            <pc:docMk/>
-            <pc:sldMk cId="753175953" sldId="2056"/>
-            <ac:spMk id="12" creationId="{70463976-1354-BDDA-18A9-EEFA0BB1625A}"/>
-          </ac:spMkLst>
-        </pc:spChg>
-        <pc:picChg chg="add del mod">
-          <ac:chgData name="Kümmerle, Markus" userId="edb588ad-b118-44cb-93b6-335b967c9009" providerId="ADAL" clId="{34666427-7FCB-4FA7-A3B4-9E6503AF3227}" dt="2024-09-11T13:24:58.317" v="15" actId="478"/>
-          <ac:picMkLst>
-            <pc:docMk/>
-            <pc:sldMk cId="753175953" sldId="2056"/>
-            <ac:picMk id="2" creationId="{4D1B7377-AA9A-D811-5416-833484973983}"/>
-          </ac:picMkLst>
-        </pc:picChg>
-        <pc:picChg chg="del">
-          <ac:chgData name="Kümmerle, Markus" userId="edb588ad-b118-44cb-93b6-335b967c9009" providerId="ADAL" clId="{34666427-7FCB-4FA7-A3B4-9E6503AF3227}" dt="2024-09-11T13:21:28.288" v="0" actId="478"/>
-          <ac:picMkLst>
-            <pc:docMk/>
-            <pc:sldMk cId="753175953" sldId="2056"/>
-            <ac:picMk id="3" creationId="{979A4C29-DD51-5CC7-4E6E-F575F59A39E2}"/>
-          </ac:picMkLst>
-        </pc:picChg>
-        <pc:picChg chg="add mod">
-          <ac:chgData name="Kümmerle, Markus" userId="edb588ad-b118-44cb-93b6-335b967c9009" providerId="ADAL" clId="{34666427-7FCB-4FA7-A3B4-9E6503AF3227}" dt="2024-09-11T13:29:06.421" v="31" actId="1035"/>
-          <ac:picMkLst>
-            <pc:docMk/>
-            <pc:sldMk cId="753175953" sldId="2056"/>
-            <ac:picMk id="15" creationId="{65489179-D576-67C4-FCC6-C7E5A5B75B40}"/>
-          </ac:picMkLst>
-        </pc:picChg>
       </pc:sldChg>
     </pc:docChg>
   </pc:docChgLst>
@@ -488,22 +336,6 @@
           <pc:docMk/>
           <pc:sldMk cId="753175953" sldId="2056"/>
         </pc:sldMkLst>
-        <pc:picChg chg="add mod">
-          <ac:chgData name="Kümmerle, Markus" userId="edb588ad-b118-44cb-93b6-335b967c9009" providerId="ADAL" clId="{D2DCF2E7-8E35-44EA-AF39-7F465D266750}" dt="2024-12-18T13:41:55.169" v="4" actId="14100"/>
-          <ac:picMkLst>
-            <pc:docMk/>
-            <pc:sldMk cId="753175953" sldId="2056"/>
-            <ac:picMk id="2" creationId="{DECCF92E-6CAB-DF67-8467-3A9F4FE01129}"/>
-          </ac:picMkLst>
-        </pc:picChg>
-        <pc:picChg chg="del">
-          <ac:chgData name="Kümmerle, Markus" userId="edb588ad-b118-44cb-93b6-335b967c9009" providerId="ADAL" clId="{D2DCF2E7-8E35-44EA-AF39-7F465D266750}" dt="2024-12-18T13:41:40.743" v="0" actId="478"/>
-          <ac:picMkLst>
-            <pc:docMk/>
-            <pc:sldMk cId="753175953" sldId="2056"/>
-            <ac:picMk id="3" creationId="{010DBF70-74A2-EE62-076E-8F678C2687E9}"/>
-          </ac:picMkLst>
-        </pc:picChg>
       </pc:sldChg>
     </pc:docChg>
   </pc:docChgLst>
@@ -520,42 +352,18 @@
           <pc:docMk/>
           <pc:sldMk cId="753175953" sldId="2056"/>
         </pc:sldMkLst>
-        <pc:spChg chg="mod">
-          <ac:chgData name="Kümmerle, Markus" userId="edb588ad-b118-44cb-93b6-335b967c9009" providerId="ADAL" clId="{70689628-A2CC-4A3A-9986-D50F656A5A10}" dt="2024-06-06T10:57:34.863" v="11" actId="20577"/>
-          <ac:spMkLst>
-            <pc:docMk/>
-            <pc:sldMk cId="753175953" sldId="2056"/>
-            <ac:spMk id="12" creationId="{70463976-1354-BDDA-18A9-EEFA0BB1625A}"/>
-          </ac:spMkLst>
-        </pc:spChg>
-        <pc:picChg chg="add mod">
-          <ac:chgData name="Kümmerle, Markus" userId="edb588ad-b118-44cb-93b6-335b967c9009" providerId="ADAL" clId="{70689628-A2CC-4A3A-9986-D50F656A5A10}" dt="2024-06-06T10:57:13.718" v="6" actId="14100"/>
-          <ac:picMkLst>
-            <pc:docMk/>
-            <pc:sldMk cId="753175953" sldId="2056"/>
-            <ac:picMk id="2" creationId="{7C8758F3-9862-F1DD-23AF-469CFC1A0C82}"/>
-          </ac:picMkLst>
-        </pc:picChg>
-        <pc:picChg chg="del">
-          <ac:chgData name="Kümmerle, Markus" userId="edb588ad-b118-44cb-93b6-335b967c9009" providerId="ADAL" clId="{70689628-A2CC-4A3A-9986-D50F656A5A10}" dt="2024-06-06T10:57:01.847" v="0" actId="478"/>
-          <ac:picMkLst>
-            <pc:docMk/>
-            <pc:sldMk cId="753175953" sldId="2056"/>
-            <ac:picMk id="3" creationId="{1C31E869-2AFA-1128-9EB5-0217EF39C0BE}"/>
-          </ac:picMkLst>
-        </pc:picChg>
       </pc:sldChg>
     </pc:docChg>
   </pc:docChgLst>
   <pc:docChgLst>
     <pc:chgData name="Kümmerle, Markus" userId="edb588ad-b118-44cb-93b6-335b967c9009" providerId="ADAL" clId="{686B896C-B9EC-4A9F-AB99-3B22A7E9F104}"/>
     <pc:docChg chg="custSel modSld">
-      <pc:chgData name="Kümmerle, Markus" userId="edb588ad-b118-44cb-93b6-335b967c9009" providerId="ADAL" clId="{686B896C-B9EC-4A9F-AB99-3B22A7E9F104}" dt="2025-06-05T11:31:04.639" v="120" actId="20577"/>
+      <pc:chgData name="Kümmerle, Markus" userId="edb588ad-b118-44cb-93b6-335b967c9009" providerId="ADAL" clId="{686B896C-B9EC-4A9F-AB99-3B22A7E9F104}" dt="2025-08-05T13:03:09.596" v="129" actId="20577"/>
       <pc:docMkLst>
         <pc:docMk/>
       </pc:docMkLst>
       <pc:sldChg chg="addSp delSp modSp mod">
-        <pc:chgData name="Kümmerle, Markus" userId="edb588ad-b118-44cb-93b6-335b967c9009" providerId="ADAL" clId="{686B896C-B9EC-4A9F-AB99-3B22A7E9F104}" dt="2025-06-05T11:31:04.639" v="120" actId="20577"/>
+        <pc:chgData name="Kümmerle, Markus" userId="edb588ad-b118-44cb-93b6-335b967c9009" providerId="ADAL" clId="{686B896C-B9EC-4A9F-AB99-3B22A7E9F104}" dt="2025-08-05T13:03:09.596" v="129" actId="20577"/>
         <pc:sldMkLst>
           <pc:docMk/>
           <pc:sldMk cId="753175953" sldId="2056"/>
@@ -577,39 +385,23 @@
           </ac:spMkLst>
         </pc:spChg>
         <pc:spChg chg="mod">
-          <ac:chgData name="Kümmerle, Markus" userId="edb588ad-b118-44cb-93b6-335b967c9009" providerId="ADAL" clId="{686B896C-B9EC-4A9F-AB99-3B22A7E9F104}" dt="2025-06-05T11:31:04.639" v="120" actId="20577"/>
+          <ac:chgData name="Kümmerle, Markus" userId="edb588ad-b118-44cb-93b6-335b967c9009" providerId="ADAL" clId="{686B896C-B9EC-4A9F-AB99-3B22A7E9F104}" dt="2025-08-05T13:03:09.596" v="129" actId="20577"/>
           <ac:spMkLst>
             <pc:docMk/>
             <pc:sldMk cId="753175953" sldId="2056"/>
             <ac:spMk id="12" creationId="{70463976-1354-BDDA-18A9-EEFA0BB1625A}"/>
           </ac:spMkLst>
         </pc:spChg>
-        <pc:picChg chg="add del mod">
-          <ac:chgData name="Kümmerle, Markus" userId="edb588ad-b118-44cb-93b6-335b967c9009" providerId="ADAL" clId="{686B896C-B9EC-4A9F-AB99-3B22A7E9F104}" dt="2025-06-05T11:26:16.225" v="111" actId="478"/>
+        <pc:picChg chg="add mod">
+          <ac:chgData name="Kümmerle, Markus" userId="edb588ad-b118-44cb-93b6-335b967c9009" providerId="ADAL" clId="{686B896C-B9EC-4A9F-AB99-3B22A7E9F104}" dt="2025-08-05T13:02:54.517" v="127" actId="14100"/>
           <ac:picMkLst>
             <pc:docMk/>
             <pc:sldMk cId="753175953" sldId="2056"/>
-            <ac:picMk id="3" creationId="{3930B055-CBAA-10E1-EC69-C82DA15980F9}"/>
-          </ac:picMkLst>
-        </pc:picChg>
-        <pc:picChg chg="del">
-          <ac:chgData name="Kümmerle, Markus" userId="edb588ad-b118-44cb-93b6-335b967c9009" providerId="ADAL" clId="{686B896C-B9EC-4A9F-AB99-3B22A7E9F104}" dt="2025-03-28T12:17:42.163" v="0" actId="478"/>
-          <ac:picMkLst>
-            <pc:docMk/>
-            <pc:sldMk cId="753175953" sldId="2056"/>
-            <ac:picMk id="3" creationId="{CE02CC16-45F3-9610-EC2D-1BB0150DB6A7}"/>
+            <ac:picMk id="2" creationId="{0202760B-5CCC-1780-A260-8C215FA0265B}"/>
           </ac:picMkLst>
         </pc:picChg>
         <pc:picChg chg="add del mod">
-          <ac:chgData name="Kümmerle, Markus" userId="edb588ad-b118-44cb-93b6-335b967c9009" providerId="ADAL" clId="{686B896C-B9EC-4A9F-AB99-3B22A7E9F104}" dt="2025-06-05T11:26:06.191" v="108" actId="478"/>
-          <ac:picMkLst>
-            <pc:docMk/>
-            <pc:sldMk cId="753175953" sldId="2056"/>
-            <ac:picMk id="4" creationId="{7C05E50E-267E-7B2E-C99A-A5934E1C5E84}"/>
-          </ac:picMkLst>
-        </pc:picChg>
-        <pc:picChg chg="add mod">
-          <ac:chgData name="Kümmerle, Markus" userId="edb588ad-b118-44cb-93b6-335b967c9009" providerId="ADAL" clId="{686B896C-B9EC-4A9F-AB99-3B22A7E9F104}" dt="2025-06-05T11:27:06.685" v="115" actId="1076"/>
+          <ac:chgData name="Kümmerle, Markus" userId="edb588ad-b118-44cb-93b6-335b967c9009" providerId="ADAL" clId="{686B896C-B9EC-4A9F-AB99-3B22A7E9F104}" dt="2025-08-05T13:02:09.677" v="121" actId="478"/>
           <ac:picMkLst>
             <pc:docMk/>
             <pc:sldMk cId="753175953" sldId="2056"/>
@@ -632,46 +424,6 @@
           <pc:docMk/>
           <pc:sldMk cId="753175953" sldId="2056"/>
         </pc:sldMkLst>
-        <pc:spChg chg="mod">
-          <ac:chgData name="Kümmerle, Markus" userId="edb588ad-b118-44cb-93b6-335b967c9009" providerId="ADAL" clId="{554DEC17-E8D2-4F38-A28A-51E6DB201773}" dt="2025-02-28T09:42:09.302" v="17" actId="20577"/>
-          <ac:spMkLst>
-            <pc:docMk/>
-            <pc:sldMk cId="753175953" sldId="2056"/>
-            <ac:spMk id="12" creationId="{70463976-1354-BDDA-18A9-EEFA0BB1625A}"/>
-          </ac:spMkLst>
-        </pc:spChg>
-        <pc:picChg chg="add del mod">
-          <ac:chgData name="Kümmerle, Markus" userId="edb588ad-b118-44cb-93b6-335b967c9009" providerId="ADAL" clId="{554DEC17-E8D2-4F38-A28A-51E6DB201773}" dt="2025-02-22T14:51:03.522" v="12" actId="478"/>
-          <ac:picMkLst>
-            <pc:docMk/>
-            <pc:sldMk cId="753175953" sldId="2056"/>
-            <ac:picMk id="2" creationId="{1B28B980-C589-EC84-1FAA-EA3635B4268C}"/>
-          </ac:picMkLst>
-        </pc:picChg>
-        <pc:picChg chg="add mod">
-          <ac:chgData name="Kümmerle, Markus" userId="edb588ad-b118-44cb-93b6-335b967c9009" providerId="ADAL" clId="{554DEC17-E8D2-4F38-A28A-51E6DB201773}" dt="2025-02-28T09:44:42.540" v="88" actId="1035"/>
-          <ac:picMkLst>
-            <pc:docMk/>
-            <pc:sldMk cId="753175953" sldId="2056"/>
-            <ac:picMk id="3" creationId="{CE02CC16-45F3-9610-EC2D-1BB0150DB6A7}"/>
-          </ac:picMkLst>
-        </pc:picChg>
-        <pc:picChg chg="del">
-          <ac:chgData name="Kümmerle, Markus" userId="edb588ad-b118-44cb-93b6-335b967c9009" providerId="ADAL" clId="{554DEC17-E8D2-4F38-A28A-51E6DB201773}" dt="2025-02-22T14:51:20.249" v="14" actId="478"/>
-          <ac:picMkLst>
-            <pc:docMk/>
-            <pc:sldMk cId="753175953" sldId="2056"/>
-            <ac:picMk id="3" creationId="{F44F88F7-81A7-8F22-8638-21ACDF9A0CB2}"/>
-          </ac:picMkLst>
-        </pc:picChg>
-        <pc:picChg chg="add del mod">
-          <ac:chgData name="Kümmerle, Markus" userId="edb588ad-b118-44cb-93b6-335b967c9009" providerId="ADAL" clId="{554DEC17-E8D2-4F38-A28A-51E6DB201773}" dt="2025-02-28T09:44:33.526" v="18" actId="478"/>
-          <ac:picMkLst>
-            <pc:docMk/>
-            <pc:sldMk cId="753175953" sldId="2056"/>
-            <ac:picMk id="15" creationId="{CA90E277-F6CB-1BFD-13B0-04AC28A8AFC0}"/>
-          </ac:picMkLst>
-        </pc:picChg>
       </pc:sldChg>
     </pc:docChg>
   </pc:docChgLst>
@@ -688,30 +440,6 @@
           <pc:docMk/>
           <pc:sldMk cId="753175953" sldId="2056"/>
         </pc:sldMkLst>
-        <pc:spChg chg="mod">
-          <ac:chgData name="Markus Kümmerle" userId="edb588ad-b118-44cb-93b6-335b967c9009" providerId="ADAL" clId="{D2DCF2E7-8E35-44EA-AF39-7F465D266750}" dt="2024-12-17T13:35:34.875" v="7" actId="20577"/>
-          <ac:spMkLst>
-            <pc:docMk/>
-            <pc:sldMk cId="753175953" sldId="2056"/>
-            <ac:spMk id="12" creationId="{70463976-1354-BDDA-18A9-EEFA0BB1625A}"/>
-          </ac:spMkLst>
-        </pc:spChg>
-        <pc:picChg chg="del">
-          <ac:chgData name="Markus Kümmerle" userId="edb588ad-b118-44cb-93b6-335b967c9009" providerId="ADAL" clId="{D2DCF2E7-8E35-44EA-AF39-7F465D266750}" dt="2024-12-17T13:38:18.683" v="8" actId="478"/>
-          <ac:picMkLst>
-            <pc:docMk/>
-            <pc:sldMk cId="753175953" sldId="2056"/>
-            <ac:picMk id="2" creationId="{9A8879A2-373D-FBD1-63D7-B6B0D885E516}"/>
-          </ac:picMkLst>
-        </pc:picChg>
-        <pc:picChg chg="add mod">
-          <ac:chgData name="Markus Kümmerle" userId="edb588ad-b118-44cb-93b6-335b967c9009" providerId="ADAL" clId="{D2DCF2E7-8E35-44EA-AF39-7F465D266750}" dt="2024-12-17T13:38:41.904" v="14" actId="1076"/>
-          <ac:picMkLst>
-            <pc:docMk/>
-            <pc:sldMk cId="753175953" sldId="2056"/>
-            <ac:picMk id="3" creationId="{010DBF70-74A2-EE62-076E-8F678C2687E9}"/>
-          </ac:picMkLst>
-        </pc:picChg>
       </pc:sldChg>
     </pc:docChg>
   </pc:docChgLst>
@@ -801,7 +529,7 @@
             <a:fld id="{9847C1C0-7CF7-4E43-8415-72BC7E37BCB3}" type="datetimeFigureOut">
               <a:rPr lang="de-DE" smtClean="0"/>
               <a:pPr/>
-              <a:t>05.06.2025</a:t>
+              <a:t>05.08.2025</a:t>
             </a:fld>
             <a:endParaRPr lang="de-DE"/>
           </a:p>
@@ -5084,7 +4812,7 @@
         <p:spPr>
           <a:xfrm>
             <a:off x="370278" y="251736"/>
-            <a:ext cx="721672" cy="215444"/>
+            <a:ext cx="723275" cy="215444"/>
           </a:xfrm>
           <a:prstGeom prst="rect">
             <a:avLst/>
@@ -5101,7 +4829,7 @@
               <a:rPr lang="de-DE" sz="800" dirty="0">
                 <a:latin typeface="Montserrat Light" panose="00000400000000000000" pitchFamily="2" charset="0"/>
               </a:rPr>
-              <a:t>05.06.2025</a:t>
+              <a:t>05.08.2025</a:t>
             </a:r>
           </a:p>
         </p:txBody>
@@ -5173,10 +4901,10 @@
       </p:pic>
       <p:pic>
         <p:nvPicPr>
-          <p:cNvPr id="16" name="Grafik 15">
+          <p:cNvPr id="2" name="Grafik 1">
             <a:extLst>
               <a:ext uri="{FF2B5EF4-FFF2-40B4-BE49-F238E27FC236}">
-                <a16:creationId xmlns:a16="http://schemas.microsoft.com/office/drawing/2014/main" id="{38740FBA-B935-A15D-1249-C47EB8FD8BD3}"/>
+                <a16:creationId xmlns:a16="http://schemas.microsoft.com/office/drawing/2014/main" id="{0202760B-5CCC-1780-A260-8C215FA0265B}"/>
               </a:ext>
             </a:extLst>
           </p:cNvPr>
@@ -5193,8 +4921,8 @@
         </p:blipFill>
         <p:spPr>
           <a:xfrm>
-            <a:off x="141941" y="7566121"/>
-            <a:ext cx="6574118" cy="2339879"/>
+            <a:off x="0" y="7530661"/>
+            <a:ext cx="6858000" cy="2375339"/>
           </a:xfrm>
           <a:prstGeom prst="rect">
             <a:avLst/>
@@ -5860,15 +5588,6 @@
 </file>
 
 <file path=customXml/item1.xml><?xml version="1.0" encoding="utf-8"?>
-<?mso-contentType ?>
-<FormTemplates xmlns="http://schemas.microsoft.com/sharepoint/v3/contenttype/forms">
-  <Display>DocumentLibraryForm</Display>
-  <Edit>DocumentLibraryForm</Edit>
-  <New>DocumentLibraryForm</New>
-</FormTemplates>
-</file>
-
-<file path=customXml/item2.xml><?xml version="1.0" encoding="utf-8"?>
 <p:properties xmlns:p="http://schemas.microsoft.com/office/2006/metadata/properties" xmlns:xsi="http://www.w3.org/2001/XMLSchema-instance" xmlns:pc="http://schemas.microsoft.com/office/infopath/2007/PartnerControls">
   <documentManagement>
     <SharedWithUsers xmlns="97396690-0b91-46d2-ad5a-06f45914e19c">
@@ -5884,6 +5603,15 @@
     <TaxCatchAll xmlns="97396690-0b91-46d2-ad5a-06f45914e19c" xsi:nil="true"/>
   </documentManagement>
 </p:properties>
+</file>
+
+<file path=customXml/item2.xml><?xml version="1.0" encoding="utf-8"?>
+<?mso-contentType ?>
+<FormTemplates xmlns="http://schemas.microsoft.com/sharepoint/v3/contenttype/forms">
+  <Display>DocumentLibraryForm</Display>
+  <Edit>DocumentLibraryForm</Edit>
+  <New>DocumentLibraryForm</New>
+</FormTemplates>
 </file>
 
 <file path=customXml/item3.xml><?xml version="1.0" encoding="utf-8"?>
@@ -6148,14 +5876,6 @@
 </file>
 
 <file path=customXml/itemProps1.xml><?xml version="1.0" encoding="utf-8"?>
-<ds:datastoreItem xmlns:ds="http://schemas.openxmlformats.org/officeDocument/2006/customXml" ds:itemID="{61F0326B-7C1A-45A3-8DA0-69177D7DF157}">
-  <ds:schemaRefs>
-    <ds:schemaRef ds:uri="http://schemas.microsoft.com/sharepoint/v3/contenttype/forms"/>
-  </ds:schemaRefs>
-</ds:datastoreItem>
-</file>
-
-<file path=customXml/itemProps2.xml><?xml version="1.0" encoding="utf-8"?>
 <ds:datastoreItem xmlns:ds="http://schemas.openxmlformats.org/officeDocument/2006/customXml" ds:itemID="{96FB6EF1-0BB7-4926-9DDA-55BF1304A87D}">
   <ds:schemaRefs>
     <ds:schemaRef ds:uri="http://purl.org/dc/elements/1.1/"/>
@@ -6168,6 +5888,14 @@
     <ds:schemaRef ds:uri="97396690-0b91-46d2-ad5a-06f45914e19c"/>
     <ds:schemaRef ds:uri="http://schemas.microsoft.com/office/infopath/2007/PartnerControls"/>
     <ds:schemaRef ds:uri="http://schemas.microsoft.com/office/2006/metadata/properties"/>
+  </ds:schemaRefs>
+</ds:datastoreItem>
+</file>
+
+<file path=customXml/itemProps2.xml><?xml version="1.0" encoding="utf-8"?>
+<ds:datastoreItem xmlns:ds="http://schemas.openxmlformats.org/officeDocument/2006/customXml" ds:itemID="{61F0326B-7C1A-45A3-8DA0-69177D7DF157}">
+  <ds:schemaRefs>
+    <ds:schemaRef ds:uri="http://schemas.microsoft.com/sharepoint/v3/contenttype/forms"/>
   </ds:schemaRefs>
 </ds:datastoreItem>
 </file>

--- a/documentation/MarketingMaterial/CAMARA Onepager.pptx
+++ b/documentation/MarketingMaterial/CAMARA Onepager.pptx
@@ -358,54 +358,38 @@
   <pc:docChgLst>
     <pc:chgData name="Kümmerle, Markus" userId="edb588ad-b118-44cb-93b6-335b967c9009" providerId="ADAL" clId="{686B896C-B9EC-4A9F-AB99-3B22A7E9F104}"/>
     <pc:docChg chg="custSel modSld">
-      <pc:chgData name="Kümmerle, Markus" userId="edb588ad-b118-44cb-93b6-335b967c9009" providerId="ADAL" clId="{686B896C-B9EC-4A9F-AB99-3B22A7E9F104}" dt="2025-08-05T13:03:09.596" v="129" actId="20577"/>
+      <pc:chgData name="Kümmerle, Markus" userId="edb588ad-b118-44cb-93b6-335b967c9009" providerId="ADAL" clId="{686B896C-B9EC-4A9F-AB99-3B22A7E9F104}" dt="2025-10-09T11:49:26.505" v="252" actId="1037"/>
       <pc:docMkLst>
         <pc:docMk/>
       </pc:docMkLst>
       <pc:sldChg chg="addSp delSp modSp mod">
-        <pc:chgData name="Kümmerle, Markus" userId="edb588ad-b118-44cb-93b6-335b967c9009" providerId="ADAL" clId="{686B896C-B9EC-4A9F-AB99-3B22A7E9F104}" dt="2025-08-05T13:03:09.596" v="129" actId="20577"/>
+        <pc:chgData name="Kümmerle, Markus" userId="edb588ad-b118-44cb-93b6-335b967c9009" providerId="ADAL" clId="{686B896C-B9EC-4A9F-AB99-3B22A7E9F104}" dt="2025-10-09T11:49:26.505" v="252" actId="1037"/>
         <pc:sldMkLst>
           <pc:docMk/>
           <pc:sldMk cId="753175953" sldId="2056"/>
         </pc:sldMkLst>
         <pc:spChg chg="mod">
-          <ac:chgData name="Kümmerle, Markus" userId="edb588ad-b118-44cb-93b6-335b967c9009" providerId="ADAL" clId="{686B896C-B9EC-4A9F-AB99-3B22A7E9F104}" dt="2025-05-16T13:55:22.506" v="107" actId="20577"/>
-          <ac:spMkLst>
-            <pc:docMk/>
-            <pc:sldMk cId="753175953" sldId="2056"/>
-            <ac:spMk id="9" creationId="{9B7F815F-F157-D898-F728-AF8ED6826551}"/>
-          </ac:spMkLst>
-        </pc:spChg>
-        <pc:spChg chg="mod">
-          <ac:chgData name="Kümmerle, Markus" userId="edb588ad-b118-44cb-93b6-335b967c9009" providerId="ADAL" clId="{686B896C-B9EC-4A9F-AB99-3B22A7E9F104}" dt="2025-05-16T13:54:43.148" v="98" actId="20577"/>
-          <ac:spMkLst>
-            <pc:docMk/>
-            <pc:sldMk cId="753175953" sldId="2056"/>
-            <ac:spMk id="10" creationId="{4B51F363-6035-3F4A-DC3D-A1E415C7B293}"/>
-          </ac:spMkLst>
-        </pc:spChg>
-        <pc:spChg chg="mod">
-          <ac:chgData name="Kümmerle, Markus" userId="edb588ad-b118-44cb-93b6-335b967c9009" providerId="ADAL" clId="{686B896C-B9EC-4A9F-AB99-3B22A7E9F104}" dt="2025-08-05T13:03:09.596" v="129" actId="20577"/>
+          <ac:chgData name="Kümmerle, Markus" userId="edb588ad-b118-44cb-93b6-335b967c9009" providerId="ADAL" clId="{686B896C-B9EC-4A9F-AB99-3B22A7E9F104}" dt="2025-10-09T11:36:17.072" v="141" actId="20577"/>
           <ac:spMkLst>
             <pc:docMk/>
             <pc:sldMk cId="753175953" sldId="2056"/>
             <ac:spMk id="12" creationId="{70463976-1354-BDDA-18A9-EEFA0BB1625A}"/>
           </ac:spMkLst>
         </pc:spChg>
-        <pc:picChg chg="add mod">
-          <ac:chgData name="Kümmerle, Markus" userId="edb588ad-b118-44cb-93b6-335b967c9009" providerId="ADAL" clId="{686B896C-B9EC-4A9F-AB99-3B22A7E9F104}" dt="2025-08-05T13:02:54.517" v="127" actId="14100"/>
+        <pc:picChg chg="add del mod">
+          <ac:chgData name="Kümmerle, Markus" userId="edb588ad-b118-44cb-93b6-335b967c9009" providerId="ADAL" clId="{686B896C-B9EC-4A9F-AB99-3B22A7E9F104}" dt="2025-10-09T11:48:50.036" v="181" actId="478"/>
           <ac:picMkLst>
             <pc:docMk/>
             <pc:sldMk cId="753175953" sldId="2056"/>
             <ac:picMk id="2" creationId="{0202760B-5CCC-1780-A260-8C215FA0265B}"/>
           </ac:picMkLst>
         </pc:picChg>
-        <pc:picChg chg="add del mod">
-          <ac:chgData name="Kümmerle, Markus" userId="edb588ad-b118-44cb-93b6-335b967c9009" providerId="ADAL" clId="{686B896C-B9EC-4A9F-AB99-3B22A7E9F104}" dt="2025-08-05T13:02:09.677" v="121" actId="478"/>
+        <pc:picChg chg="add mod">
+          <ac:chgData name="Kümmerle, Markus" userId="edb588ad-b118-44cb-93b6-335b967c9009" providerId="ADAL" clId="{686B896C-B9EC-4A9F-AB99-3B22A7E9F104}" dt="2025-10-09T11:49:26.505" v="252" actId="1037"/>
           <ac:picMkLst>
             <pc:docMk/>
             <pc:sldMk cId="753175953" sldId="2056"/>
-            <ac:picMk id="16" creationId="{38740FBA-B935-A15D-1249-C47EB8FD8BD3}"/>
+            <ac:picMk id="4" creationId="{ABC7A9B6-EE31-3CF8-766F-57BA51C7749B}"/>
           </ac:picMkLst>
         </pc:picChg>
       </pc:sldChg>
@@ -529,7 +513,7 @@
             <a:fld id="{9847C1C0-7CF7-4E43-8415-72BC7E37BCB3}" type="datetimeFigureOut">
               <a:rPr lang="de-DE" smtClean="0"/>
               <a:pPr/>
-              <a:t>05.08.2025</a:t>
+              <a:t>09.10.2025</a:t>
             </a:fld>
             <a:endParaRPr lang="de-DE"/>
           </a:p>
@@ -4812,7 +4796,7 @@
         <p:spPr>
           <a:xfrm>
             <a:off x="370278" y="251736"/>
-            <a:ext cx="723275" cy="215444"/>
+            <a:ext cx="675185" cy="215444"/>
           </a:xfrm>
           <a:prstGeom prst="rect">
             <a:avLst/>
@@ -4829,7 +4813,7 @@
               <a:rPr lang="de-DE" sz="800" dirty="0">
                 <a:latin typeface="Montserrat Light" panose="00000400000000000000" pitchFamily="2" charset="0"/>
               </a:rPr>
-              <a:t>05.08.2025</a:t>
+              <a:t>10.10.2025</a:t>
             </a:r>
           </a:p>
         </p:txBody>
@@ -4901,10 +4885,10 @@
       </p:pic>
       <p:pic>
         <p:nvPicPr>
-          <p:cNvPr id="2" name="Grafik 1">
+          <p:cNvPr id="4" name="Grafik 3">
             <a:extLst>
               <a:ext uri="{FF2B5EF4-FFF2-40B4-BE49-F238E27FC236}">
-                <a16:creationId xmlns:a16="http://schemas.microsoft.com/office/drawing/2014/main" id="{0202760B-5CCC-1780-A260-8C215FA0265B}"/>
+                <a16:creationId xmlns:a16="http://schemas.microsoft.com/office/drawing/2014/main" id="{ABC7A9B6-EE31-3CF8-766F-57BA51C7749B}"/>
               </a:ext>
             </a:extLst>
           </p:cNvPr>
@@ -4921,8 +4905,8 @@
         </p:blipFill>
         <p:spPr>
           <a:xfrm>
-            <a:off x="0" y="7530661"/>
-            <a:ext cx="6858000" cy="2375339"/>
+            <a:off x="-6824" y="7530661"/>
+            <a:ext cx="6858000" cy="2370406"/>
           </a:xfrm>
           <a:prstGeom prst="rect">
             <a:avLst/>
@@ -5588,6 +5572,15 @@
 </file>
 
 <file path=customXml/item1.xml><?xml version="1.0" encoding="utf-8"?>
+<?mso-contentType ?>
+<FormTemplates xmlns="http://schemas.microsoft.com/sharepoint/v3/contenttype/forms">
+  <Display>DocumentLibraryForm</Display>
+  <Edit>DocumentLibraryForm</Edit>
+  <New>DocumentLibraryForm</New>
+</FormTemplates>
+</file>
+
+<file path=customXml/item2.xml><?xml version="1.0" encoding="utf-8"?>
 <p:properties xmlns:p="http://schemas.microsoft.com/office/2006/metadata/properties" xmlns:xsi="http://www.w3.org/2001/XMLSchema-instance" xmlns:pc="http://schemas.microsoft.com/office/infopath/2007/PartnerControls">
   <documentManagement>
     <SharedWithUsers xmlns="97396690-0b91-46d2-ad5a-06f45914e19c">
@@ -5603,15 +5596,6 @@
     <TaxCatchAll xmlns="97396690-0b91-46d2-ad5a-06f45914e19c" xsi:nil="true"/>
   </documentManagement>
 </p:properties>
-</file>
-
-<file path=customXml/item2.xml><?xml version="1.0" encoding="utf-8"?>
-<?mso-contentType ?>
-<FormTemplates xmlns="http://schemas.microsoft.com/sharepoint/v3/contenttype/forms">
-  <Display>DocumentLibraryForm</Display>
-  <Edit>DocumentLibraryForm</Edit>
-  <New>DocumentLibraryForm</New>
-</FormTemplates>
 </file>
 
 <file path=customXml/item3.xml><?xml version="1.0" encoding="utf-8"?>
@@ -5876,6 +5860,14 @@
 </file>
 
 <file path=customXml/itemProps1.xml><?xml version="1.0" encoding="utf-8"?>
+<ds:datastoreItem xmlns:ds="http://schemas.openxmlformats.org/officeDocument/2006/customXml" ds:itemID="{61F0326B-7C1A-45A3-8DA0-69177D7DF157}">
+  <ds:schemaRefs>
+    <ds:schemaRef ds:uri="http://schemas.microsoft.com/sharepoint/v3/contenttype/forms"/>
+  </ds:schemaRefs>
+</ds:datastoreItem>
+</file>
+
+<file path=customXml/itemProps2.xml><?xml version="1.0" encoding="utf-8"?>
 <ds:datastoreItem xmlns:ds="http://schemas.openxmlformats.org/officeDocument/2006/customXml" ds:itemID="{96FB6EF1-0BB7-4926-9DDA-55BF1304A87D}">
   <ds:schemaRefs>
     <ds:schemaRef ds:uri="http://purl.org/dc/elements/1.1/"/>
@@ -5888,14 +5880,6 @@
     <ds:schemaRef ds:uri="97396690-0b91-46d2-ad5a-06f45914e19c"/>
     <ds:schemaRef ds:uri="http://schemas.microsoft.com/office/infopath/2007/PartnerControls"/>
     <ds:schemaRef ds:uri="http://schemas.microsoft.com/office/2006/metadata/properties"/>
-  </ds:schemaRefs>
-</ds:datastoreItem>
-</file>
-
-<file path=customXml/itemProps2.xml><?xml version="1.0" encoding="utf-8"?>
-<ds:datastoreItem xmlns:ds="http://schemas.openxmlformats.org/officeDocument/2006/customXml" ds:itemID="{61F0326B-7C1A-45A3-8DA0-69177D7DF157}">
-  <ds:schemaRefs>
-    <ds:schemaRef ds:uri="http://schemas.microsoft.com/sharepoint/v3/contenttype/forms"/>
   </ds:schemaRefs>
 </ds:datastoreItem>
 </file>

--- a/documentation/MarketingMaterial/CAMARA Onepager.pptx
+++ b/documentation/MarketingMaterial/CAMARA Onepager.pptx
@@ -21,24 +21,21 @@
       <p:boldItalic r:id="rId10"/>
     </p:embeddedFont>
     <p:embeddedFont>
-      <p:font typeface="Montserrat" panose="00000500000000000000" pitchFamily="2" charset="0"/>
+      <p:font typeface="Montserrat" panose="00000500000000000000" charset="0"/>
       <p:regular r:id="rId11"/>
       <p:bold r:id="rId12"/>
       <p:italic r:id="rId13"/>
       <p:boldItalic r:id="rId14"/>
     </p:embeddedFont>
     <p:embeddedFont>
-      <p:font typeface="Montserrat Light" panose="00000400000000000000" pitchFamily="2" charset="0"/>
+      <p:font typeface="Montserrat Light" panose="00000400000000000000" charset="0"/>
       <p:regular r:id="rId15"/>
-      <p:italic r:id="rId16"/>
-    </p:embeddedFont>
-    <p:embeddedFont>
-      <p:font typeface="Montserrat SemiBold" panose="00000700000000000000" pitchFamily="2" charset="0"/>
-      <p:bold r:id="rId17"/>
+      <p:bold r:id="rId16"/>
+      <p:italic r:id="rId17"/>
       <p:boldItalic r:id="rId18"/>
     </p:embeddedFont>
     <p:embeddedFont>
-      <p:font typeface="Open Sans" panose="020B0606030504020204" pitchFamily="34" charset="0"/>
+      <p:font typeface="Montserrat SemiBold" panose="00000700000000000000" charset="0"/>
       <p:regular r:id="rId19"/>
       <p:bold r:id="rId20"/>
       <p:italic r:id="rId21"/>
@@ -358,34 +355,34 @@
   <pc:docChgLst>
     <pc:chgData name="Kümmerle, Markus" userId="edb588ad-b118-44cb-93b6-335b967c9009" providerId="ADAL" clId="{686B896C-B9EC-4A9F-AB99-3B22A7E9F104}"/>
     <pc:docChg chg="custSel modSld">
-      <pc:chgData name="Kümmerle, Markus" userId="edb588ad-b118-44cb-93b6-335b967c9009" providerId="ADAL" clId="{686B896C-B9EC-4A9F-AB99-3B22A7E9F104}" dt="2025-10-09T11:49:26.505" v="252" actId="1037"/>
+      <pc:chgData name="Kümmerle, Markus" userId="edb588ad-b118-44cb-93b6-335b967c9009" providerId="ADAL" clId="{686B896C-B9EC-4A9F-AB99-3B22A7E9F104}" dt="2025-10-28T16:56:56.384" v="272" actId="20577"/>
       <pc:docMkLst>
         <pc:docMk/>
       </pc:docMkLst>
       <pc:sldChg chg="addSp delSp modSp mod">
-        <pc:chgData name="Kümmerle, Markus" userId="edb588ad-b118-44cb-93b6-335b967c9009" providerId="ADAL" clId="{686B896C-B9EC-4A9F-AB99-3B22A7E9F104}" dt="2025-10-09T11:49:26.505" v="252" actId="1037"/>
+        <pc:chgData name="Kümmerle, Markus" userId="edb588ad-b118-44cb-93b6-335b967c9009" providerId="ADAL" clId="{686B896C-B9EC-4A9F-AB99-3B22A7E9F104}" dt="2025-10-28T16:56:56.384" v="272" actId="20577"/>
         <pc:sldMkLst>
           <pc:docMk/>
           <pc:sldMk cId="753175953" sldId="2056"/>
         </pc:sldMkLst>
         <pc:spChg chg="mod">
-          <ac:chgData name="Kümmerle, Markus" userId="edb588ad-b118-44cb-93b6-335b967c9009" providerId="ADAL" clId="{686B896C-B9EC-4A9F-AB99-3B22A7E9F104}" dt="2025-10-09T11:36:17.072" v="141" actId="20577"/>
+          <ac:chgData name="Kümmerle, Markus" userId="edb588ad-b118-44cb-93b6-335b967c9009" providerId="ADAL" clId="{686B896C-B9EC-4A9F-AB99-3B22A7E9F104}" dt="2025-10-28T16:56:56.384" v="272" actId="20577"/>
           <ac:spMkLst>
             <pc:docMk/>
             <pc:sldMk cId="753175953" sldId="2056"/>
             <ac:spMk id="12" creationId="{70463976-1354-BDDA-18A9-EEFA0BB1625A}"/>
           </ac:spMkLst>
         </pc:spChg>
-        <pc:picChg chg="add del mod">
-          <ac:chgData name="Kümmerle, Markus" userId="edb588ad-b118-44cb-93b6-335b967c9009" providerId="ADAL" clId="{686B896C-B9EC-4A9F-AB99-3B22A7E9F104}" dt="2025-10-09T11:48:50.036" v="181" actId="478"/>
+        <pc:picChg chg="add mod">
+          <ac:chgData name="Kümmerle, Markus" userId="edb588ad-b118-44cb-93b6-335b967c9009" providerId="ADAL" clId="{686B896C-B9EC-4A9F-AB99-3B22A7E9F104}" dt="2025-10-28T16:22:19.431" v="268" actId="14100"/>
           <ac:picMkLst>
             <pc:docMk/>
             <pc:sldMk cId="753175953" sldId="2056"/>
-            <ac:picMk id="2" creationId="{0202760B-5CCC-1780-A260-8C215FA0265B}"/>
+            <ac:picMk id="3" creationId="{1679701D-E316-649F-0951-17E824D1E138}"/>
           </ac:picMkLst>
         </pc:picChg>
-        <pc:picChg chg="add mod">
-          <ac:chgData name="Kümmerle, Markus" userId="edb588ad-b118-44cb-93b6-335b967c9009" providerId="ADAL" clId="{686B896C-B9EC-4A9F-AB99-3B22A7E9F104}" dt="2025-10-09T11:49:26.505" v="252" actId="1037"/>
+        <pc:picChg chg="add del mod">
+          <ac:chgData name="Kümmerle, Markus" userId="edb588ad-b118-44cb-93b6-335b967c9009" providerId="ADAL" clId="{686B896C-B9EC-4A9F-AB99-3B22A7E9F104}" dt="2025-10-28T16:21:51.579" v="255" actId="478"/>
           <ac:picMkLst>
             <pc:docMk/>
             <pc:sldMk cId="753175953" sldId="2056"/>
@@ -513,7 +510,7 @@
             <a:fld id="{9847C1C0-7CF7-4E43-8415-72BC7E37BCB3}" type="datetimeFigureOut">
               <a:rPr lang="de-DE" smtClean="0"/>
               <a:pPr/>
-              <a:t>09.10.2025</a:t>
+              <a:t>28.10.2025</a:t>
             </a:fld>
             <a:endParaRPr lang="de-DE"/>
           </a:p>
@@ -4796,7 +4793,7 @@
         <p:spPr>
           <a:xfrm>
             <a:off x="370278" y="251736"/>
-            <a:ext cx="675185" cy="215444"/>
+            <a:ext cx="704039" cy="215444"/>
           </a:xfrm>
           <a:prstGeom prst="rect">
             <a:avLst/>
@@ -4813,7 +4810,7 @@
               <a:rPr lang="de-DE" sz="800" dirty="0">
                 <a:latin typeface="Montserrat Light" panose="00000400000000000000" pitchFamily="2" charset="0"/>
               </a:rPr>
-              <a:t>10.10.2025</a:t>
+              <a:t>28.10.2025</a:t>
             </a:r>
           </a:p>
         </p:txBody>
@@ -4885,10 +4882,10 @@
       </p:pic>
       <p:pic>
         <p:nvPicPr>
-          <p:cNvPr id="4" name="Grafik 3">
+          <p:cNvPr id="3" name="Grafik 2">
             <a:extLst>
               <a:ext uri="{FF2B5EF4-FFF2-40B4-BE49-F238E27FC236}">
-                <a16:creationId xmlns:a16="http://schemas.microsoft.com/office/drawing/2014/main" id="{ABC7A9B6-EE31-3CF8-766F-57BA51C7749B}"/>
+                <a16:creationId xmlns:a16="http://schemas.microsoft.com/office/drawing/2014/main" id="{1679701D-E316-649F-0951-17E824D1E138}"/>
               </a:ext>
             </a:extLst>
           </p:cNvPr>
@@ -4905,8 +4902,8 @@
         </p:blipFill>
         <p:spPr>
           <a:xfrm>
-            <a:off x="-6824" y="7530661"/>
-            <a:ext cx="6858000" cy="2370406"/>
+            <a:off x="0" y="7568861"/>
+            <a:ext cx="6858000" cy="2337139"/>
           </a:xfrm>
           <a:prstGeom prst="rect">
             <a:avLst/>
@@ -5572,35 +5569,8 @@
 </file>
 
 <file path=customXml/item1.xml><?xml version="1.0" encoding="utf-8"?>
-<?mso-contentType ?>
-<FormTemplates xmlns="http://schemas.microsoft.com/sharepoint/v3/contenttype/forms">
-  <Display>DocumentLibraryForm</Display>
-  <Edit>DocumentLibraryForm</Edit>
-  <New>DocumentLibraryForm</New>
-</FormTemplates>
-</file>
-
-<file path=customXml/item2.xml><?xml version="1.0" encoding="utf-8"?>
-<p:properties xmlns:p="http://schemas.microsoft.com/office/2006/metadata/properties" xmlns:xsi="http://www.w3.org/2001/XMLSchema-instance" xmlns:pc="http://schemas.microsoft.com/office/infopath/2007/PartnerControls">
-  <documentManagement>
-    <SharedWithUsers xmlns="97396690-0b91-46d2-ad5a-06f45914e19c">
-      <UserInfo>
-        <DisplayName/>
-        <AccountId xsi:nil="true"/>
-        <AccountType/>
-      </UserInfo>
-    </SharedWithUsers>
-    <lcf76f155ced4ddcb4097134ff3c332f xmlns="6126070c-0864-4b03-b2dc-aab5d8c39348">
-      <Terms xmlns="http://schemas.microsoft.com/office/infopath/2007/PartnerControls"/>
-    </lcf76f155ced4ddcb4097134ff3c332f>
-    <TaxCatchAll xmlns="97396690-0b91-46d2-ad5a-06f45914e19c" xsi:nil="true"/>
-  </documentManagement>
-</p:properties>
-</file>
-
-<file path=customXml/item3.xml><?xml version="1.0" encoding="utf-8"?>
-<ct:contentTypeSchema xmlns:ct="http://schemas.microsoft.com/office/2006/metadata/contentType" xmlns:ma="http://schemas.microsoft.com/office/2006/metadata/properties/metaAttributes" ct:_="" ma:_="" ma:contentTypeName="Dokument" ma:contentTypeID="0x010100044AD662EB7A25499208DD4235E5F8D6" ma:contentTypeVersion="19" ma:contentTypeDescription="Ein neues Dokument erstellen." ma:contentTypeScope="" ma:versionID="13ad816330f46bab1ab8587ed50d3990">
-  <xsd:schema xmlns:xsd="http://www.w3.org/2001/XMLSchema" xmlns:xs="http://www.w3.org/2001/XMLSchema" xmlns:p="http://schemas.microsoft.com/office/2006/metadata/properties" xmlns:ns2="6126070c-0864-4b03-b2dc-aab5d8c39348" xmlns:ns3="97396690-0b91-46d2-ad5a-06f45914e19c" targetNamespace="http://schemas.microsoft.com/office/2006/metadata/properties" ma:root="true" ma:fieldsID="8882ae1798fdd31abf262c7e01bcc7bd" ns2:_="" ns3:_="">
+<ct:contentTypeSchema xmlns:ct="http://schemas.microsoft.com/office/2006/metadata/contentType" xmlns:ma="http://schemas.microsoft.com/office/2006/metadata/properties/metaAttributes" ct:_="" ma:_="" ma:contentTypeName="Dokument" ma:contentTypeID="0x010100044AD662EB7A25499208DD4235E5F8D6" ma:contentTypeVersion="19" ma:contentTypeDescription="Ein neues Dokument erstellen." ma:contentTypeScope="" ma:versionID="6dd0f8c0eace48ff92b5c75a0371321e">
+  <xsd:schema xmlns:xsd="http://www.w3.org/2001/XMLSchema" xmlns:xs="http://www.w3.org/2001/XMLSchema" xmlns:p="http://schemas.microsoft.com/office/2006/metadata/properties" xmlns:ns2="6126070c-0864-4b03-b2dc-aab5d8c39348" xmlns:ns3="97396690-0b91-46d2-ad5a-06f45914e19c" targetNamespace="http://schemas.microsoft.com/office/2006/metadata/properties" ma:root="true" ma:fieldsID="8db16611652685d20b4d4e85d0b84546" ns2:_="" ns3:_="">
     <xsd:import namespace="6126070c-0864-4b03-b2dc-aab5d8c39348"/>
     <xsd:import namespace="97396690-0b91-46d2-ad5a-06f45914e19c"/>
     <xsd:element name="properties">
@@ -5859,12 +5829,35 @@
 </ct:contentTypeSchema>
 </file>
 
+<file path=customXml/item2.xml><?xml version="1.0" encoding="utf-8"?>
+<p:properties xmlns:p="http://schemas.microsoft.com/office/2006/metadata/properties" xmlns:xsi="http://www.w3.org/2001/XMLSchema-instance" xmlns:pc="http://schemas.microsoft.com/office/infopath/2007/PartnerControls">
+  <documentManagement>
+    <SharedWithUsers xmlns="97396690-0b91-46d2-ad5a-06f45914e19c">
+      <UserInfo>
+        <DisplayName/>
+        <AccountId xsi:nil="true"/>
+        <AccountType/>
+      </UserInfo>
+    </SharedWithUsers>
+    <lcf76f155ced4ddcb4097134ff3c332f xmlns="6126070c-0864-4b03-b2dc-aab5d8c39348">
+      <Terms xmlns="http://schemas.microsoft.com/office/infopath/2007/PartnerControls"/>
+    </lcf76f155ced4ddcb4097134ff3c332f>
+    <TaxCatchAll xmlns="97396690-0b91-46d2-ad5a-06f45914e19c" xsi:nil="true"/>
+  </documentManagement>
+</p:properties>
+</file>
+
+<file path=customXml/item3.xml><?xml version="1.0" encoding="utf-8"?>
+<?mso-contentType ?>
+<FormTemplates xmlns="http://schemas.microsoft.com/sharepoint/v3/contenttype/forms">
+  <Display>DocumentLibraryForm</Display>
+  <Edit>DocumentLibraryForm</Edit>
+  <New>DocumentLibraryForm</New>
+</FormTemplates>
+</file>
+
 <file path=customXml/itemProps1.xml><?xml version="1.0" encoding="utf-8"?>
-<ds:datastoreItem xmlns:ds="http://schemas.openxmlformats.org/officeDocument/2006/customXml" ds:itemID="{61F0326B-7C1A-45A3-8DA0-69177D7DF157}">
-  <ds:schemaRefs>
-    <ds:schemaRef ds:uri="http://schemas.microsoft.com/sharepoint/v3/contenttype/forms"/>
-  </ds:schemaRefs>
-</ds:datastoreItem>
+<ds:datastoreItem xmlns:ds="http://schemas.openxmlformats.org/officeDocument/2006/customXml" ds:itemID="{89E73DBE-F142-4A11-952A-D52070C3BA8E}"/>
 </file>
 
 <file path=customXml/itemProps2.xml><?xml version="1.0" encoding="utf-8"?>
@@ -5885,20 +5878,9 @@
 </file>
 
 <file path=customXml/itemProps3.xml><?xml version="1.0" encoding="utf-8"?>
-<ds:datastoreItem xmlns:ds="http://schemas.openxmlformats.org/officeDocument/2006/customXml" ds:itemID="{5452D58F-233A-42AE-B2B3-28FCE2B5A758}">
+<ds:datastoreItem xmlns:ds="http://schemas.openxmlformats.org/officeDocument/2006/customXml" ds:itemID="{61F0326B-7C1A-45A3-8DA0-69177D7DF157}">
   <ds:schemaRefs>
-    <ds:schemaRef ds:uri="http://schemas.microsoft.com/office/2006/metadata/contentType"/>
-    <ds:schemaRef ds:uri="http://schemas.microsoft.com/office/2006/metadata/properties/metaAttributes"/>
-    <ds:schemaRef ds:uri="http://www.w3.org/2001/XMLSchema"/>
-    <ds:schemaRef ds:uri="http://schemas.microsoft.com/office/2006/metadata/properties"/>
-    <ds:schemaRef ds:uri="6126070c-0864-4b03-b2dc-aab5d8c39348"/>
-    <ds:schemaRef ds:uri="97396690-0b91-46d2-ad5a-06f45914e19c"/>
-    <ds:schemaRef ds:uri="http://schemas.microsoft.com/office/2006/documentManagement/types"/>
-    <ds:schemaRef ds:uri="http://schemas.microsoft.com/office/infopath/2007/PartnerControls"/>
-    <ds:schemaRef ds:uri="http://schemas.openxmlformats.org/package/2006/metadata/core-properties"/>
-    <ds:schemaRef ds:uri="http://purl.org/dc/elements/1.1/"/>
-    <ds:schemaRef ds:uri="http://purl.org/dc/terms/"/>
-    <ds:schemaRef ds:uri="http://schemas.microsoft.com/internal/obd"/>
+    <ds:schemaRef ds:uri="http://schemas.microsoft.com/sharepoint/v3/contenttype/forms"/>
   </ds:schemaRefs>
 </ds:datastoreItem>
 </file>
